--- a/sim_tutorial.pptx
+++ b/sim_tutorial.pptx
@@ -108,6 +108,11 @@
       </a:defRPr>
     </a:lvl9pPr>
   </p:defaultTextStyle>
+  <p:extLst>
+    <p:ext uri="{EFAFB233-063F-42B5-8137-9DF3F51BA10A}">
+      <p15:sldGuideLst xmlns:p15="http://schemas.microsoft.com/office/powerpoint/2012/main"/>
+    </p:ext>
+  </p:extLst>
 </p:presentation>
 </file>
 
@@ -193,7 +198,7 @@
           <a:p>
             <a:fld id="{3D983C11-D92A-8449-A9D8-9C4DCAF04B15}" type="datetimeFigureOut">
               <a:rPr lang="en-US" smtClean="0"/>
-              <a:t>7/17/18</a:t>
+              <a:t>9/12/18</a:t>
             </a:fld>
             <a:endParaRPr lang="en-US"/>
           </a:p>
@@ -618,7 +623,7 @@
     </p:spTree>
     <p:extLst>
       <p:ext uri="{BB962C8B-B14F-4D97-AF65-F5344CB8AC3E}">
-        <p14:creationId xmlns:p14="http://schemas.microsoft.com/office/powerpoint/2010/main" val="2463449711"/>
+        <p14:creationId xmlns:p14="http://schemas.microsoft.com/office/powerpoint/2010/main" val="4145379559"/>
       </p:ext>
     </p:extLst>
   </p:cSld>
@@ -775,7 +780,7 @@
           <a:p>
             <a:fld id="{63E824C4-E682-B943-B6E6-CEBFF864C9AB}" type="datetimeFigureOut">
               <a:rPr lang="en-US" smtClean="0"/>
-              <a:t>7/17/18</a:t>
+              <a:t>9/12/18</a:t>
             </a:fld>
             <a:endParaRPr lang="en-US"/>
           </a:p>
@@ -973,7 +978,7 @@
           <a:p>
             <a:fld id="{63E824C4-E682-B943-B6E6-CEBFF864C9AB}" type="datetimeFigureOut">
               <a:rPr lang="en-US" smtClean="0"/>
-              <a:t>7/17/18</a:t>
+              <a:t>9/12/18</a:t>
             </a:fld>
             <a:endParaRPr lang="en-US"/>
           </a:p>
@@ -1181,7 +1186,7 @@
           <a:p>
             <a:fld id="{63E824C4-E682-B943-B6E6-CEBFF864C9AB}" type="datetimeFigureOut">
               <a:rPr lang="en-US" smtClean="0"/>
-              <a:t>7/17/18</a:t>
+              <a:t>9/12/18</a:t>
             </a:fld>
             <a:endParaRPr lang="en-US"/>
           </a:p>
@@ -1379,7 +1384,7 @@
           <a:p>
             <a:fld id="{63E824C4-E682-B943-B6E6-CEBFF864C9AB}" type="datetimeFigureOut">
               <a:rPr lang="en-US" smtClean="0"/>
-              <a:t>7/17/18</a:t>
+              <a:t>9/12/18</a:t>
             </a:fld>
             <a:endParaRPr lang="en-US"/>
           </a:p>
@@ -1654,7 +1659,7 @@
           <a:p>
             <a:fld id="{63E824C4-E682-B943-B6E6-CEBFF864C9AB}" type="datetimeFigureOut">
               <a:rPr lang="en-US" smtClean="0"/>
-              <a:t>7/17/18</a:t>
+              <a:t>9/12/18</a:t>
             </a:fld>
             <a:endParaRPr lang="en-US"/>
           </a:p>
@@ -1919,7 +1924,7 @@
           <a:p>
             <a:fld id="{63E824C4-E682-B943-B6E6-CEBFF864C9AB}" type="datetimeFigureOut">
               <a:rPr lang="en-US" smtClean="0"/>
-              <a:t>7/17/18</a:t>
+              <a:t>9/12/18</a:t>
             </a:fld>
             <a:endParaRPr lang="en-US"/>
           </a:p>
@@ -2331,7 +2336,7 @@
           <a:p>
             <a:fld id="{63E824C4-E682-B943-B6E6-CEBFF864C9AB}" type="datetimeFigureOut">
               <a:rPr lang="en-US" smtClean="0"/>
-              <a:t>7/17/18</a:t>
+              <a:t>9/12/18</a:t>
             </a:fld>
             <a:endParaRPr lang="en-US"/>
           </a:p>
@@ -2472,7 +2477,7 @@
           <a:p>
             <a:fld id="{63E824C4-E682-B943-B6E6-CEBFF864C9AB}" type="datetimeFigureOut">
               <a:rPr lang="en-US" smtClean="0"/>
-              <a:t>7/17/18</a:t>
+              <a:t>9/12/18</a:t>
             </a:fld>
             <a:endParaRPr lang="en-US"/>
           </a:p>
@@ -2585,7 +2590,7 @@
           <a:p>
             <a:fld id="{63E824C4-E682-B943-B6E6-CEBFF864C9AB}" type="datetimeFigureOut">
               <a:rPr lang="en-US" smtClean="0"/>
-              <a:t>7/17/18</a:t>
+              <a:t>9/12/18</a:t>
             </a:fld>
             <a:endParaRPr lang="en-US"/>
           </a:p>
@@ -2896,7 +2901,7 @@
           <a:p>
             <a:fld id="{63E824C4-E682-B943-B6E6-CEBFF864C9AB}" type="datetimeFigureOut">
               <a:rPr lang="en-US" smtClean="0"/>
-              <a:t>7/17/18</a:t>
+              <a:t>9/12/18</a:t>
             </a:fld>
             <a:endParaRPr lang="en-US"/>
           </a:p>
@@ -3184,7 +3189,7 @@
           <a:p>
             <a:fld id="{63E824C4-E682-B943-B6E6-CEBFF864C9AB}" type="datetimeFigureOut">
               <a:rPr lang="en-US" smtClean="0"/>
-              <a:t>7/17/18</a:t>
+              <a:t>9/12/18</a:t>
             </a:fld>
             <a:endParaRPr lang="en-US"/>
           </a:p>
@@ -3425,7 +3430,7 @@
           <a:p>
             <a:fld id="{63E824C4-E682-B943-B6E6-CEBFF864C9AB}" type="datetimeFigureOut">
               <a:rPr lang="en-US" smtClean="0"/>
-              <a:t>7/17/18</a:t>
+              <a:t>9/12/18</a:t>
             </a:fld>
             <a:endParaRPr lang="en-US"/>
           </a:p>
@@ -6691,22 +6696,22 @@
         <p:spPr>
           <a:xfrm>
             <a:off x="1047964" y="287676"/>
-            <a:ext cx="1354345" cy="369332"/>
-          </a:xfrm>
-          <a:prstGeom prst="rect">
-            <a:avLst/>
-          </a:prstGeom>
-          <a:noFill/>
-        </p:spPr>
-        <p:txBody>
-          <a:bodyPr wrap="none" rtlCol="0">
-            <a:spAutoFit/>
-          </a:bodyPr>
-          <a:lstStyle/>
-          <a:p>
-            <a:r>
-              <a:rPr lang="en-US" dirty="0"/>
-              <a:t>Simulation 2</a:t>
+            <a:ext cx="5205656" cy="369332"/>
+          </a:xfrm>
+          <a:prstGeom prst="rect">
+            <a:avLst/>
+          </a:prstGeom>
+          <a:noFill/>
+        </p:spPr>
+        <p:txBody>
+          <a:bodyPr wrap="none" rtlCol="0">
+            <a:spAutoFit/>
+          </a:bodyPr>
+          <a:lstStyle/>
+          <a:p>
+            <a:r>
+              <a:rPr lang="en-US" dirty="0"/>
+              <a:t>Simulation 2 – Now also shifting frequency and phase</a:t>
             </a:r>
           </a:p>
         </p:txBody>
@@ -7082,10 +7087,2500 @@
           </a:fontRef>
         </p:style>
       </p:cxnSp>
+      <p:cxnSp>
+        <p:nvCxnSpPr>
+          <p:cNvPr id="17" name="Straight Connector 16">
+            <a:extLst>
+              <a:ext uri="{FF2B5EF4-FFF2-40B4-BE49-F238E27FC236}">
+                <a16:creationId xmlns:a16="http://schemas.microsoft.com/office/drawing/2014/main" id="{CF5B9E96-E432-E146-8082-779A704223CA}"/>
+              </a:ext>
+            </a:extLst>
+          </p:cNvPr>
+          <p:cNvCxnSpPr>
+            <a:cxnSpLocks/>
+            <a:stCxn id="6" idx="1"/>
+            <a:endCxn id="6" idx="3"/>
+          </p:cNvCxnSpPr>
+          <p:nvPr/>
+        </p:nvCxnSpPr>
+        <p:spPr>
+          <a:xfrm>
+            <a:off x="195209" y="3806575"/>
+            <a:ext cx="11763910" cy="0"/>
+          </a:xfrm>
+          <a:prstGeom prst="line">
+            <a:avLst/>
+          </a:prstGeom>
+        </p:spPr>
+        <p:style>
+          <a:lnRef idx="1">
+            <a:schemeClr val="accent1"/>
+          </a:lnRef>
+          <a:fillRef idx="0">
+            <a:schemeClr val="accent1"/>
+          </a:fillRef>
+          <a:effectRef idx="0">
+            <a:schemeClr val="accent1"/>
+          </a:effectRef>
+          <a:fontRef idx="minor">
+            <a:schemeClr val="tx1"/>
+          </a:fontRef>
+        </p:style>
+      </p:cxnSp>
+      <p:cxnSp>
+        <p:nvCxnSpPr>
+          <p:cNvPr id="20" name="Straight Connector 19">
+            <a:extLst>
+              <a:ext uri="{FF2B5EF4-FFF2-40B4-BE49-F238E27FC236}">
+                <a16:creationId xmlns:a16="http://schemas.microsoft.com/office/drawing/2014/main" id="{7C64BF64-A226-6B4E-9941-67E5C428B4C0}"/>
+              </a:ext>
+            </a:extLst>
+          </p:cNvPr>
+          <p:cNvCxnSpPr>
+            <a:cxnSpLocks/>
+          </p:cNvCxnSpPr>
+          <p:nvPr/>
+        </p:nvCxnSpPr>
+        <p:spPr>
+          <a:xfrm>
+            <a:off x="1325366" y="2486346"/>
+            <a:ext cx="7154664" cy="0"/>
+          </a:xfrm>
+          <a:prstGeom prst="line">
+            <a:avLst/>
+          </a:prstGeom>
+        </p:spPr>
+        <p:style>
+          <a:lnRef idx="1">
+            <a:schemeClr val="accent1"/>
+          </a:lnRef>
+          <a:fillRef idx="0">
+            <a:schemeClr val="accent1"/>
+          </a:fillRef>
+          <a:effectRef idx="0">
+            <a:schemeClr val="accent1"/>
+          </a:effectRef>
+          <a:fontRef idx="minor">
+            <a:schemeClr val="tx1"/>
+          </a:fontRef>
+        </p:style>
+      </p:cxnSp>
+      <p:cxnSp>
+        <p:nvCxnSpPr>
+          <p:cNvPr id="23" name="Straight Connector 22">
+            <a:extLst>
+              <a:ext uri="{FF2B5EF4-FFF2-40B4-BE49-F238E27FC236}">
+                <a16:creationId xmlns:a16="http://schemas.microsoft.com/office/drawing/2014/main" id="{DB674E26-D3EE-8C43-B8BD-F87CB3311CC1}"/>
+              </a:ext>
+            </a:extLst>
+          </p:cNvPr>
+          <p:cNvCxnSpPr>
+            <a:cxnSpLocks/>
+          </p:cNvCxnSpPr>
+          <p:nvPr/>
+        </p:nvCxnSpPr>
+        <p:spPr>
+          <a:xfrm>
+            <a:off x="1325366" y="4940157"/>
+            <a:ext cx="7154664" cy="0"/>
+          </a:xfrm>
+          <a:prstGeom prst="line">
+            <a:avLst/>
+          </a:prstGeom>
+        </p:spPr>
+        <p:style>
+          <a:lnRef idx="1">
+            <a:schemeClr val="accent1"/>
+          </a:lnRef>
+          <a:fillRef idx="0">
+            <a:schemeClr val="accent1"/>
+          </a:fillRef>
+          <a:effectRef idx="0">
+            <a:schemeClr val="accent1"/>
+          </a:effectRef>
+          <a:fontRef idx="minor">
+            <a:schemeClr val="tx1"/>
+          </a:fontRef>
+        </p:style>
+      </p:cxnSp>
+      <p:cxnSp>
+        <p:nvCxnSpPr>
+          <p:cNvPr id="24" name="Straight Connector 23">
+            <a:extLst>
+              <a:ext uri="{FF2B5EF4-FFF2-40B4-BE49-F238E27FC236}">
+                <a16:creationId xmlns:a16="http://schemas.microsoft.com/office/drawing/2014/main" id="{AB643B56-7EE6-EB4F-A986-D75ED2C58F53}"/>
+              </a:ext>
+            </a:extLst>
+          </p:cNvPr>
+          <p:cNvCxnSpPr>
+            <a:cxnSpLocks/>
+          </p:cNvCxnSpPr>
+          <p:nvPr/>
+        </p:nvCxnSpPr>
+        <p:spPr>
+          <a:xfrm>
+            <a:off x="2517810" y="1859622"/>
+            <a:ext cx="3577332" cy="0"/>
+          </a:xfrm>
+          <a:prstGeom prst="line">
+            <a:avLst/>
+          </a:prstGeom>
+        </p:spPr>
+        <p:style>
+          <a:lnRef idx="1">
+            <a:schemeClr val="accent1"/>
+          </a:lnRef>
+          <a:fillRef idx="0">
+            <a:schemeClr val="accent1"/>
+          </a:fillRef>
+          <a:effectRef idx="0">
+            <a:schemeClr val="accent1"/>
+          </a:effectRef>
+          <a:fontRef idx="minor">
+            <a:schemeClr val="tx1"/>
+          </a:fontRef>
+        </p:style>
+      </p:cxnSp>
+      <p:cxnSp>
+        <p:nvCxnSpPr>
+          <p:cNvPr id="27" name="Straight Connector 26">
+            <a:extLst>
+              <a:ext uri="{FF2B5EF4-FFF2-40B4-BE49-F238E27FC236}">
+                <a16:creationId xmlns:a16="http://schemas.microsoft.com/office/drawing/2014/main" id="{E8F3D547-90A9-2F4C-BB26-D24BA7D8AEFE}"/>
+              </a:ext>
+            </a:extLst>
+          </p:cNvPr>
+          <p:cNvCxnSpPr>
+            <a:cxnSpLocks/>
+          </p:cNvCxnSpPr>
+          <p:nvPr/>
+        </p:nvCxnSpPr>
+        <p:spPr>
+          <a:xfrm>
+            <a:off x="2517810" y="5669622"/>
+            <a:ext cx="3577332" cy="0"/>
+          </a:xfrm>
+          <a:prstGeom prst="line">
+            <a:avLst/>
+          </a:prstGeom>
+        </p:spPr>
+        <p:style>
+          <a:lnRef idx="1">
+            <a:schemeClr val="accent1"/>
+          </a:lnRef>
+          <a:fillRef idx="0">
+            <a:schemeClr val="accent1"/>
+          </a:fillRef>
+          <a:effectRef idx="0">
+            <a:schemeClr val="accent1"/>
+          </a:effectRef>
+          <a:fontRef idx="minor">
+            <a:schemeClr val="tx1"/>
+          </a:fontRef>
+        </p:style>
+      </p:cxnSp>
+      <p:cxnSp>
+        <p:nvCxnSpPr>
+          <p:cNvPr id="34" name="Straight Connector 33">
+            <a:extLst>
+              <a:ext uri="{FF2B5EF4-FFF2-40B4-BE49-F238E27FC236}">
+                <a16:creationId xmlns:a16="http://schemas.microsoft.com/office/drawing/2014/main" id="{88E8EC13-90A6-0A4B-92FD-4A1E15ED6BB7}"/>
+              </a:ext>
+            </a:extLst>
+          </p:cNvPr>
+          <p:cNvCxnSpPr>
+            <a:cxnSpLocks/>
+          </p:cNvCxnSpPr>
+          <p:nvPr/>
+        </p:nvCxnSpPr>
+        <p:spPr>
+          <a:xfrm>
+            <a:off x="2517810" y="3162727"/>
+            <a:ext cx="3559354" cy="0"/>
+          </a:xfrm>
+          <a:prstGeom prst="line">
+            <a:avLst/>
+          </a:prstGeom>
+        </p:spPr>
+        <p:style>
+          <a:lnRef idx="1">
+            <a:schemeClr val="accent1"/>
+          </a:lnRef>
+          <a:fillRef idx="0">
+            <a:schemeClr val="accent1"/>
+          </a:fillRef>
+          <a:effectRef idx="0">
+            <a:schemeClr val="accent1"/>
+          </a:effectRef>
+          <a:fontRef idx="minor">
+            <a:schemeClr val="tx1"/>
+          </a:fontRef>
+        </p:style>
+      </p:cxnSp>
+      <p:cxnSp>
+        <p:nvCxnSpPr>
+          <p:cNvPr id="35" name="Straight Connector 34">
+            <a:extLst>
+              <a:ext uri="{FF2B5EF4-FFF2-40B4-BE49-F238E27FC236}">
+                <a16:creationId xmlns:a16="http://schemas.microsoft.com/office/drawing/2014/main" id="{AAEE9EE9-9F97-D54F-8F4F-D17FD122368B}"/>
+              </a:ext>
+            </a:extLst>
+          </p:cNvPr>
+          <p:cNvCxnSpPr>
+            <a:cxnSpLocks/>
+          </p:cNvCxnSpPr>
+          <p:nvPr/>
+        </p:nvCxnSpPr>
+        <p:spPr>
+          <a:xfrm>
+            <a:off x="2517810" y="4352817"/>
+            <a:ext cx="3577332" cy="0"/>
+          </a:xfrm>
+          <a:prstGeom prst="line">
+            <a:avLst/>
+          </a:prstGeom>
+        </p:spPr>
+        <p:style>
+          <a:lnRef idx="1">
+            <a:schemeClr val="accent1"/>
+          </a:lnRef>
+          <a:fillRef idx="0">
+            <a:schemeClr val="accent1"/>
+          </a:fillRef>
+          <a:effectRef idx="0">
+            <a:schemeClr val="accent1"/>
+          </a:effectRef>
+          <a:fontRef idx="minor">
+            <a:schemeClr val="tx1"/>
+          </a:fontRef>
+        </p:style>
+      </p:cxnSp>
+      <p:sp>
+        <p:nvSpPr>
+          <p:cNvPr id="36" name="TextBox 35">
+            <a:extLst>
+              <a:ext uri="{FF2B5EF4-FFF2-40B4-BE49-F238E27FC236}">
+                <a16:creationId xmlns:a16="http://schemas.microsoft.com/office/drawing/2014/main" id="{B31826FC-C967-E349-8B2F-3789492CD3B1}"/>
+              </a:ext>
+            </a:extLst>
+          </p:cNvPr>
+          <p:cNvSpPr txBox="1"/>
+          <p:nvPr/>
+        </p:nvSpPr>
+        <p:spPr>
+          <a:xfrm>
+            <a:off x="609445" y="885132"/>
+            <a:ext cx="301686" cy="369332"/>
+          </a:xfrm>
+          <a:prstGeom prst="rect">
+            <a:avLst/>
+          </a:prstGeom>
+          <a:noFill/>
+        </p:spPr>
+        <p:txBody>
+          <a:bodyPr wrap="none" rtlCol="0">
+            <a:spAutoFit/>
+          </a:bodyPr>
+          <a:lstStyle/>
+          <a:p>
+            <a:r>
+              <a:rPr lang="en-US" dirty="0"/>
+              <a:t>1</a:t>
+            </a:r>
+          </a:p>
+        </p:txBody>
+      </p:sp>
+      <p:sp>
+        <p:nvSpPr>
+          <p:cNvPr id="37" name="TextBox 36">
+            <a:extLst>
+              <a:ext uri="{FF2B5EF4-FFF2-40B4-BE49-F238E27FC236}">
+                <a16:creationId xmlns:a16="http://schemas.microsoft.com/office/drawing/2014/main" id="{91D214F7-1D1D-DF41-8A18-DDD61DF26171}"/>
+              </a:ext>
+            </a:extLst>
+          </p:cNvPr>
+          <p:cNvSpPr txBox="1"/>
+          <p:nvPr/>
+        </p:nvSpPr>
+        <p:spPr>
+          <a:xfrm>
+            <a:off x="1790494" y="885132"/>
+            <a:ext cx="301686" cy="369332"/>
+          </a:xfrm>
+          <a:prstGeom prst="rect">
+            <a:avLst/>
+          </a:prstGeom>
+          <a:noFill/>
+        </p:spPr>
+        <p:txBody>
+          <a:bodyPr wrap="none" rtlCol="0">
+            <a:spAutoFit/>
+          </a:bodyPr>
+          <a:lstStyle/>
+          <a:p>
+            <a:r>
+              <a:rPr lang="en-US" dirty="0"/>
+              <a:t>2</a:t>
+            </a:r>
+          </a:p>
+        </p:txBody>
+      </p:sp>
+      <p:sp>
+        <p:nvSpPr>
+          <p:cNvPr id="38" name="TextBox 37">
+            <a:extLst>
+              <a:ext uri="{FF2B5EF4-FFF2-40B4-BE49-F238E27FC236}">
+                <a16:creationId xmlns:a16="http://schemas.microsoft.com/office/drawing/2014/main" id="{24D844B3-257F-464F-B5A1-CE84C10A34E4}"/>
+              </a:ext>
+            </a:extLst>
+          </p:cNvPr>
+          <p:cNvSpPr txBox="1"/>
+          <p:nvPr/>
+        </p:nvSpPr>
+        <p:spPr>
+          <a:xfrm>
+            <a:off x="2971543" y="885132"/>
+            <a:ext cx="301686" cy="369332"/>
+          </a:xfrm>
+          <a:prstGeom prst="rect">
+            <a:avLst/>
+          </a:prstGeom>
+          <a:noFill/>
+        </p:spPr>
+        <p:txBody>
+          <a:bodyPr wrap="none" rtlCol="0">
+            <a:spAutoFit/>
+          </a:bodyPr>
+          <a:lstStyle/>
+          <a:p>
+            <a:r>
+              <a:rPr lang="en-US" dirty="0"/>
+              <a:t>3</a:t>
+            </a:r>
+          </a:p>
+        </p:txBody>
+      </p:sp>
+      <p:sp>
+        <p:nvSpPr>
+          <p:cNvPr id="39" name="TextBox 38">
+            <a:extLst>
+              <a:ext uri="{FF2B5EF4-FFF2-40B4-BE49-F238E27FC236}">
+                <a16:creationId xmlns:a16="http://schemas.microsoft.com/office/drawing/2014/main" id="{95B73F36-5365-984A-AD53-8C91A2424CDD}"/>
+              </a:ext>
+            </a:extLst>
+          </p:cNvPr>
+          <p:cNvSpPr txBox="1"/>
+          <p:nvPr/>
+        </p:nvSpPr>
+        <p:spPr>
+          <a:xfrm>
+            <a:off x="4152592" y="885132"/>
+            <a:ext cx="301686" cy="369332"/>
+          </a:xfrm>
+          <a:prstGeom prst="rect">
+            <a:avLst/>
+          </a:prstGeom>
+          <a:noFill/>
+        </p:spPr>
+        <p:txBody>
+          <a:bodyPr wrap="none" rtlCol="0">
+            <a:spAutoFit/>
+          </a:bodyPr>
+          <a:lstStyle/>
+          <a:p>
+            <a:r>
+              <a:rPr lang="en-US" dirty="0"/>
+              <a:t>4</a:t>
+            </a:r>
+          </a:p>
+        </p:txBody>
+      </p:sp>
+      <p:sp>
+        <p:nvSpPr>
+          <p:cNvPr id="40" name="TextBox 39">
+            <a:extLst>
+              <a:ext uri="{FF2B5EF4-FFF2-40B4-BE49-F238E27FC236}">
+                <a16:creationId xmlns:a16="http://schemas.microsoft.com/office/drawing/2014/main" id="{9F267978-6107-8E48-AEFB-C1EA77FE30D3}"/>
+              </a:ext>
+            </a:extLst>
+          </p:cNvPr>
+          <p:cNvSpPr txBox="1"/>
+          <p:nvPr/>
+        </p:nvSpPr>
+        <p:spPr>
+          <a:xfrm>
+            <a:off x="5333641" y="885132"/>
+            <a:ext cx="301686" cy="369332"/>
+          </a:xfrm>
+          <a:prstGeom prst="rect">
+            <a:avLst/>
+          </a:prstGeom>
+          <a:noFill/>
+        </p:spPr>
+        <p:txBody>
+          <a:bodyPr wrap="none" rtlCol="0">
+            <a:spAutoFit/>
+          </a:bodyPr>
+          <a:lstStyle/>
+          <a:p>
+            <a:r>
+              <a:rPr lang="en-US" dirty="0"/>
+              <a:t>5</a:t>
+            </a:r>
+          </a:p>
+        </p:txBody>
+      </p:sp>
+      <p:sp>
+        <p:nvSpPr>
+          <p:cNvPr id="41" name="TextBox 40">
+            <a:extLst>
+              <a:ext uri="{FF2B5EF4-FFF2-40B4-BE49-F238E27FC236}">
+                <a16:creationId xmlns:a16="http://schemas.microsoft.com/office/drawing/2014/main" id="{B7312C90-B24C-5E4A-8010-96CA4DFBBC9D}"/>
+              </a:ext>
+            </a:extLst>
+          </p:cNvPr>
+          <p:cNvSpPr txBox="1"/>
+          <p:nvPr/>
+        </p:nvSpPr>
+        <p:spPr>
+          <a:xfrm>
+            <a:off x="6514690" y="885132"/>
+            <a:ext cx="301686" cy="369332"/>
+          </a:xfrm>
+          <a:prstGeom prst="rect">
+            <a:avLst/>
+          </a:prstGeom>
+          <a:noFill/>
+        </p:spPr>
+        <p:txBody>
+          <a:bodyPr wrap="none" rtlCol="0">
+            <a:spAutoFit/>
+          </a:bodyPr>
+          <a:lstStyle/>
+          <a:p>
+            <a:r>
+              <a:rPr lang="en-US" dirty="0"/>
+              <a:t>6</a:t>
+            </a:r>
+          </a:p>
+        </p:txBody>
+      </p:sp>
+      <p:sp>
+        <p:nvSpPr>
+          <p:cNvPr id="42" name="TextBox 41">
+            <a:extLst>
+              <a:ext uri="{FF2B5EF4-FFF2-40B4-BE49-F238E27FC236}">
+                <a16:creationId xmlns:a16="http://schemas.microsoft.com/office/drawing/2014/main" id="{E1B21B2E-39D5-324F-9B52-8143967A036A}"/>
+              </a:ext>
+            </a:extLst>
+          </p:cNvPr>
+          <p:cNvSpPr txBox="1"/>
+          <p:nvPr/>
+        </p:nvSpPr>
+        <p:spPr>
+          <a:xfrm>
+            <a:off x="7695739" y="885132"/>
+            <a:ext cx="301686" cy="369332"/>
+          </a:xfrm>
+          <a:prstGeom prst="rect">
+            <a:avLst/>
+          </a:prstGeom>
+          <a:noFill/>
+        </p:spPr>
+        <p:txBody>
+          <a:bodyPr wrap="none" rtlCol="0">
+            <a:spAutoFit/>
+          </a:bodyPr>
+          <a:lstStyle/>
+          <a:p>
+            <a:r>
+              <a:rPr lang="en-US" dirty="0"/>
+              <a:t>7</a:t>
+            </a:r>
+          </a:p>
+        </p:txBody>
+      </p:sp>
+      <p:sp>
+        <p:nvSpPr>
+          <p:cNvPr id="43" name="TextBox 42">
+            <a:extLst>
+              <a:ext uri="{FF2B5EF4-FFF2-40B4-BE49-F238E27FC236}">
+                <a16:creationId xmlns:a16="http://schemas.microsoft.com/office/drawing/2014/main" id="{48DFC4D7-A0C1-BA4F-BDD7-F5102CF00649}"/>
+              </a:ext>
+            </a:extLst>
+          </p:cNvPr>
+          <p:cNvSpPr txBox="1"/>
+          <p:nvPr/>
+        </p:nvSpPr>
+        <p:spPr>
+          <a:xfrm>
+            <a:off x="8876788" y="885132"/>
+            <a:ext cx="301686" cy="369332"/>
+          </a:xfrm>
+          <a:prstGeom prst="rect">
+            <a:avLst/>
+          </a:prstGeom>
+          <a:noFill/>
+        </p:spPr>
+        <p:txBody>
+          <a:bodyPr wrap="none" rtlCol="0">
+            <a:spAutoFit/>
+          </a:bodyPr>
+          <a:lstStyle/>
+          <a:p>
+            <a:r>
+              <a:rPr lang="en-US" dirty="0"/>
+              <a:t>8</a:t>
+            </a:r>
+          </a:p>
+        </p:txBody>
+      </p:sp>
+      <p:sp>
+        <p:nvSpPr>
+          <p:cNvPr id="44" name="TextBox 43">
+            <a:extLst>
+              <a:ext uri="{FF2B5EF4-FFF2-40B4-BE49-F238E27FC236}">
+                <a16:creationId xmlns:a16="http://schemas.microsoft.com/office/drawing/2014/main" id="{473D8593-6FEA-064F-9F85-DA8F11F9EA22}"/>
+              </a:ext>
+            </a:extLst>
+          </p:cNvPr>
+          <p:cNvSpPr txBox="1"/>
+          <p:nvPr/>
+        </p:nvSpPr>
+        <p:spPr>
+          <a:xfrm>
+            <a:off x="10057837" y="885132"/>
+            <a:ext cx="301686" cy="369332"/>
+          </a:xfrm>
+          <a:prstGeom prst="rect">
+            <a:avLst/>
+          </a:prstGeom>
+          <a:noFill/>
+        </p:spPr>
+        <p:txBody>
+          <a:bodyPr wrap="none" rtlCol="0">
+            <a:spAutoFit/>
+          </a:bodyPr>
+          <a:lstStyle/>
+          <a:p>
+            <a:r>
+              <a:rPr lang="en-US" dirty="0"/>
+              <a:t>9</a:t>
+            </a:r>
+          </a:p>
+        </p:txBody>
+      </p:sp>
+      <p:sp>
+        <p:nvSpPr>
+          <p:cNvPr id="45" name="TextBox 44">
+            <a:extLst>
+              <a:ext uri="{FF2B5EF4-FFF2-40B4-BE49-F238E27FC236}">
+                <a16:creationId xmlns:a16="http://schemas.microsoft.com/office/drawing/2014/main" id="{2BB4A605-A2F5-044F-BEE6-C266CD74B5A5}"/>
+              </a:ext>
+            </a:extLst>
+          </p:cNvPr>
+          <p:cNvSpPr txBox="1"/>
+          <p:nvPr/>
+        </p:nvSpPr>
+        <p:spPr>
+          <a:xfrm>
+            <a:off x="11238883" y="885132"/>
+            <a:ext cx="418704" cy="369332"/>
+          </a:xfrm>
+          <a:prstGeom prst="rect">
+            <a:avLst/>
+          </a:prstGeom>
+          <a:noFill/>
+        </p:spPr>
+        <p:txBody>
+          <a:bodyPr wrap="none" rtlCol="0">
+            <a:spAutoFit/>
+          </a:bodyPr>
+          <a:lstStyle/>
+          <a:p>
+            <a:r>
+              <a:rPr lang="en-US" dirty="0"/>
+              <a:t>10</a:t>
+            </a:r>
+          </a:p>
+        </p:txBody>
+      </p:sp>
+      <p:sp>
+        <p:nvSpPr>
+          <p:cNvPr id="48" name="TextBox 47">
+            <a:extLst>
+              <a:ext uri="{FF2B5EF4-FFF2-40B4-BE49-F238E27FC236}">
+                <a16:creationId xmlns:a16="http://schemas.microsoft.com/office/drawing/2014/main" id="{903AD94F-FA62-3245-AD80-44F7AC7C1532}"/>
+              </a:ext>
+            </a:extLst>
+          </p:cNvPr>
+          <p:cNvSpPr txBox="1"/>
+          <p:nvPr/>
+        </p:nvSpPr>
+        <p:spPr>
+          <a:xfrm>
+            <a:off x="278870" y="2030107"/>
+            <a:ext cx="829073" cy="923330"/>
+          </a:xfrm>
+          <a:prstGeom prst="rect">
+            <a:avLst/>
+          </a:prstGeom>
+          <a:noFill/>
+        </p:spPr>
+        <p:txBody>
+          <a:bodyPr wrap="none" rtlCol="0">
+            <a:spAutoFit/>
+          </a:bodyPr>
+          <a:lstStyle/>
+          <a:p>
+            <a:r>
+              <a:rPr lang="en-US" dirty="0"/>
+              <a:t>1)</a:t>
+            </a:r>
+          </a:p>
+          <a:p>
+            <a:r>
+              <a:rPr lang="en-US" dirty="0"/>
+              <a:t>0.05Hz</a:t>
+            </a:r>
+          </a:p>
+          <a:p>
+            <a:r>
+              <a:rPr lang="en-US" dirty="0"/>
+              <a:t>0</a:t>
+            </a:r>
+            <a:r>
+              <a:rPr lang="en-US" baseline="30000" dirty="0"/>
+              <a:t>o</a:t>
+            </a:r>
+            <a:endParaRPr lang="en-US" dirty="0"/>
+          </a:p>
+        </p:txBody>
+      </p:sp>
+      <p:sp>
+        <p:nvSpPr>
+          <p:cNvPr id="49" name="TextBox 48">
+            <a:extLst>
+              <a:ext uri="{FF2B5EF4-FFF2-40B4-BE49-F238E27FC236}">
+                <a16:creationId xmlns:a16="http://schemas.microsoft.com/office/drawing/2014/main" id="{29A75BE8-044E-E24E-AD86-A9CDC5598DA9}"/>
+              </a:ext>
+            </a:extLst>
+          </p:cNvPr>
+          <p:cNvSpPr txBox="1"/>
+          <p:nvPr/>
+        </p:nvSpPr>
+        <p:spPr>
+          <a:xfrm>
+            <a:off x="489424" y="4713807"/>
+            <a:ext cx="881973" cy="923330"/>
+          </a:xfrm>
+          <a:prstGeom prst="rect">
+            <a:avLst/>
+          </a:prstGeom>
+          <a:noFill/>
+        </p:spPr>
+        <p:txBody>
+          <a:bodyPr wrap="none" rtlCol="0">
+            <a:spAutoFit/>
+          </a:bodyPr>
+          <a:lstStyle/>
+          <a:p>
+            <a:r>
+              <a:rPr lang="en-US" dirty="0"/>
+              <a:t>2)</a:t>
+            </a:r>
+          </a:p>
+          <a:p>
+            <a:r>
+              <a:rPr lang="en-US" dirty="0"/>
+              <a:t>0.04 Hz</a:t>
+            </a:r>
+          </a:p>
+          <a:p>
+            <a:r>
+              <a:rPr lang="en-US" dirty="0"/>
+              <a:t>45</a:t>
+            </a:r>
+            <a:r>
+              <a:rPr lang="en-US" baseline="30000" dirty="0"/>
+              <a:t>o</a:t>
+            </a:r>
+            <a:endParaRPr lang="en-US" dirty="0"/>
+          </a:p>
+        </p:txBody>
+      </p:sp>
+      <p:sp>
+        <p:nvSpPr>
+          <p:cNvPr id="50" name="TextBox 49">
+            <a:extLst>
+              <a:ext uri="{FF2B5EF4-FFF2-40B4-BE49-F238E27FC236}">
+                <a16:creationId xmlns:a16="http://schemas.microsoft.com/office/drawing/2014/main" id="{CDCA4766-61A9-F046-9203-57939422235F}"/>
+              </a:ext>
+            </a:extLst>
+          </p:cNvPr>
+          <p:cNvSpPr txBox="1"/>
+          <p:nvPr/>
+        </p:nvSpPr>
+        <p:spPr>
+          <a:xfrm>
+            <a:off x="1686737" y="1731061"/>
+            <a:ext cx="372218" cy="369332"/>
+          </a:xfrm>
+          <a:prstGeom prst="rect">
+            <a:avLst/>
+          </a:prstGeom>
+          <a:noFill/>
+        </p:spPr>
+        <p:txBody>
+          <a:bodyPr wrap="none" rtlCol="0">
+            <a:spAutoFit/>
+          </a:bodyPr>
+          <a:lstStyle/>
+          <a:p>
+            <a:r>
+              <a:rPr lang="en-US" dirty="0"/>
+              <a:t>1)</a:t>
+            </a:r>
+          </a:p>
+        </p:txBody>
+      </p:sp>
+      <p:sp>
+        <p:nvSpPr>
+          <p:cNvPr id="51" name="TextBox 50">
+            <a:extLst>
+              <a:ext uri="{FF2B5EF4-FFF2-40B4-BE49-F238E27FC236}">
+                <a16:creationId xmlns:a16="http://schemas.microsoft.com/office/drawing/2014/main" id="{AB402CDF-0CF9-8344-8450-57706BDC07F5}"/>
+              </a:ext>
+            </a:extLst>
+          </p:cNvPr>
+          <p:cNvSpPr txBox="1"/>
+          <p:nvPr/>
+        </p:nvSpPr>
+        <p:spPr>
+          <a:xfrm>
+            <a:off x="1298558" y="2736891"/>
+            <a:ext cx="1151277" cy="523220"/>
+          </a:xfrm>
+          <a:prstGeom prst="rect">
+            <a:avLst/>
+          </a:prstGeom>
+          <a:noFill/>
+        </p:spPr>
+        <p:txBody>
+          <a:bodyPr wrap="none" rtlCol="0">
+            <a:spAutoFit/>
+          </a:bodyPr>
+          <a:lstStyle/>
+          <a:p>
+            <a:r>
+              <a:rPr lang="en-US" sz="1400" dirty="0"/>
+              <a:t>1)</a:t>
+            </a:r>
+          </a:p>
+          <a:p>
+            <a:r>
+              <a:rPr lang="en-US" sz="1400" dirty="0"/>
+              <a:t>+0.01Hz+90</a:t>
+            </a:r>
+            <a:r>
+              <a:rPr lang="en-US" sz="1400" baseline="30000" dirty="0"/>
+              <a:t>o</a:t>
+            </a:r>
+            <a:r>
+              <a:rPr lang="en-US" sz="1400" dirty="0"/>
+              <a:t> </a:t>
+            </a:r>
+          </a:p>
+        </p:txBody>
+      </p:sp>
+      <p:sp>
+        <p:nvSpPr>
+          <p:cNvPr id="52" name="TextBox 51">
+            <a:extLst>
+              <a:ext uri="{FF2B5EF4-FFF2-40B4-BE49-F238E27FC236}">
+                <a16:creationId xmlns:a16="http://schemas.microsoft.com/office/drawing/2014/main" id="{EFEB7E27-001C-3B47-98E4-BD2E79B5A0F7}"/>
+              </a:ext>
+            </a:extLst>
+          </p:cNvPr>
+          <p:cNvSpPr txBox="1"/>
+          <p:nvPr/>
+        </p:nvSpPr>
+        <p:spPr>
+          <a:xfrm>
+            <a:off x="1686737" y="4188700"/>
+            <a:ext cx="301686" cy="369332"/>
+          </a:xfrm>
+          <a:prstGeom prst="rect">
+            <a:avLst/>
+          </a:prstGeom>
+          <a:noFill/>
+        </p:spPr>
+        <p:txBody>
+          <a:bodyPr wrap="none" rtlCol="0">
+            <a:spAutoFit/>
+          </a:bodyPr>
+          <a:lstStyle/>
+          <a:p>
+            <a:r>
+              <a:rPr lang="en-US" dirty="0"/>
+              <a:t>2</a:t>
+            </a:r>
+          </a:p>
+        </p:txBody>
+      </p:sp>
+      <p:sp>
+        <p:nvSpPr>
+          <p:cNvPr id="54" name="TextBox 53">
+            <a:extLst>
+              <a:ext uri="{FF2B5EF4-FFF2-40B4-BE49-F238E27FC236}">
+                <a16:creationId xmlns:a16="http://schemas.microsoft.com/office/drawing/2014/main" id="{8D0C4BAA-D404-774A-BE53-7CE5E9091BB9}"/>
+              </a:ext>
+            </a:extLst>
+          </p:cNvPr>
+          <p:cNvSpPr txBox="1"/>
+          <p:nvPr/>
+        </p:nvSpPr>
+        <p:spPr>
+          <a:xfrm>
+            <a:off x="2948052" y="1347897"/>
+            <a:ext cx="301686" cy="369332"/>
+          </a:xfrm>
+          <a:prstGeom prst="rect">
+            <a:avLst/>
+          </a:prstGeom>
+          <a:noFill/>
+        </p:spPr>
+        <p:txBody>
+          <a:bodyPr wrap="none" rtlCol="0">
+            <a:spAutoFit/>
+          </a:bodyPr>
+          <a:lstStyle/>
+          <a:p>
+            <a:r>
+              <a:rPr lang="en-US" dirty="0"/>
+              <a:t>1</a:t>
+            </a:r>
+          </a:p>
+        </p:txBody>
+      </p:sp>
+      <p:sp>
+        <p:nvSpPr>
+          <p:cNvPr id="55" name="TextBox 54">
+            <a:extLst>
+              <a:ext uri="{FF2B5EF4-FFF2-40B4-BE49-F238E27FC236}">
+                <a16:creationId xmlns:a16="http://schemas.microsoft.com/office/drawing/2014/main" id="{C9FF3C4A-D179-6E47-BE88-77A8AA50D0CC}"/>
+              </a:ext>
+            </a:extLst>
+          </p:cNvPr>
+          <p:cNvSpPr txBox="1"/>
+          <p:nvPr/>
+        </p:nvSpPr>
+        <p:spPr>
+          <a:xfrm>
+            <a:off x="2914066" y="3885343"/>
+            <a:ext cx="301686" cy="369332"/>
+          </a:xfrm>
+          <a:prstGeom prst="rect">
+            <a:avLst/>
+          </a:prstGeom>
+          <a:noFill/>
+        </p:spPr>
+        <p:txBody>
+          <a:bodyPr wrap="none" rtlCol="0">
+            <a:spAutoFit/>
+          </a:bodyPr>
+          <a:lstStyle/>
+          <a:p>
+            <a:r>
+              <a:rPr lang="en-US" dirty="0"/>
+              <a:t>2</a:t>
+            </a:r>
+          </a:p>
+        </p:txBody>
+      </p:sp>
+      <p:sp>
+        <p:nvSpPr>
+          <p:cNvPr id="59" name="TextBox 58">
+            <a:extLst>
+              <a:ext uri="{FF2B5EF4-FFF2-40B4-BE49-F238E27FC236}">
+                <a16:creationId xmlns:a16="http://schemas.microsoft.com/office/drawing/2014/main" id="{3B015AA8-6D00-A94E-9804-C125A0FBA8AB}"/>
+              </a:ext>
+            </a:extLst>
+          </p:cNvPr>
+          <p:cNvSpPr txBox="1"/>
+          <p:nvPr/>
+        </p:nvSpPr>
+        <p:spPr>
+          <a:xfrm>
+            <a:off x="2712931" y="4481782"/>
+            <a:ext cx="668773" cy="369332"/>
+          </a:xfrm>
+          <a:prstGeom prst="rect">
+            <a:avLst/>
+          </a:prstGeom>
+          <a:noFill/>
+        </p:spPr>
+        <p:txBody>
+          <a:bodyPr wrap="none" rtlCol="0">
+            <a:spAutoFit/>
+          </a:bodyPr>
+          <a:lstStyle/>
+          <a:p>
+            <a:r>
+              <a:rPr lang="en-US" dirty="0"/>
+              <a:t>+45</a:t>
+            </a:r>
+            <a:r>
+              <a:rPr lang="en-US" baseline="30000" dirty="0"/>
+              <a:t>o</a:t>
+            </a:r>
+            <a:r>
+              <a:rPr lang="en-US" dirty="0"/>
+              <a:t> </a:t>
+            </a:r>
+          </a:p>
+        </p:txBody>
+      </p:sp>
+      <p:sp>
+        <p:nvSpPr>
+          <p:cNvPr id="60" name="TextBox 59">
+            <a:extLst>
+              <a:ext uri="{FF2B5EF4-FFF2-40B4-BE49-F238E27FC236}">
+                <a16:creationId xmlns:a16="http://schemas.microsoft.com/office/drawing/2014/main" id="{371BEE7F-5650-FF4C-A9A7-F85839F0A2D6}"/>
+              </a:ext>
+            </a:extLst>
+          </p:cNvPr>
+          <p:cNvSpPr txBox="1"/>
+          <p:nvPr/>
+        </p:nvSpPr>
+        <p:spPr>
+          <a:xfrm>
+            <a:off x="2512092" y="5816030"/>
+            <a:ext cx="1269899" cy="369332"/>
+          </a:xfrm>
+          <a:prstGeom prst="rect">
+            <a:avLst/>
+          </a:prstGeom>
+          <a:noFill/>
+        </p:spPr>
+        <p:txBody>
+          <a:bodyPr wrap="none" rtlCol="0">
+            <a:spAutoFit/>
+          </a:bodyPr>
+          <a:lstStyle/>
+          <a:p>
+            <a:r>
+              <a:rPr lang="en-US" dirty="0"/>
+              <a:t>2+90</a:t>
+            </a:r>
+            <a:r>
+              <a:rPr lang="en-US" baseline="30000" dirty="0"/>
+              <a:t>o</a:t>
+            </a:r>
+            <a:r>
+              <a:rPr lang="en-US" dirty="0"/>
+              <a:t> +45</a:t>
+            </a:r>
+            <a:r>
+              <a:rPr lang="en-US" baseline="30000" dirty="0"/>
+              <a:t>o</a:t>
+            </a:r>
+            <a:r>
+              <a:rPr lang="en-US" dirty="0"/>
+              <a:t> </a:t>
+            </a:r>
+          </a:p>
+        </p:txBody>
+      </p:sp>
+      <p:sp>
+        <p:nvSpPr>
+          <p:cNvPr id="61" name="TextBox 60">
+            <a:extLst>
+              <a:ext uri="{FF2B5EF4-FFF2-40B4-BE49-F238E27FC236}">
+                <a16:creationId xmlns:a16="http://schemas.microsoft.com/office/drawing/2014/main" id="{850E49BC-70CA-2E47-8A62-2EFF72809069}"/>
+              </a:ext>
+            </a:extLst>
+          </p:cNvPr>
+          <p:cNvSpPr txBox="1"/>
+          <p:nvPr/>
+        </p:nvSpPr>
+        <p:spPr>
+          <a:xfrm>
+            <a:off x="2689440" y="5153883"/>
+            <a:ext cx="838691" cy="369332"/>
+          </a:xfrm>
+          <a:prstGeom prst="rect">
+            <a:avLst/>
+          </a:prstGeom>
+          <a:noFill/>
+        </p:spPr>
+        <p:txBody>
+          <a:bodyPr wrap="none" rtlCol="0">
+            <a:spAutoFit/>
+          </a:bodyPr>
+          <a:lstStyle/>
+          <a:p>
+            <a:r>
+              <a:rPr lang="en-US" dirty="0"/>
+              <a:t>2+ 90</a:t>
+            </a:r>
+            <a:r>
+              <a:rPr lang="en-US" baseline="30000" dirty="0"/>
+              <a:t>o</a:t>
+            </a:r>
+            <a:r>
+              <a:rPr lang="en-US" dirty="0"/>
+              <a:t> </a:t>
+            </a:r>
+          </a:p>
+        </p:txBody>
+      </p:sp>
+      <p:sp>
+        <p:nvSpPr>
+          <p:cNvPr id="68" name="TextBox 67">
+            <a:extLst>
+              <a:ext uri="{FF2B5EF4-FFF2-40B4-BE49-F238E27FC236}">
+                <a16:creationId xmlns:a16="http://schemas.microsoft.com/office/drawing/2014/main" id="{F9D51113-2E75-C444-8E1E-2F07EBD765EF}"/>
+              </a:ext>
+            </a:extLst>
+          </p:cNvPr>
+          <p:cNvSpPr txBox="1"/>
+          <p:nvPr/>
+        </p:nvSpPr>
+        <p:spPr>
+          <a:xfrm>
+            <a:off x="4113753" y="1388456"/>
+            <a:ext cx="301686" cy="369332"/>
+          </a:xfrm>
+          <a:prstGeom prst="rect">
+            <a:avLst/>
+          </a:prstGeom>
+          <a:noFill/>
+        </p:spPr>
+        <p:txBody>
+          <a:bodyPr wrap="none" rtlCol="0">
+            <a:spAutoFit/>
+          </a:bodyPr>
+          <a:lstStyle/>
+          <a:p>
+            <a:r>
+              <a:rPr lang="en-US" dirty="0"/>
+              <a:t>1</a:t>
+            </a:r>
+          </a:p>
+        </p:txBody>
+      </p:sp>
+      <p:sp>
+        <p:nvSpPr>
+          <p:cNvPr id="69" name="TextBox 68">
+            <a:extLst>
+              <a:ext uri="{FF2B5EF4-FFF2-40B4-BE49-F238E27FC236}">
+                <a16:creationId xmlns:a16="http://schemas.microsoft.com/office/drawing/2014/main" id="{5420DF9B-EAE0-C149-A599-8A684CA8FA61}"/>
+              </a:ext>
+            </a:extLst>
+          </p:cNvPr>
+          <p:cNvSpPr txBox="1"/>
+          <p:nvPr/>
+        </p:nvSpPr>
+        <p:spPr>
+          <a:xfrm>
+            <a:off x="4079767" y="3925902"/>
+            <a:ext cx="301686" cy="369332"/>
+          </a:xfrm>
+          <a:prstGeom prst="rect">
+            <a:avLst/>
+          </a:prstGeom>
+          <a:noFill/>
+        </p:spPr>
+        <p:txBody>
+          <a:bodyPr wrap="none" rtlCol="0">
+            <a:spAutoFit/>
+          </a:bodyPr>
+          <a:lstStyle/>
+          <a:p>
+            <a:r>
+              <a:rPr lang="en-US" dirty="0"/>
+              <a:t>2</a:t>
+            </a:r>
+          </a:p>
+        </p:txBody>
+      </p:sp>
+      <p:sp>
+        <p:nvSpPr>
+          <p:cNvPr id="70" name="TextBox 69">
+            <a:extLst>
+              <a:ext uri="{FF2B5EF4-FFF2-40B4-BE49-F238E27FC236}">
+                <a16:creationId xmlns:a16="http://schemas.microsoft.com/office/drawing/2014/main" id="{4DD308F3-3642-9646-A104-89A23D8A21DC}"/>
+              </a:ext>
+            </a:extLst>
+          </p:cNvPr>
+          <p:cNvSpPr txBox="1"/>
+          <p:nvPr/>
+        </p:nvSpPr>
+        <p:spPr>
+          <a:xfrm>
+            <a:off x="3953700" y="2015179"/>
+            <a:ext cx="785793" cy="369332"/>
+          </a:xfrm>
+          <a:prstGeom prst="rect">
+            <a:avLst/>
+          </a:prstGeom>
+          <a:noFill/>
+        </p:spPr>
+        <p:txBody>
+          <a:bodyPr wrap="none" rtlCol="0">
+            <a:spAutoFit/>
+          </a:bodyPr>
+          <a:lstStyle/>
+          <a:p>
+            <a:r>
+              <a:rPr lang="en-US" dirty="0"/>
+              <a:t>1+45</a:t>
+            </a:r>
+            <a:r>
+              <a:rPr lang="en-US" baseline="30000" dirty="0"/>
+              <a:t>o</a:t>
+            </a:r>
+            <a:r>
+              <a:rPr lang="en-US" dirty="0"/>
+              <a:t> </a:t>
+            </a:r>
+          </a:p>
+        </p:txBody>
+      </p:sp>
+      <p:sp>
+        <p:nvSpPr>
+          <p:cNvPr id="71" name="TextBox 70">
+            <a:extLst>
+              <a:ext uri="{FF2B5EF4-FFF2-40B4-BE49-F238E27FC236}">
+                <a16:creationId xmlns:a16="http://schemas.microsoft.com/office/drawing/2014/main" id="{00EEBE44-6314-3B4B-811B-92E153DAF400}"/>
+              </a:ext>
+            </a:extLst>
+          </p:cNvPr>
+          <p:cNvSpPr txBox="1"/>
+          <p:nvPr/>
+        </p:nvSpPr>
+        <p:spPr>
+          <a:xfrm>
+            <a:off x="3683511" y="3343700"/>
+            <a:ext cx="1269899" cy="369332"/>
+          </a:xfrm>
+          <a:prstGeom prst="rect">
+            <a:avLst/>
+          </a:prstGeom>
+          <a:noFill/>
+        </p:spPr>
+        <p:txBody>
+          <a:bodyPr wrap="none" rtlCol="0">
+            <a:spAutoFit/>
+          </a:bodyPr>
+          <a:lstStyle/>
+          <a:p>
+            <a:r>
+              <a:rPr lang="en-US" dirty="0"/>
+              <a:t>1+90</a:t>
+            </a:r>
+            <a:r>
+              <a:rPr lang="en-US" baseline="30000" dirty="0"/>
+              <a:t>o</a:t>
+            </a:r>
+            <a:r>
+              <a:rPr lang="en-US" dirty="0"/>
+              <a:t> +45</a:t>
+            </a:r>
+            <a:r>
+              <a:rPr lang="en-US" baseline="30000" dirty="0"/>
+              <a:t>o</a:t>
+            </a:r>
+            <a:r>
+              <a:rPr lang="en-US" dirty="0"/>
+              <a:t> </a:t>
+            </a:r>
+          </a:p>
+        </p:txBody>
+      </p:sp>
+      <p:sp>
+        <p:nvSpPr>
+          <p:cNvPr id="72" name="TextBox 71">
+            <a:extLst>
+              <a:ext uri="{FF2B5EF4-FFF2-40B4-BE49-F238E27FC236}">
+                <a16:creationId xmlns:a16="http://schemas.microsoft.com/office/drawing/2014/main" id="{6D1BD595-B88F-F741-9013-BDB56A18D320}"/>
+              </a:ext>
+            </a:extLst>
+          </p:cNvPr>
+          <p:cNvSpPr txBox="1"/>
+          <p:nvPr/>
+        </p:nvSpPr>
+        <p:spPr>
+          <a:xfrm>
+            <a:off x="3930209" y="2687280"/>
+            <a:ext cx="838691" cy="369332"/>
+          </a:xfrm>
+          <a:prstGeom prst="rect">
+            <a:avLst/>
+          </a:prstGeom>
+          <a:noFill/>
+        </p:spPr>
+        <p:txBody>
+          <a:bodyPr wrap="none" rtlCol="0">
+            <a:spAutoFit/>
+          </a:bodyPr>
+          <a:lstStyle/>
+          <a:p>
+            <a:r>
+              <a:rPr lang="en-US" dirty="0"/>
+              <a:t>1+ 90</a:t>
+            </a:r>
+            <a:r>
+              <a:rPr lang="en-US" baseline="30000" dirty="0"/>
+              <a:t>o</a:t>
+            </a:r>
+            <a:r>
+              <a:rPr lang="en-US" dirty="0"/>
+              <a:t> </a:t>
+            </a:r>
+          </a:p>
+        </p:txBody>
+      </p:sp>
+      <p:sp>
+        <p:nvSpPr>
+          <p:cNvPr id="73" name="TextBox 72">
+            <a:extLst>
+              <a:ext uri="{FF2B5EF4-FFF2-40B4-BE49-F238E27FC236}">
+                <a16:creationId xmlns:a16="http://schemas.microsoft.com/office/drawing/2014/main" id="{F9733A50-709E-4841-8ED1-60971778DB51}"/>
+              </a:ext>
+            </a:extLst>
+          </p:cNvPr>
+          <p:cNvSpPr txBox="1"/>
+          <p:nvPr/>
+        </p:nvSpPr>
+        <p:spPr>
+          <a:xfrm>
+            <a:off x="3878632" y="4522341"/>
+            <a:ext cx="668773" cy="369332"/>
+          </a:xfrm>
+          <a:prstGeom prst="rect">
+            <a:avLst/>
+          </a:prstGeom>
+          <a:noFill/>
+        </p:spPr>
+        <p:txBody>
+          <a:bodyPr wrap="none" rtlCol="0">
+            <a:spAutoFit/>
+          </a:bodyPr>
+          <a:lstStyle/>
+          <a:p>
+            <a:r>
+              <a:rPr lang="en-US" dirty="0"/>
+              <a:t>+45</a:t>
+            </a:r>
+            <a:r>
+              <a:rPr lang="en-US" baseline="30000" dirty="0"/>
+              <a:t>o</a:t>
+            </a:r>
+            <a:r>
+              <a:rPr lang="en-US" dirty="0"/>
+              <a:t> </a:t>
+            </a:r>
+          </a:p>
+        </p:txBody>
+      </p:sp>
+      <p:sp>
+        <p:nvSpPr>
+          <p:cNvPr id="74" name="TextBox 73">
+            <a:extLst>
+              <a:ext uri="{FF2B5EF4-FFF2-40B4-BE49-F238E27FC236}">
+                <a16:creationId xmlns:a16="http://schemas.microsoft.com/office/drawing/2014/main" id="{59903D67-A829-C245-A49B-D1889AE3572E}"/>
+              </a:ext>
+            </a:extLst>
+          </p:cNvPr>
+          <p:cNvSpPr txBox="1"/>
+          <p:nvPr/>
+        </p:nvSpPr>
+        <p:spPr>
+          <a:xfrm>
+            <a:off x="3677793" y="5856589"/>
+            <a:ext cx="1269899" cy="369332"/>
+          </a:xfrm>
+          <a:prstGeom prst="rect">
+            <a:avLst/>
+          </a:prstGeom>
+          <a:noFill/>
+        </p:spPr>
+        <p:txBody>
+          <a:bodyPr wrap="none" rtlCol="0">
+            <a:spAutoFit/>
+          </a:bodyPr>
+          <a:lstStyle/>
+          <a:p>
+            <a:r>
+              <a:rPr lang="en-US" dirty="0"/>
+              <a:t>2+90</a:t>
+            </a:r>
+            <a:r>
+              <a:rPr lang="en-US" baseline="30000" dirty="0"/>
+              <a:t>o</a:t>
+            </a:r>
+            <a:r>
+              <a:rPr lang="en-US" dirty="0"/>
+              <a:t> +45</a:t>
+            </a:r>
+            <a:r>
+              <a:rPr lang="en-US" baseline="30000" dirty="0"/>
+              <a:t>o</a:t>
+            </a:r>
+            <a:r>
+              <a:rPr lang="en-US" dirty="0"/>
+              <a:t> </a:t>
+            </a:r>
+          </a:p>
+        </p:txBody>
+      </p:sp>
+      <p:sp>
+        <p:nvSpPr>
+          <p:cNvPr id="75" name="TextBox 74">
+            <a:extLst>
+              <a:ext uri="{FF2B5EF4-FFF2-40B4-BE49-F238E27FC236}">
+                <a16:creationId xmlns:a16="http://schemas.microsoft.com/office/drawing/2014/main" id="{32074AD2-B67E-0C47-8B78-3FDB0301EE5F}"/>
+              </a:ext>
+            </a:extLst>
+          </p:cNvPr>
+          <p:cNvSpPr txBox="1"/>
+          <p:nvPr/>
+        </p:nvSpPr>
+        <p:spPr>
+          <a:xfrm>
+            <a:off x="3855141" y="5194442"/>
+            <a:ext cx="838691" cy="369332"/>
+          </a:xfrm>
+          <a:prstGeom prst="rect">
+            <a:avLst/>
+          </a:prstGeom>
+          <a:noFill/>
+        </p:spPr>
+        <p:txBody>
+          <a:bodyPr wrap="none" rtlCol="0">
+            <a:spAutoFit/>
+          </a:bodyPr>
+          <a:lstStyle/>
+          <a:p>
+            <a:r>
+              <a:rPr lang="en-US" dirty="0"/>
+              <a:t>2+ 90</a:t>
+            </a:r>
+            <a:r>
+              <a:rPr lang="en-US" baseline="30000" dirty="0"/>
+              <a:t>o</a:t>
+            </a:r>
+            <a:r>
+              <a:rPr lang="en-US" dirty="0"/>
+              <a:t> </a:t>
+            </a:r>
+          </a:p>
+        </p:txBody>
+      </p:sp>
+      <p:sp>
+        <p:nvSpPr>
+          <p:cNvPr id="76" name="TextBox 75">
+            <a:extLst>
+              <a:ext uri="{FF2B5EF4-FFF2-40B4-BE49-F238E27FC236}">
+                <a16:creationId xmlns:a16="http://schemas.microsoft.com/office/drawing/2014/main" id="{6B52ADEB-5E0A-514C-9482-ED0AB3C95C5C}"/>
+              </a:ext>
+            </a:extLst>
+          </p:cNvPr>
+          <p:cNvSpPr txBox="1"/>
+          <p:nvPr/>
+        </p:nvSpPr>
+        <p:spPr>
+          <a:xfrm>
+            <a:off x="5330351" y="1367907"/>
+            <a:ext cx="301686" cy="369332"/>
+          </a:xfrm>
+          <a:prstGeom prst="rect">
+            <a:avLst/>
+          </a:prstGeom>
+          <a:noFill/>
+        </p:spPr>
+        <p:txBody>
+          <a:bodyPr wrap="none" rtlCol="0">
+            <a:spAutoFit/>
+          </a:bodyPr>
+          <a:lstStyle/>
+          <a:p>
+            <a:r>
+              <a:rPr lang="en-US" dirty="0"/>
+              <a:t>1</a:t>
+            </a:r>
+          </a:p>
+        </p:txBody>
+      </p:sp>
+      <p:sp>
+        <p:nvSpPr>
+          <p:cNvPr id="77" name="TextBox 76">
+            <a:extLst>
+              <a:ext uri="{FF2B5EF4-FFF2-40B4-BE49-F238E27FC236}">
+                <a16:creationId xmlns:a16="http://schemas.microsoft.com/office/drawing/2014/main" id="{86E7F839-7F39-CB47-9377-F8FAE1BC2856}"/>
+              </a:ext>
+            </a:extLst>
+          </p:cNvPr>
+          <p:cNvSpPr txBox="1"/>
+          <p:nvPr/>
+        </p:nvSpPr>
+        <p:spPr>
+          <a:xfrm>
+            <a:off x="5296365" y="3905353"/>
+            <a:ext cx="301686" cy="369332"/>
+          </a:xfrm>
+          <a:prstGeom prst="rect">
+            <a:avLst/>
+          </a:prstGeom>
+          <a:noFill/>
+        </p:spPr>
+        <p:txBody>
+          <a:bodyPr wrap="none" rtlCol="0">
+            <a:spAutoFit/>
+          </a:bodyPr>
+          <a:lstStyle/>
+          <a:p>
+            <a:r>
+              <a:rPr lang="en-US" dirty="0"/>
+              <a:t>2</a:t>
+            </a:r>
+          </a:p>
+        </p:txBody>
+      </p:sp>
+      <p:sp>
+        <p:nvSpPr>
+          <p:cNvPr id="78" name="TextBox 77">
+            <a:extLst>
+              <a:ext uri="{FF2B5EF4-FFF2-40B4-BE49-F238E27FC236}">
+                <a16:creationId xmlns:a16="http://schemas.microsoft.com/office/drawing/2014/main" id="{BACA3E9E-102D-F448-BFF5-3B09C9A4FD41}"/>
+              </a:ext>
+            </a:extLst>
+          </p:cNvPr>
+          <p:cNvSpPr txBox="1"/>
+          <p:nvPr/>
+        </p:nvSpPr>
+        <p:spPr>
+          <a:xfrm>
+            <a:off x="5170298" y="1994630"/>
+            <a:ext cx="785793" cy="369332"/>
+          </a:xfrm>
+          <a:prstGeom prst="rect">
+            <a:avLst/>
+          </a:prstGeom>
+          <a:noFill/>
+        </p:spPr>
+        <p:txBody>
+          <a:bodyPr wrap="none" rtlCol="0">
+            <a:spAutoFit/>
+          </a:bodyPr>
+          <a:lstStyle/>
+          <a:p>
+            <a:r>
+              <a:rPr lang="en-US" dirty="0"/>
+              <a:t>1+45</a:t>
+            </a:r>
+            <a:r>
+              <a:rPr lang="en-US" baseline="30000" dirty="0"/>
+              <a:t>o</a:t>
+            </a:r>
+            <a:r>
+              <a:rPr lang="en-US" dirty="0"/>
+              <a:t> </a:t>
+            </a:r>
+          </a:p>
+        </p:txBody>
+      </p:sp>
+      <p:sp>
+        <p:nvSpPr>
+          <p:cNvPr id="79" name="TextBox 78">
+            <a:extLst>
+              <a:ext uri="{FF2B5EF4-FFF2-40B4-BE49-F238E27FC236}">
+                <a16:creationId xmlns:a16="http://schemas.microsoft.com/office/drawing/2014/main" id="{22E806F5-9EE8-DD43-BC57-7EAA332C39A8}"/>
+              </a:ext>
+            </a:extLst>
+          </p:cNvPr>
+          <p:cNvSpPr txBox="1"/>
+          <p:nvPr/>
+        </p:nvSpPr>
+        <p:spPr>
+          <a:xfrm>
+            <a:off x="4900109" y="3323151"/>
+            <a:ext cx="1269899" cy="369332"/>
+          </a:xfrm>
+          <a:prstGeom prst="rect">
+            <a:avLst/>
+          </a:prstGeom>
+          <a:noFill/>
+        </p:spPr>
+        <p:txBody>
+          <a:bodyPr wrap="none" rtlCol="0">
+            <a:spAutoFit/>
+          </a:bodyPr>
+          <a:lstStyle/>
+          <a:p>
+            <a:r>
+              <a:rPr lang="en-US" dirty="0"/>
+              <a:t>1+90</a:t>
+            </a:r>
+            <a:r>
+              <a:rPr lang="en-US" baseline="30000" dirty="0"/>
+              <a:t>o</a:t>
+            </a:r>
+            <a:r>
+              <a:rPr lang="en-US" dirty="0"/>
+              <a:t> +45</a:t>
+            </a:r>
+            <a:r>
+              <a:rPr lang="en-US" baseline="30000" dirty="0"/>
+              <a:t>o</a:t>
+            </a:r>
+            <a:r>
+              <a:rPr lang="en-US" dirty="0"/>
+              <a:t> </a:t>
+            </a:r>
+          </a:p>
+        </p:txBody>
+      </p:sp>
+      <p:sp>
+        <p:nvSpPr>
+          <p:cNvPr id="80" name="TextBox 79">
+            <a:extLst>
+              <a:ext uri="{FF2B5EF4-FFF2-40B4-BE49-F238E27FC236}">
+                <a16:creationId xmlns:a16="http://schemas.microsoft.com/office/drawing/2014/main" id="{EC5AE896-43BC-084F-B968-505BE35D6BAA}"/>
+              </a:ext>
+            </a:extLst>
+          </p:cNvPr>
+          <p:cNvSpPr txBox="1"/>
+          <p:nvPr/>
+        </p:nvSpPr>
+        <p:spPr>
+          <a:xfrm>
+            <a:off x="5146807" y="2666731"/>
+            <a:ext cx="838691" cy="369332"/>
+          </a:xfrm>
+          <a:prstGeom prst="rect">
+            <a:avLst/>
+          </a:prstGeom>
+          <a:noFill/>
+        </p:spPr>
+        <p:txBody>
+          <a:bodyPr wrap="none" rtlCol="0">
+            <a:spAutoFit/>
+          </a:bodyPr>
+          <a:lstStyle/>
+          <a:p>
+            <a:r>
+              <a:rPr lang="en-US" dirty="0"/>
+              <a:t>1+ 90</a:t>
+            </a:r>
+            <a:r>
+              <a:rPr lang="en-US" baseline="30000" dirty="0"/>
+              <a:t>o</a:t>
+            </a:r>
+            <a:r>
+              <a:rPr lang="en-US" dirty="0"/>
+              <a:t> </a:t>
+            </a:r>
+          </a:p>
+        </p:txBody>
+      </p:sp>
+      <p:sp>
+        <p:nvSpPr>
+          <p:cNvPr id="81" name="TextBox 80">
+            <a:extLst>
+              <a:ext uri="{FF2B5EF4-FFF2-40B4-BE49-F238E27FC236}">
+                <a16:creationId xmlns:a16="http://schemas.microsoft.com/office/drawing/2014/main" id="{912D8A08-8C9C-984F-829A-06326AAB6CE9}"/>
+              </a:ext>
+            </a:extLst>
+          </p:cNvPr>
+          <p:cNvSpPr txBox="1"/>
+          <p:nvPr/>
+        </p:nvSpPr>
+        <p:spPr>
+          <a:xfrm>
+            <a:off x="5095230" y="4501792"/>
+            <a:ext cx="668773" cy="369332"/>
+          </a:xfrm>
+          <a:prstGeom prst="rect">
+            <a:avLst/>
+          </a:prstGeom>
+          <a:noFill/>
+        </p:spPr>
+        <p:txBody>
+          <a:bodyPr wrap="none" rtlCol="0">
+            <a:spAutoFit/>
+          </a:bodyPr>
+          <a:lstStyle/>
+          <a:p>
+            <a:r>
+              <a:rPr lang="en-US" dirty="0"/>
+              <a:t>+45</a:t>
+            </a:r>
+            <a:r>
+              <a:rPr lang="en-US" baseline="30000" dirty="0"/>
+              <a:t>o</a:t>
+            </a:r>
+            <a:r>
+              <a:rPr lang="en-US" dirty="0"/>
+              <a:t> </a:t>
+            </a:r>
+          </a:p>
+        </p:txBody>
+      </p:sp>
+      <p:sp>
+        <p:nvSpPr>
+          <p:cNvPr id="82" name="TextBox 81">
+            <a:extLst>
+              <a:ext uri="{FF2B5EF4-FFF2-40B4-BE49-F238E27FC236}">
+                <a16:creationId xmlns:a16="http://schemas.microsoft.com/office/drawing/2014/main" id="{94440DE1-D4C4-8046-A2C3-18A49AD55913}"/>
+              </a:ext>
+            </a:extLst>
+          </p:cNvPr>
+          <p:cNvSpPr txBox="1"/>
+          <p:nvPr/>
+        </p:nvSpPr>
+        <p:spPr>
+          <a:xfrm>
+            <a:off x="4894391" y="5836040"/>
+            <a:ext cx="1269899" cy="369332"/>
+          </a:xfrm>
+          <a:prstGeom prst="rect">
+            <a:avLst/>
+          </a:prstGeom>
+          <a:noFill/>
+        </p:spPr>
+        <p:txBody>
+          <a:bodyPr wrap="none" rtlCol="0">
+            <a:spAutoFit/>
+          </a:bodyPr>
+          <a:lstStyle/>
+          <a:p>
+            <a:r>
+              <a:rPr lang="en-US" dirty="0"/>
+              <a:t>2+90</a:t>
+            </a:r>
+            <a:r>
+              <a:rPr lang="en-US" baseline="30000" dirty="0"/>
+              <a:t>o</a:t>
+            </a:r>
+            <a:r>
+              <a:rPr lang="en-US" dirty="0"/>
+              <a:t> +45</a:t>
+            </a:r>
+            <a:r>
+              <a:rPr lang="en-US" baseline="30000" dirty="0"/>
+              <a:t>o</a:t>
+            </a:r>
+            <a:r>
+              <a:rPr lang="en-US" dirty="0"/>
+              <a:t> </a:t>
+            </a:r>
+          </a:p>
+        </p:txBody>
+      </p:sp>
+      <p:sp>
+        <p:nvSpPr>
+          <p:cNvPr id="83" name="TextBox 82">
+            <a:extLst>
+              <a:ext uri="{FF2B5EF4-FFF2-40B4-BE49-F238E27FC236}">
+                <a16:creationId xmlns:a16="http://schemas.microsoft.com/office/drawing/2014/main" id="{6D3D489E-BECC-DF4A-98CF-7CDA43A6DF19}"/>
+              </a:ext>
+            </a:extLst>
+          </p:cNvPr>
+          <p:cNvSpPr txBox="1"/>
+          <p:nvPr/>
+        </p:nvSpPr>
+        <p:spPr>
+          <a:xfrm>
+            <a:off x="5071739" y="5173893"/>
+            <a:ext cx="838691" cy="369332"/>
+          </a:xfrm>
+          <a:prstGeom prst="rect">
+            <a:avLst/>
+          </a:prstGeom>
+          <a:noFill/>
+        </p:spPr>
+        <p:txBody>
+          <a:bodyPr wrap="none" rtlCol="0">
+            <a:spAutoFit/>
+          </a:bodyPr>
+          <a:lstStyle/>
+          <a:p>
+            <a:r>
+              <a:rPr lang="en-US" dirty="0"/>
+              <a:t>2+ 90</a:t>
+            </a:r>
+            <a:r>
+              <a:rPr lang="en-US" baseline="30000" dirty="0"/>
+              <a:t>o</a:t>
+            </a:r>
+            <a:r>
+              <a:rPr lang="en-US" dirty="0"/>
+              <a:t> </a:t>
+            </a:r>
+          </a:p>
+        </p:txBody>
+      </p:sp>
+      <p:sp>
+        <p:nvSpPr>
+          <p:cNvPr id="84" name="TextBox 83">
+            <a:extLst>
+              <a:ext uri="{FF2B5EF4-FFF2-40B4-BE49-F238E27FC236}">
+                <a16:creationId xmlns:a16="http://schemas.microsoft.com/office/drawing/2014/main" id="{DC15602B-6E0C-404B-867A-04CFACC0B85A}"/>
+              </a:ext>
+            </a:extLst>
+          </p:cNvPr>
+          <p:cNvSpPr txBox="1"/>
+          <p:nvPr/>
+        </p:nvSpPr>
+        <p:spPr>
+          <a:xfrm>
+            <a:off x="6463203" y="1666237"/>
+            <a:ext cx="301686" cy="369332"/>
+          </a:xfrm>
+          <a:prstGeom prst="rect">
+            <a:avLst/>
+          </a:prstGeom>
+          <a:noFill/>
+        </p:spPr>
+        <p:txBody>
+          <a:bodyPr wrap="none" rtlCol="0">
+            <a:spAutoFit/>
+          </a:bodyPr>
+          <a:lstStyle/>
+          <a:p>
+            <a:r>
+              <a:rPr lang="en-US" dirty="0"/>
+              <a:t>1</a:t>
+            </a:r>
+          </a:p>
+        </p:txBody>
+      </p:sp>
+      <p:sp>
+        <p:nvSpPr>
+          <p:cNvPr id="86" name="TextBox 85">
+            <a:extLst>
+              <a:ext uri="{FF2B5EF4-FFF2-40B4-BE49-F238E27FC236}">
+                <a16:creationId xmlns:a16="http://schemas.microsoft.com/office/drawing/2014/main" id="{EFD5FCFC-CED5-8B4B-B33D-F8564B24E8E0}"/>
+              </a:ext>
+            </a:extLst>
+          </p:cNvPr>
+          <p:cNvSpPr txBox="1"/>
+          <p:nvPr/>
+        </p:nvSpPr>
+        <p:spPr>
+          <a:xfrm>
+            <a:off x="6463203" y="4123876"/>
+            <a:ext cx="301686" cy="369332"/>
+          </a:xfrm>
+          <a:prstGeom prst="rect">
+            <a:avLst/>
+          </a:prstGeom>
+          <a:noFill/>
+        </p:spPr>
+        <p:txBody>
+          <a:bodyPr wrap="none" rtlCol="0">
+            <a:spAutoFit/>
+          </a:bodyPr>
+          <a:lstStyle/>
+          <a:p>
+            <a:r>
+              <a:rPr lang="en-US" dirty="0"/>
+              <a:t>2</a:t>
+            </a:r>
+          </a:p>
+        </p:txBody>
+      </p:sp>
+      <p:sp>
+        <p:nvSpPr>
+          <p:cNvPr id="87" name="TextBox 86">
+            <a:extLst>
+              <a:ext uri="{FF2B5EF4-FFF2-40B4-BE49-F238E27FC236}">
+                <a16:creationId xmlns:a16="http://schemas.microsoft.com/office/drawing/2014/main" id="{86794875-F509-8E45-91C4-B6BF7D882723}"/>
+              </a:ext>
+            </a:extLst>
+          </p:cNvPr>
+          <p:cNvSpPr txBox="1"/>
+          <p:nvPr/>
+        </p:nvSpPr>
+        <p:spPr>
+          <a:xfrm>
+            <a:off x="6360809" y="5400440"/>
+            <a:ext cx="668773" cy="369332"/>
+          </a:xfrm>
+          <a:prstGeom prst="rect">
+            <a:avLst/>
+          </a:prstGeom>
+          <a:noFill/>
+        </p:spPr>
+        <p:txBody>
+          <a:bodyPr wrap="none" rtlCol="0">
+            <a:spAutoFit/>
+          </a:bodyPr>
+          <a:lstStyle/>
+          <a:p>
+            <a:r>
+              <a:rPr lang="en-US" dirty="0"/>
+              <a:t>+90</a:t>
+            </a:r>
+            <a:r>
+              <a:rPr lang="en-US" baseline="30000" dirty="0"/>
+              <a:t>o</a:t>
+            </a:r>
+            <a:r>
+              <a:rPr lang="en-US" dirty="0"/>
+              <a:t> </a:t>
+            </a:r>
+          </a:p>
+        </p:txBody>
+      </p:sp>
+      <p:sp>
+        <p:nvSpPr>
+          <p:cNvPr id="88" name="TextBox 87">
+            <a:extLst>
+              <a:ext uri="{FF2B5EF4-FFF2-40B4-BE49-F238E27FC236}">
+                <a16:creationId xmlns:a16="http://schemas.microsoft.com/office/drawing/2014/main" id="{29BDB3BC-7057-8B4C-A3FD-04D2831A7E76}"/>
+              </a:ext>
+            </a:extLst>
+          </p:cNvPr>
+          <p:cNvSpPr txBox="1"/>
+          <p:nvPr/>
+        </p:nvSpPr>
+        <p:spPr>
+          <a:xfrm>
+            <a:off x="7642142" y="1674956"/>
+            <a:ext cx="301686" cy="369332"/>
+          </a:xfrm>
+          <a:prstGeom prst="rect">
+            <a:avLst/>
+          </a:prstGeom>
+          <a:noFill/>
+        </p:spPr>
+        <p:txBody>
+          <a:bodyPr wrap="none" rtlCol="0">
+            <a:spAutoFit/>
+          </a:bodyPr>
+          <a:lstStyle/>
+          <a:p>
+            <a:r>
+              <a:rPr lang="en-US" dirty="0"/>
+              <a:t>1</a:t>
+            </a:r>
+          </a:p>
+        </p:txBody>
+      </p:sp>
+      <p:sp>
+        <p:nvSpPr>
+          <p:cNvPr id="90" name="TextBox 89">
+            <a:extLst>
+              <a:ext uri="{FF2B5EF4-FFF2-40B4-BE49-F238E27FC236}">
+                <a16:creationId xmlns:a16="http://schemas.microsoft.com/office/drawing/2014/main" id="{CDA2C24B-3AD8-E040-8F88-1008F29A8760}"/>
+              </a:ext>
+            </a:extLst>
+          </p:cNvPr>
+          <p:cNvSpPr txBox="1"/>
+          <p:nvPr/>
+        </p:nvSpPr>
+        <p:spPr>
+          <a:xfrm>
+            <a:off x="7642142" y="4132595"/>
+            <a:ext cx="301686" cy="369332"/>
+          </a:xfrm>
+          <a:prstGeom prst="rect">
+            <a:avLst/>
+          </a:prstGeom>
+          <a:noFill/>
+        </p:spPr>
+        <p:txBody>
+          <a:bodyPr wrap="none" rtlCol="0">
+            <a:spAutoFit/>
+          </a:bodyPr>
+          <a:lstStyle/>
+          <a:p>
+            <a:r>
+              <a:rPr lang="en-US" dirty="0"/>
+              <a:t>2</a:t>
+            </a:r>
+          </a:p>
+        </p:txBody>
+      </p:sp>
+      <p:sp>
+        <p:nvSpPr>
+          <p:cNvPr id="91" name="TextBox 90">
+            <a:extLst>
+              <a:ext uri="{FF2B5EF4-FFF2-40B4-BE49-F238E27FC236}">
+                <a16:creationId xmlns:a16="http://schemas.microsoft.com/office/drawing/2014/main" id="{3E7C3F6E-348A-164B-A2E8-244CA01CD266}"/>
+              </a:ext>
+            </a:extLst>
+          </p:cNvPr>
+          <p:cNvSpPr txBox="1"/>
+          <p:nvPr/>
+        </p:nvSpPr>
+        <p:spPr>
+          <a:xfrm>
+            <a:off x="7539748" y="5409159"/>
+            <a:ext cx="668773" cy="369332"/>
+          </a:xfrm>
+          <a:prstGeom prst="rect">
+            <a:avLst/>
+          </a:prstGeom>
+          <a:noFill/>
+        </p:spPr>
+        <p:txBody>
+          <a:bodyPr wrap="none" rtlCol="0">
+            <a:spAutoFit/>
+          </a:bodyPr>
+          <a:lstStyle/>
+          <a:p>
+            <a:r>
+              <a:rPr lang="en-US" dirty="0"/>
+              <a:t>+90</a:t>
+            </a:r>
+            <a:r>
+              <a:rPr lang="en-US" baseline="30000" dirty="0"/>
+              <a:t>o</a:t>
+            </a:r>
+            <a:r>
+              <a:rPr lang="en-US" dirty="0"/>
+              <a:t> </a:t>
+            </a:r>
+          </a:p>
+        </p:txBody>
+      </p:sp>
+      <p:sp>
+        <p:nvSpPr>
+          <p:cNvPr id="92" name="TextBox 91">
+            <a:extLst>
+              <a:ext uri="{FF2B5EF4-FFF2-40B4-BE49-F238E27FC236}">
+                <a16:creationId xmlns:a16="http://schemas.microsoft.com/office/drawing/2014/main" id="{8CF7D7A7-7B53-A342-86FB-E27293990A53}"/>
+              </a:ext>
+            </a:extLst>
+          </p:cNvPr>
+          <p:cNvSpPr txBox="1"/>
+          <p:nvPr/>
+        </p:nvSpPr>
+        <p:spPr>
+          <a:xfrm>
+            <a:off x="8927890" y="2179296"/>
+            <a:ext cx="372218" cy="369332"/>
+          </a:xfrm>
+          <a:prstGeom prst="rect">
+            <a:avLst/>
+          </a:prstGeom>
+          <a:noFill/>
+        </p:spPr>
+        <p:txBody>
+          <a:bodyPr wrap="none" rtlCol="0">
+            <a:spAutoFit/>
+          </a:bodyPr>
+          <a:lstStyle/>
+          <a:p>
+            <a:r>
+              <a:rPr lang="en-US" dirty="0"/>
+              <a:t>1)</a:t>
+            </a:r>
+          </a:p>
+        </p:txBody>
+      </p:sp>
+      <p:sp>
+        <p:nvSpPr>
+          <p:cNvPr id="93" name="TextBox 92">
+            <a:extLst>
+              <a:ext uri="{FF2B5EF4-FFF2-40B4-BE49-F238E27FC236}">
+                <a16:creationId xmlns:a16="http://schemas.microsoft.com/office/drawing/2014/main" id="{1AF121C2-9222-8E4E-95A1-F790DC79C2C1}"/>
+              </a:ext>
+            </a:extLst>
+          </p:cNvPr>
+          <p:cNvSpPr txBox="1"/>
+          <p:nvPr/>
+        </p:nvSpPr>
+        <p:spPr>
+          <a:xfrm>
+            <a:off x="8880440" y="4755491"/>
+            <a:ext cx="425116" cy="369332"/>
+          </a:xfrm>
+          <a:prstGeom prst="rect">
+            <a:avLst/>
+          </a:prstGeom>
+          <a:noFill/>
+        </p:spPr>
+        <p:txBody>
+          <a:bodyPr wrap="none" rtlCol="0">
+            <a:spAutoFit/>
+          </a:bodyPr>
+          <a:lstStyle/>
+          <a:p>
+            <a:r>
+              <a:rPr lang="en-US" dirty="0"/>
+              <a:t>2 )</a:t>
+            </a:r>
+          </a:p>
+        </p:txBody>
+      </p:sp>
+      <p:sp>
+        <p:nvSpPr>
+          <p:cNvPr id="94" name="TextBox 93">
+            <a:extLst>
+              <a:ext uri="{FF2B5EF4-FFF2-40B4-BE49-F238E27FC236}">
+                <a16:creationId xmlns:a16="http://schemas.microsoft.com/office/drawing/2014/main" id="{C761EC05-E7DB-C14B-8BEF-28BCA4011372}"/>
+              </a:ext>
+            </a:extLst>
+          </p:cNvPr>
+          <p:cNvSpPr txBox="1"/>
+          <p:nvPr/>
+        </p:nvSpPr>
+        <p:spPr>
+          <a:xfrm>
+            <a:off x="10072883" y="2199845"/>
+            <a:ext cx="425116" cy="369332"/>
+          </a:xfrm>
+          <a:prstGeom prst="rect">
+            <a:avLst/>
+          </a:prstGeom>
+          <a:noFill/>
+        </p:spPr>
+        <p:txBody>
+          <a:bodyPr wrap="none" rtlCol="0">
+            <a:spAutoFit/>
+          </a:bodyPr>
+          <a:lstStyle/>
+          <a:p>
+            <a:r>
+              <a:rPr lang="en-US" dirty="0"/>
+              <a:t>1 )</a:t>
+            </a:r>
+          </a:p>
+        </p:txBody>
+      </p:sp>
+      <p:sp>
+        <p:nvSpPr>
+          <p:cNvPr id="95" name="TextBox 94">
+            <a:extLst>
+              <a:ext uri="{FF2B5EF4-FFF2-40B4-BE49-F238E27FC236}">
+                <a16:creationId xmlns:a16="http://schemas.microsoft.com/office/drawing/2014/main" id="{5AF98493-E729-2F43-ADC9-9A32EEF615E7}"/>
+              </a:ext>
+            </a:extLst>
+          </p:cNvPr>
+          <p:cNvSpPr txBox="1"/>
+          <p:nvPr/>
+        </p:nvSpPr>
+        <p:spPr>
+          <a:xfrm>
+            <a:off x="10025433" y="4776040"/>
+            <a:ext cx="425116" cy="369332"/>
+          </a:xfrm>
+          <a:prstGeom prst="rect">
+            <a:avLst/>
+          </a:prstGeom>
+          <a:noFill/>
+        </p:spPr>
+        <p:txBody>
+          <a:bodyPr wrap="none" rtlCol="0">
+            <a:spAutoFit/>
+          </a:bodyPr>
+          <a:lstStyle/>
+          <a:p>
+            <a:r>
+              <a:rPr lang="en-US" dirty="0"/>
+              <a:t>2 )</a:t>
+            </a:r>
+          </a:p>
+        </p:txBody>
+      </p:sp>
+      <p:sp>
+        <p:nvSpPr>
+          <p:cNvPr id="96" name="TextBox 95">
+            <a:extLst>
+              <a:ext uri="{FF2B5EF4-FFF2-40B4-BE49-F238E27FC236}">
+                <a16:creationId xmlns:a16="http://schemas.microsoft.com/office/drawing/2014/main" id="{339E6538-0B1C-B345-A3B8-EB219235D600}"/>
+              </a:ext>
+            </a:extLst>
+          </p:cNvPr>
+          <p:cNvSpPr txBox="1"/>
+          <p:nvPr/>
+        </p:nvSpPr>
+        <p:spPr>
+          <a:xfrm>
+            <a:off x="11204431" y="2249453"/>
+            <a:ext cx="425116" cy="369332"/>
+          </a:xfrm>
+          <a:prstGeom prst="rect">
+            <a:avLst/>
+          </a:prstGeom>
+          <a:noFill/>
+        </p:spPr>
+        <p:txBody>
+          <a:bodyPr wrap="none" rtlCol="0">
+            <a:spAutoFit/>
+          </a:bodyPr>
+          <a:lstStyle/>
+          <a:p>
+            <a:r>
+              <a:rPr lang="en-US" dirty="0"/>
+              <a:t>1 )</a:t>
+            </a:r>
+          </a:p>
+        </p:txBody>
+      </p:sp>
+      <p:sp>
+        <p:nvSpPr>
+          <p:cNvPr id="97" name="TextBox 96">
+            <a:extLst>
+              <a:ext uri="{FF2B5EF4-FFF2-40B4-BE49-F238E27FC236}">
+                <a16:creationId xmlns:a16="http://schemas.microsoft.com/office/drawing/2014/main" id="{470BB68D-8D79-F74B-8F49-D0DF5FC805A1}"/>
+              </a:ext>
+            </a:extLst>
+          </p:cNvPr>
+          <p:cNvSpPr txBox="1"/>
+          <p:nvPr/>
+        </p:nvSpPr>
+        <p:spPr>
+          <a:xfrm>
+            <a:off x="11156981" y="4825648"/>
+            <a:ext cx="425116" cy="369332"/>
+          </a:xfrm>
+          <a:prstGeom prst="rect">
+            <a:avLst/>
+          </a:prstGeom>
+          <a:noFill/>
+        </p:spPr>
+        <p:txBody>
+          <a:bodyPr wrap="none" rtlCol="0">
+            <a:spAutoFit/>
+          </a:bodyPr>
+          <a:lstStyle/>
+          <a:p>
+            <a:r>
+              <a:rPr lang="en-US" dirty="0"/>
+              <a:t>2 )</a:t>
+            </a:r>
+          </a:p>
+        </p:txBody>
+      </p:sp>
+      <p:sp>
+        <p:nvSpPr>
+          <p:cNvPr id="98" name="TextBox 97">
+            <a:extLst>
+              <a:ext uri="{FF2B5EF4-FFF2-40B4-BE49-F238E27FC236}">
+                <a16:creationId xmlns:a16="http://schemas.microsoft.com/office/drawing/2014/main" id="{28D01835-97EC-EB45-96A4-E077DED2576C}"/>
+              </a:ext>
+            </a:extLst>
+          </p:cNvPr>
+          <p:cNvSpPr txBox="1"/>
+          <p:nvPr/>
+        </p:nvSpPr>
+        <p:spPr>
+          <a:xfrm>
+            <a:off x="6141468" y="2827806"/>
+            <a:ext cx="1151277" cy="523220"/>
+          </a:xfrm>
+          <a:prstGeom prst="rect">
+            <a:avLst/>
+          </a:prstGeom>
+          <a:noFill/>
+        </p:spPr>
+        <p:txBody>
+          <a:bodyPr wrap="none" rtlCol="0">
+            <a:spAutoFit/>
+          </a:bodyPr>
+          <a:lstStyle/>
+          <a:p>
+            <a:r>
+              <a:rPr lang="en-US" sz="1400" dirty="0"/>
+              <a:t>1)</a:t>
+            </a:r>
+          </a:p>
+          <a:p>
+            <a:r>
+              <a:rPr lang="en-US" sz="1400" dirty="0"/>
+              <a:t>+0.01Hz+90</a:t>
+            </a:r>
+            <a:r>
+              <a:rPr lang="en-US" sz="1400" baseline="30000" dirty="0"/>
+              <a:t>o</a:t>
+            </a:r>
+            <a:r>
+              <a:rPr lang="en-US" sz="1400" dirty="0"/>
+              <a:t> </a:t>
+            </a:r>
+          </a:p>
+        </p:txBody>
+      </p:sp>
+      <p:sp>
+        <p:nvSpPr>
+          <p:cNvPr id="99" name="TextBox 98">
+            <a:extLst>
+              <a:ext uri="{FF2B5EF4-FFF2-40B4-BE49-F238E27FC236}">
+                <a16:creationId xmlns:a16="http://schemas.microsoft.com/office/drawing/2014/main" id="{4B4364C0-F167-ED4A-91FE-1671D936F694}"/>
+              </a:ext>
+            </a:extLst>
+          </p:cNvPr>
+          <p:cNvSpPr txBox="1"/>
+          <p:nvPr/>
+        </p:nvSpPr>
+        <p:spPr>
+          <a:xfrm>
+            <a:off x="7368189" y="2890812"/>
+            <a:ext cx="1151277" cy="523220"/>
+          </a:xfrm>
+          <a:prstGeom prst="rect">
+            <a:avLst/>
+          </a:prstGeom>
+          <a:noFill/>
+        </p:spPr>
+        <p:txBody>
+          <a:bodyPr wrap="none" rtlCol="0">
+            <a:spAutoFit/>
+          </a:bodyPr>
+          <a:lstStyle/>
+          <a:p>
+            <a:r>
+              <a:rPr lang="en-US" sz="1400" dirty="0"/>
+              <a:t>1)</a:t>
+            </a:r>
+          </a:p>
+          <a:p>
+            <a:r>
+              <a:rPr lang="en-US" sz="1400" dirty="0"/>
+              <a:t>+0.01Hz+90</a:t>
+            </a:r>
+            <a:r>
+              <a:rPr lang="en-US" sz="1400" baseline="30000" dirty="0"/>
+              <a:t>o</a:t>
+            </a:r>
+            <a:r>
+              <a:rPr lang="en-US" sz="1400" dirty="0"/>
+              <a:t> </a:t>
+            </a:r>
+          </a:p>
+        </p:txBody>
+      </p:sp>
+      <p:sp>
+        <p:nvSpPr>
+          <p:cNvPr id="100" name="TextBox 99">
+            <a:extLst>
+              <a:ext uri="{FF2B5EF4-FFF2-40B4-BE49-F238E27FC236}">
+                <a16:creationId xmlns:a16="http://schemas.microsoft.com/office/drawing/2014/main" id="{230F244A-55B6-5C4F-9195-81220A584C76}"/>
+              </a:ext>
+            </a:extLst>
+          </p:cNvPr>
+          <p:cNvSpPr txBox="1"/>
+          <p:nvPr/>
+        </p:nvSpPr>
+        <p:spPr>
+          <a:xfrm>
+            <a:off x="1398140" y="5281615"/>
+            <a:ext cx="1207382" cy="738664"/>
+          </a:xfrm>
+          <a:prstGeom prst="rect">
+            <a:avLst/>
+          </a:prstGeom>
+          <a:noFill/>
+        </p:spPr>
+        <p:txBody>
+          <a:bodyPr wrap="none" rtlCol="0">
+            <a:spAutoFit/>
+          </a:bodyPr>
+          <a:lstStyle/>
+          <a:p>
+            <a:r>
+              <a:rPr lang="en-US" sz="1400" dirty="0"/>
+              <a:t>2)</a:t>
+            </a:r>
+          </a:p>
+          <a:p>
+            <a:r>
+              <a:rPr lang="en-US" sz="1400" dirty="0"/>
+              <a:t>-0.005Hz+90</a:t>
+            </a:r>
+            <a:r>
+              <a:rPr lang="en-US" sz="1400" baseline="30000" dirty="0"/>
+              <a:t>o</a:t>
+            </a:r>
+            <a:r>
+              <a:rPr lang="en-US" sz="1400" dirty="0"/>
+              <a:t> </a:t>
+            </a:r>
+          </a:p>
+          <a:p>
+            <a:r>
+              <a:rPr lang="en-US" sz="1400" dirty="0"/>
+              <a:t>0.035Hz</a:t>
+            </a:r>
+          </a:p>
+        </p:txBody>
+      </p:sp>
+      <p:sp>
+        <p:nvSpPr>
+          <p:cNvPr id="101" name="TextBox 100">
+            <a:extLst>
+              <a:ext uri="{FF2B5EF4-FFF2-40B4-BE49-F238E27FC236}">
+                <a16:creationId xmlns:a16="http://schemas.microsoft.com/office/drawing/2014/main" id="{22CBD478-25E9-6242-AC92-2D7680C6DC15}"/>
+              </a:ext>
+            </a:extLst>
+          </p:cNvPr>
+          <p:cNvSpPr txBox="1"/>
+          <p:nvPr/>
+        </p:nvSpPr>
+        <p:spPr>
+          <a:xfrm>
+            <a:off x="2489270" y="2530283"/>
+            <a:ext cx="1151277" cy="738664"/>
+          </a:xfrm>
+          <a:prstGeom prst="rect">
+            <a:avLst/>
+          </a:prstGeom>
+          <a:noFill/>
+        </p:spPr>
+        <p:txBody>
+          <a:bodyPr wrap="none" rtlCol="0">
+            <a:spAutoFit/>
+          </a:bodyPr>
+          <a:lstStyle/>
+          <a:p>
+            <a:r>
+              <a:rPr lang="en-US" sz="1400" dirty="0"/>
+              <a:t>1)</a:t>
+            </a:r>
+          </a:p>
+          <a:p>
+            <a:r>
+              <a:rPr lang="en-US" sz="1400" dirty="0"/>
+              <a:t>+0.01Hz+90</a:t>
+            </a:r>
+            <a:r>
+              <a:rPr lang="en-US" sz="1400" baseline="30000" dirty="0"/>
+              <a:t>o</a:t>
+            </a:r>
+            <a:r>
+              <a:rPr lang="en-US" sz="1400" dirty="0"/>
+              <a:t> </a:t>
+            </a:r>
+          </a:p>
+          <a:p>
+            <a:r>
+              <a:rPr lang="en-US" sz="1400" dirty="0"/>
+              <a:t>0.06Hz</a:t>
+            </a:r>
+          </a:p>
+        </p:txBody>
+      </p:sp>
+      <p:sp>
+        <p:nvSpPr>
+          <p:cNvPr id="102" name="TextBox 101">
+            <a:extLst>
+              <a:ext uri="{FF2B5EF4-FFF2-40B4-BE49-F238E27FC236}">
+                <a16:creationId xmlns:a16="http://schemas.microsoft.com/office/drawing/2014/main" id="{81B4C43D-553E-9248-8AA4-E9B930470DD2}"/>
+              </a:ext>
+            </a:extLst>
+          </p:cNvPr>
+          <p:cNvSpPr txBox="1"/>
+          <p:nvPr/>
+        </p:nvSpPr>
+        <p:spPr>
+          <a:xfrm>
+            <a:off x="2536940" y="1794178"/>
+            <a:ext cx="1242648" cy="738664"/>
+          </a:xfrm>
+          <a:prstGeom prst="rect">
+            <a:avLst/>
+          </a:prstGeom>
+          <a:noFill/>
+        </p:spPr>
+        <p:txBody>
+          <a:bodyPr wrap="none" rtlCol="0">
+            <a:spAutoFit/>
+          </a:bodyPr>
+          <a:lstStyle/>
+          <a:p>
+            <a:r>
+              <a:rPr lang="en-US" sz="1400" dirty="0"/>
+              <a:t>1)</a:t>
+            </a:r>
+          </a:p>
+          <a:p>
+            <a:r>
+              <a:rPr lang="en-US" sz="1400" dirty="0"/>
+              <a:t>+0.015Hz+45</a:t>
+            </a:r>
+            <a:r>
+              <a:rPr lang="en-US" sz="1400" baseline="30000" dirty="0"/>
+              <a:t>o</a:t>
+            </a:r>
+            <a:r>
+              <a:rPr lang="en-US" sz="1400" dirty="0"/>
+              <a:t> </a:t>
+            </a:r>
+          </a:p>
+          <a:p>
+            <a:r>
+              <a:rPr lang="en-US" sz="1400" dirty="0"/>
+              <a:t>0.065Hz</a:t>
+            </a:r>
+          </a:p>
+        </p:txBody>
+      </p:sp>
+      <p:sp>
+        <p:nvSpPr>
+          <p:cNvPr id="103" name="TextBox 102">
+            <a:extLst>
+              <a:ext uri="{FF2B5EF4-FFF2-40B4-BE49-F238E27FC236}">
+                <a16:creationId xmlns:a16="http://schemas.microsoft.com/office/drawing/2014/main" id="{1B032C89-DDC5-BF4F-A638-D6B348D3764A}"/>
+              </a:ext>
+            </a:extLst>
+          </p:cNvPr>
+          <p:cNvSpPr txBox="1"/>
+          <p:nvPr/>
+        </p:nvSpPr>
+        <p:spPr>
+          <a:xfrm>
+            <a:off x="2477571" y="3117015"/>
+            <a:ext cx="1242648" cy="738664"/>
+          </a:xfrm>
+          <a:prstGeom prst="rect">
+            <a:avLst/>
+          </a:prstGeom>
+          <a:noFill/>
+        </p:spPr>
+        <p:txBody>
+          <a:bodyPr wrap="none" rtlCol="0">
+            <a:spAutoFit/>
+          </a:bodyPr>
+          <a:lstStyle/>
+          <a:p>
+            <a:r>
+              <a:rPr lang="en-US" sz="1400" dirty="0"/>
+              <a:t>1)</a:t>
+            </a:r>
+          </a:p>
+          <a:p>
+            <a:r>
+              <a:rPr lang="en-US" sz="1400" dirty="0"/>
+              <a:t>+0.005Hz+45</a:t>
+            </a:r>
+            <a:r>
+              <a:rPr lang="en-US" sz="1400" baseline="30000" dirty="0"/>
+              <a:t>o</a:t>
+            </a:r>
+            <a:r>
+              <a:rPr lang="en-US" sz="1400" dirty="0"/>
+              <a:t> </a:t>
+            </a:r>
+          </a:p>
+          <a:p>
+            <a:r>
+              <a:rPr lang="en-US" sz="1400" dirty="0"/>
+              <a:t>0.055Hz</a:t>
+            </a:r>
+          </a:p>
+        </p:txBody>
+      </p:sp>
     </p:spTree>
     <p:extLst>
       <p:ext uri="{BB962C8B-B14F-4D97-AF65-F5344CB8AC3E}">
-        <p14:creationId xmlns:p14="http://schemas.microsoft.com/office/powerpoint/2010/main" val="2959646518"/>
+        <p14:creationId xmlns:p14="http://schemas.microsoft.com/office/powerpoint/2010/main" val="106379202"/>
       </p:ext>
     </p:extLst>
   </p:cSld>

--- a/sim_tutorial.pptx
+++ b/sim_tutorial.pptx
@@ -7811,41 +7811,6 @@
       </p:sp>
       <p:sp>
         <p:nvSpPr>
-          <p:cNvPr id="50" name="TextBox 49">
-            <a:extLst>
-              <a:ext uri="{FF2B5EF4-FFF2-40B4-BE49-F238E27FC236}">
-                <a16:creationId xmlns:a16="http://schemas.microsoft.com/office/drawing/2014/main" id="{CDCA4766-61A9-F046-9203-57939422235F}"/>
-              </a:ext>
-            </a:extLst>
-          </p:cNvPr>
-          <p:cNvSpPr txBox="1"/>
-          <p:nvPr/>
-        </p:nvSpPr>
-        <p:spPr>
-          <a:xfrm>
-            <a:off x="1686737" y="1731061"/>
-            <a:ext cx="372218" cy="369332"/>
-          </a:xfrm>
-          <a:prstGeom prst="rect">
-            <a:avLst/>
-          </a:prstGeom>
-          <a:noFill/>
-        </p:spPr>
-        <p:txBody>
-          <a:bodyPr wrap="none" rtlCol="0">
-            <a:spAutoFit/>
-          </a:bodyPr>
-          <a:lstStyle/>
-          <a:p>
-            <a:r>
-              <a:rPr lang="en-US" dirty="0"/>
-              <a:t>1)</a:t>
-            </a:r>
-          </a:p>
-        </p:txBody>
-      </p:sp>
-      <p:sp>
-        <p:nvSpPr>
           <p:cNvPr id="51" name="TextBox 50">
             <a:extLst>
               <a:ext uri="{FF2B5EF4-FFF2-40B4-BE49-F238E27FC236}">
@@ -7859,7 +7824,7 @@
         <p:spPr>
           <a:xfrm>
             <a:off x="1298558" y="2736891"/>
-            <a:ext cx="1151277" cy="523220"/>
+            <a:ext cx="1151277" cy="738664"/>
           </a:xfrm>
           <a:prstGeom prst="rect">
             <a:avLst/>
@@ -7891,6 +7856,12 @@
               <a:t> </a:t>
             </a:r>
           </a:p>
+          <a:p>
+            <a:r>
+              <a:rPr lang="en-US" sz="1400" dirty="0"/>
+              <a:t>0.06Hz</a:t>
+            </a:r>
+          </a:p>
         </p:txBody>
       </p:sp>
       <p:sp>
@@ -7942,23 +7913,29 @@
         </p:nvSpPr>
         <p:spPr>
           <a:xfrm>
-            <a:off x="2948052" y="1347897"/>
-            <a:ext cx="301686" cy="369332"/>
-          </a:xfrm>
-          <a:prstGeom prst="rect">
-            <a:avLst/>
-          </a:prstGeom>
-          <a:noFill/>
-        </p:spPr>
-        <p:txBody>
-          <a:bodyPr wrap="none" rtlCol="0">
-            <a:spAutoFit/>
-          </a:bodyPr>
-          <a:lstStyle/>
-          <a:p>
-            <a:r>
-              <a:rPr lang="en-US" dirty="0"/>
-              <a:t>1</a:t>
+            <a:off x="2703995" y="1348411"/>
+            <a:ext cx="686406" cy="523220"/>
+          </a:xfrm>
+          <a:prstGeom prst="rect">
+            <a:avLst/>
+          </a:prstGeom>
+          <a:noFill/>
+        </p:spPr>
+        <p:txBody>
+          <a:bodyPr wrap="none" rtlCol="0">
+            <a:spAutoFit/>
+          </a:bodyPr>
+          <a:lstStyle/>
+          <a:p>
+            <a:r>
+              <a:rPr lang="en-US" sz="1400" dirty="0"/>
+              <a:t>1)</a:t>
+            </a:r>
+          </a:p>
+          <a:p>
+            <a:r>
+              <a:rPr lang="en-US" sz="1400" dirty="0"/>
+              <a:t>0.05Hz</a:t>
             </a:r>
           </a:p>
         </p:txBody>
@@ -8000,178 +7977,6 @@
       </p:sp>
       <p:sp>
         <p:nvSpPr>
-          <p:cNvPr id="59" name="TextBox 58">
-            <a:extLst>
-              <a:ext uri="{FF2B5EF4-FFF2-40B4-BE49-F238E27FC236}">
-                <a16:creationId xmlns:a16="http://schemas.microsoft.com/office/drawing/2014/main" id="{3B015AA8-6D00-A94E-9804-C125A0FBA8AB}"/>
-              </a:ext>
-            </a:extLst>
-          </p:cNvPr>
-          <p:cNvSpPr txBox="1"/>
-          <p:nvPr/>
-        </p:nvSpPr>
-        <p:spPr>
-          <a:xfrm>
-            <a:off x="2712931" y="4481782"/>
-            <a:ext cx="668773" cy="369332"/>
-          </a:xfrm>
-          <a:prstGeom prst="rect">
-            <a:avLst/>
-          </a:prstGeom>
-          <a:noFill/>
-        </p:spPr>
-        <p:txBody>
-          <a:bodyPr wrap="none" rtlCol="0">
-            <a:spAutoFit/>
-          </a:bodyPr>
-          <a:lstStyle/>
-          <a:p>
-            <a:r>
-              <a:rPr lang="en-US" dirty="0"/>
-              <a:t>+45</a:t>
-            </a:r>
-            <a:r>
-              <a:rPr lang="en-US" baseline="30000" dirty="0"/>
-              <a:t>o</a:t>
-            </a:r>
-            <a:r>
-              <a:rPr lang="en-US" dirty="0"/>
-              <a:t> </a:t>
-            </a:r>
-          </a:p>
-        </p:txBody>
-      </p:sp>
-      <p:sp>
-        <p:nvSpPr>
-          <p:cNvPr id="60" name="TextBox 59">
-            <a:extLst>
-              <a:ext uri="{FF2B5EF4-FFF2-40B4-BE49-F238E27FC236}">
-                <a16:creationId xmlns:a16="http://schemas.microsoft.com/office/drawing/2014/main" id="{371BEE7F-5650-FF4C-A9A7-F85839F0A2D6}"/>
-              </a:ext>
-            </a:extLst>
-          </p:cNvPr>
-          <p:cNvSpPr txBox="1"/>
-          <p:nvPr/>
-        </p:nvSpPr>
-        <p:spPr>
-          <a:xfrm>
-            <a:off x="2512092" y="5816030"/>
-            <a:ext cx="1269899" cy="369332"/>
-          </a:xfrm>
-          <a:prstGeom prst="rect">
-            <a:avLst/>
-          </a:prstGeom>
-          <a:noFill/>
-        </p:spPr>
-        <p:txBody>
-          <a:bodyPr wrap="none" rtlCol="0">
-            <a:spAutoFit/>
-          </a:bodyPr>
-          <a:lstStyle/>
-          <a:p>
-            <a:r>
-              <a:rPr lang="en-US" dirty="0"/>
-              <a:t>2+90</a:t>
-            </a:r>
-            <a:r>
-              <a:rPr lang="en-US" baseline="30000" dirty="0"/>
-              <a:t>o</a:t>
-            </a:r>
-            <a:r>
-              <a:rPr lang="en-US" dirty="0"/>
-              <a:t> +45</a:t>
-            </a:r>
-            <a:r>
-              <a:rPr lang="en-US" baseline="30000" dirty="0"/>
-              <a:t>o</a:t>
-            </a:r>
-            <a:r>
-              <a:rPr lang="en-US" dirty="0"/>
-              <a:t> </a:t>
-            </a:r>
-          </a:p>
-        </p:txBody>
-      </p:sp>
-      <p:sp>
-        <p:nvSpPr>
-          <p:cNvPr id="61" name="TextBox 60">
-            <a:extLst>
-              <a:ext uri="{FF2B5EF4-FFF2-40B4-BE49-F238E27FC236}">
-                <a16:creationId xmlns:a16="http://schemas.microsoft.com/office/drawing/2014/main" id="{850E49BC-70CA-2E47-8A62-2EFF72809069}"/>
-              </a:ext>
-            </a:extLst>
-          </p:cNvPr>
-          <p:cNvSpPr txBox="1"/>
-          <p:nvPr/>
-        </p:nvSpPr>
-        <p:spPr>
-          <a:xfrm>
-            <a:off x="2689440" y="5153883"/>
-            <a:ext cx="838691" cy="369332"/>
-          </a:xfrm>
-          <a:prstGeom prst="rect">
-            <a:avLst/>
-          </a:prstGeom>
-          <a:noFill/>
-        </p:spPr>
-        <p:txBody>
-          <a:bodyPr wrap="none" rtlCol="0">
-            <a:spAutoFit/>
-          </a:bodyPr>
-          <a:lstStyle/>
-          <a:p>
-            <a:r>
-              <a:rPr lang="en-US" dirty="0"/>
-              <a:t>2+ 90</a:t>
-            </a:r>
-            <a:r>
-              <a:rPr lang="en-US" baseline="30000" dirty="0"/>
-              <a:t>o</a:t>
-            </a:r>
-            <a:r>
-              <a:rPr lang="en-US" dirty="0"/>
-              <a:t> </a:t>
-            </a:r>
-          </a:p>
-        </p:txBody>
-      </p:sp>
-      <p:sp>
-        <p:nvSpPr>
-          <p:cNvPr id="68" name="TextBox 67">
-            <a:extLst>
-              <a:ext uri="{FF2B5EF4-FFF2-40B4-BE49-F238E27FC236}">
-                <a16:creationId xmlns:a16="http://schemas.microsoft.com/office/drawing/2014/main" id="{F9D51113-2E75-C444-8E1E-2F07EBD765EF}"/>
-              </a:ext>
-            </a:extLst>
-          </p:cNvPr>
-          <p:cNvSpPr txBox="1"/>
-          <p:nvPr/>
-        </p:nvSpPr>
-        <p:spPr>
-          <a:xfrm>
-            <a:off x="4113753" y="1388456"/>
-            <a:ext cx="301686" cy="369332"/>
-          </a:xfrm>
-          <a:prstGeom prst="rect">
-            <a:avLst/>
-          </a:prstGeom>
-          <a:noFill/>
-        </p:spPr>
-        <p:txBody>
-          <a:bodyPr wrap="none" rtlCol="0">
-            <a:spAutoFit/>
-          </a:bodyPr>
-          <a:lstStyle/>
-          <a:p>
-            <a:r>
-              <a:rPr lang="en-US" dirty="0"/>
-              <a:t>1</a:t>
-            </a:r>
-          </a:p>
-        </p:txBody>
-      </p:sp>
-      <p:sp>
-        <p:nvSpPr>
           <p:cNvPr id="69" name="TextBox 68">
             <a:extLst>
               <a:ext uri="{FF2B5EF4-FFF2-40B4-BE49-F238E27FC236}">
@@ -8207,315 +8012,6 @@
       </p:sp>
       <p:sp>
         <p:nvSpPr>
-          <p:cNvPr id="70" name="TextBox 69">
-            <a:extLst>
-              <a:ext uri="{FF2B5EF4-FFF2-40B4-BE49-F238E27FC236}">
-                <a16:creationId xmlns:a16="http://schemas.microsoft.com/office/drawing/2014/main" id="{4DD308F3-3642-9646-A104-89A23D8A21DC}"/>
-              </a:ext>
-            </a:extLst>
-          </p:cNvPr>
-          <p:cNvSpPr txBox="1"/>
-          <p:nvPr/>
-        </p:nvSpPr>
-        <p:spPr>
-          <a:xfrm>
-            <a:off x="3953700" y="2015179"/>
-            <a:ext cx="785793" cy="369332"/>
-          </a:xfrm>
-          <a:prstGeom prst="rect">
-            <a:avLst/>
-          </a:prstGeom>
-          <a:noFill/>
-        </p:spPr>
-        <p:txBody>
-          <a:bodyPr wrap="none" rtlCol="0">
-            <a:spAutoFit/>
-          </a:bodyPr>
-          <a:lstStyle/>
-          <a:p>
-            <a:r>
-              <a:rPr lang="en-US" dirty="0"/>
-              <a:t>1+45</a:t>
-            </a:r>
-            <a:r>
-              <a:rPr lang="en-US" baseline="30000" dirty="0"/>
-              <a:t>o</a:t>
-            </a:r>
-            <a:r>
-              <a:rPr lang="en-US" dirty="0"/>
-              <a:t> </a:t>
-            </a:r>
-          </a:p>
-        </p:txBody>
-      </p:sp>
-      <p:sp>
-        <p:nvSpPr>
-          <p:cNvPr id="71" name="TextBox 70">
-            <a:extLst>
-              <a:ext uri="{FF2B5EF4-FFF2-40B4-BE49-F238E27FC236}">
-                <a16:creationId xmlns:a16="http://schemas.microsoft.com/office/drawing/2014/main" id="{00EEBE44-6314-3B4B-811B-92E153DAF400}"/>
-              </a:ext>
-            </a:extLst>
-          </p:cNvPr>
-          <p:cNvSpPr txBox="1"/>
-          <p:nvPr/>
-        </p:nvSpPr>
-        <p:spPr>
-          <a:xfrm>
-            <a:off x="3683511" y="3343700"/>
-            <a:ext cx="1269899" cy="369332"/>
-          </a:xfrm>
-          <a:prstGeom prst="rect">
-            <a:avLst/>
-          </a:prstGeom>
-          <a:noFill/>
-        </p:spPr>
-        <p:txBody>
-          <a:bodyPr wrap="none" rtlCol="0">
-            <a:spAutoFit/>
-          </a:bodyPr>
-          <a:lstStyle/>
-          <a:p>
-            <a:r>
-              <a:rPr lang="en-US" dirty="0"/>
-              <a:t>1+90</a:t>
-            </a:r>
-            <a:r>
-              <a:rPr lang="en-US" baseline="30000" dirty="0"/>
-              <a:t>o</a:t>
-            </a:r>
-            <a:r>
-              <a:rPr lang="en-US" dirty="0"/>
-              <a:t> +45</a:t>
-            </a:r>
-            <a:r>
-              <a:rPr lang="en-US" baseline="30000" dirty="0"/>
-              <a:t>o</a:t>
-            </a:r>
-            <a:r>
-              <a:rPr lang="en-US" dirty="0"/>
-              <a:t> </a:t>
-            </a:r>
-          </a:p>
-        </p:txBody>
-      </p:sp>
-      <p:sp>
-        <p:nvSpPr>
-          <p:cNvPr id="72" name="TextBox 71">
-            <a:extLst>
-              <a:ext uri="{FF2B5EF4-FFF2-40B4-BE49-F238E27FC236}">
-                <a16:creationId xmlns:a16="http://schemas.microsoft.com/office/drawing/2014/main" id="{6D1BD595-B88F-F741-9013-BDB56A18D320}"/>
-              </a:ext>
-            </a:extLst>
-          </p:cNvPr>
-          <p:cNvSpPr txBox="1"/>
-          <p:nvPr/>
-        </p:nvSpPr>
-        <p:spPr>
-          <a:xfrm>
-            <a:off x="3930209" y="2687280"/>
-            <a:ext cx="838691" cy="369332"/>
-          </a:xfrm>
-          <a:prstGeom prst="rect">
-            <a:avLst/>
-          </a:prstGeom>
-          <a:noFill/>
-        </p:spPr>
-        <p:txBody>
-          <a:bodyPr wrap="none" rtlCol="0">
-            <a:spAutoFit/>
-          </a:bodyPr>
-          <a:lstStyle/>
-          <a:p>
-            <a:r>
-              <a:rPr lang="en-US" dirty="0"/>
-              <a:t>1+ 90</a:t>
-            </a:r>
-            <a:r>
-              <a:rPr lang="en-US" baseline="30000" dirty="0"/>
-              <a:t>o</a:t>
-            </a:r>
-            <a:r>
-              <a:rPr lang="en-US" dirty="0"/>
-              <a:t> </a:t>
-            </a:r>
-          </a:p>
-        </p:txBody>
-      </p:sp>
-      <p:sp>
-        <p:nvSpPr>
-          <p:cNvPr id="73" name="TextBox 72">
-            <a:extLst>
-              <a:ext uri="{FF2B5EF4-FFF2-40B4-BE49-F238E27FC236}">
-                <a16:creationId xmlns:a16="http://schemas.microsoft.com/office/drawing/2014/main" id="{F9733A50-709E-4841-8ED1-60971778DB51}"/>
-              </a:ext>
-            </a:extLst>
-          </p:cNvPr>
-          <p:cNvSpPr txBox="1"/>
-          <p:nvPr/>
-        </p:nvSpPr>
-        <p:spPr>
-          <a:xfrm>
-            <a:off x="3878632" y="4522341"/>
-            <a:ext cx="668773" cy="369332"/>
-          </a:xfrm>
-          <a:prstGeom prst="rect">
-            <a:avLst/>
-          </a:prstGeom>
-          <a:noFill/>
-        </p:spPr>
-        <p:txBody>
-          <a:bodyPr wrap="none" rtlCol="0">
-            <a:spAutoFit/>
-          </a:bodyPr>
-          <a:lstStyle/>
-          <a:p>
-            <a:r>
-              <a:rPr lang="en-US" dirty="0"/>
-              <a:t>+45</a:t>
-            </a:r>
-            <a:r>
-              <a:rPr lang="en-US" baseline="30000" dirty="0"/>
-              <a:t>o</a:t>
-            </a:r>
-            <a:r>
-              <a:rPr lang="en-US" dirty="0"/>
-              <a:t> </a:t>
-            </a:r>
-          </a:p>
-        </p:txBody>
-      </p:sp>
-      <p:sp>
-        <p:nvSpPr>
-          <p:cNvPr id="74" name="TextBox 73">
-            <a:extLst>
-              <a:ext uri="{FF2B5EF4-FFF2-40B4-BE49-F238E27FC236}">
-                <a16:creationId xmlns:a16="http://schemas.microsoft.com/office/drawing/2014/main" id="{59903D67-A829-C245-A49B-D1889AE3572E}"/>
-              </a:ext>
-            </a:extLst>
-          </p:cNvPr>
-          <p:cNvSpPr txBox="1"/>
-          <p:nvPr/>
-        </p:nvSpPr>
-        <p:spPr>
-          <a:xfrm>
-            <a:off x="3677793" y="5856589"/>
-            <a:ext cx="1269899" cy="369332"/>
-          </a:xfrm>
-          <a:prstGeom prst="rect">
-            <a:avLst/>
-          </a:prstGeom>
-          <a:noFill/>
-        </p:spPr>
-        <p:txBody>
-          <a:bodyPr wrap="none" rtlCol="0">
-            <a:spAutoFit/>
-          </a:bodyPr>
-          <a:lstStyle/>
-          <a:p>
-            <a:r>
-              <a:rPr lang="en-US" dirty="0"/>
-              <a:t>2+90</a:t>
-            </a:r>
-            <a:r>
-              <a:rPr lang="en-US" baseline="30000" dirty="0"/>
-              <a:t>o</a:t>
-            </a:r>
-            <a:r>
-              <a:rPr lang="en-US" dirty="0"/>
-              <a:t> +45</a:t>
-            </a:r>
-            <a:r>
-              <a:rPr lang="en-US" baseline="30000" dirty="0"/>
-              <a:t>o</a:t>
-            </a:r>
-            <a:r>
-              <a:rPr lang="en-US" dirty="0"/>
-              <a:t> </a:t>
-            </a:r>
-          </a:p>
-        </p:txBody>
-      </p:sp>
-      <p:sp>
-        <p:nvSpPr>
-          <p:cNvPr id="75" name="TextBox 74">
-            <a:extLst>
-              <a:ext uri="{FF2B5EF4-FFF2-40B4-BE49-F238E27FC236}">
-                <a16:creationId xmlns:a16="http://schemas.microsoft.com/office/drawing/2014/main" id="{32074AD2-B67E-0C47-8B78-3FDB0301EE5F}"/>
-              </a:ext>
-            </a:extLst>
-          </p:cNvPr>
-          <p:cNvSpPr txBox="1"/>
-          <p:nvPr/>
-        </p:nvSpPr>
-        <p:spPr>
-          <a:xfrm>
-            <a:off x="3855141" y="5194442"/>
-            <a:ext cx="838691" cy="369332"/>
-          </a:xfrm>
-          <a:prstGeom prst="rect">
-            <a:avLst/>
-          </a:prstGeom>
-          <a:noFill/>
-        </p:spPr>
-        <p:txBody>
-          <a:bodyPr wrap="none" rtlCol="0">
-            <a:spAutoFit/>
-          </a:bodyPr>
-          <a:lstStyle/>
-          <a:p>
-            <a:r>
-              <a:rPr lang="en-US" dirty="0"/>
-              <a:t>2+ 90</a:t>
-            </a:r>
-            <a:r>
-              <a:rPr lang="en-US" baseline="30000" dirty="0"/>
-              <a:t>o</a:t>
-            </a:r>
-            <a:r>
-              <a:rPr lang="en-US" dirty="0"/>
-              <a:t> </a:t>
-            </a:r>
-          </a:p>
-        </p:txBody>
-      </p:sp>
-      <p:sp>
-        <p:nvSpPr>
-          <p:cNvPr id="76" name="TextBox 75">
-            <a:extLst>
-              <a:ext uri="{FF2B5EF4-FFF2-40B4-BE49-F238E27FC236}">
-                <a16:creationId xmlns:a16="http://schemas.microsoft.com/office/drawing/2014/main" id="{6B52ADEB-5E0A-514C-9482-ED0AB3C95C5C}"/>
-              </a:ext>
-            </a:extLst>
-          </p:cNvPr>
-          <p:cNvSpPr txBox="1"/>
-          <p:nvPr/>
-        </p:nvSpPr>
-        <p:spPr>
-          <a:xfrm>
-            <a:off x="5330351" y="1367907"/>
-            <a:ext cx="301686" cy="369332"/>
-          </a:xfrm>
-          <a:prstGeom prst="rect">
-            <a:avLst/>
-          </a:prstGeom>
-          <a:noFill/>
-        </p:spPr>
-        <p:txBody>
-          <a:bodyPr wrap="none" rtlCol="0">
-            <a:spAutoFit/>
-          </a:bodyPr>
-          <a:lstStyle/>
-          <a:p>
-            <a:r>
-              <a:rPr lang="en-US" dirty="0"/>
-              <a:t>1</a:t>
-            </a:r>
-          </a:p>
-        </p:txBody>
-      </p:sp>
-      <p:sp>
-        <p:nvSpPr>
           <p:cNvPr id="77" name="TextBox 76">
             <a:extLst>
               <a:ext uri="{FF2B5EF4-FFF2-40B4-BE49-F238E27FC236}">
@@ -8551,315 +8047,6 @@
       </p:sp>
       <p:sp>
         <p:nvSpPr>
-          <p:cNvPr id="78" name="TextBox 77">
-            <a:extLst>
-              <a:ext uri="{FF2B5EF4-FFF2-40B4-BE49-F238E27FC236}">
-                <a16:creationId xmlns:a16="http://schemas.microsoft.com/office/drawing/2014/main" id="{BACA3E9E-102D-F448-BFF5-3B09C9A4FD41}"/>
-              </a:ext>
-            </a:extLst>
-          </p:cNvPr>
-          <p:cNvSpPr txBox="1"/>
-          <p:nvPr/>
-        </p:nvSpPr>
-        <p:spPr>
-          <a:xfrm>
-            <a:off x="5170298" y="1994630"/>
-            <a:ext cx="785793" cy="369332"/>
-          </a:xfrm>
-          <a:prstGeom prst="rect">
-            <a:avLst/>
-          </a:prstGeom>
-          <a:noFill/>
-        </p:spPr>
-        <p:txBody>
-          <a:bodyPr wrap="none" rtlCol="0">
-            <a:spAutoFit/>
-          </a:bodyPr>
-          <a:lstStyle/>
-          <a:p>
-            <a:r>
-              <a:rPr lang="en-US" dirty="0"/>
-              <a:t>1+45</a:t>
-            </a:r>
-            <a:r>
-              <a:rPr lang="en-US" baseline="30000" dirty="0"/>
-              <a:t>o</a:t>
-            </a:r>
-            <a:r>
-              <a:rPr lang="en-US" dirty="0"/>
-              <a:t> </a:t>
-            </a:r>
-          </a:p>
-        </p:txBody>
-      </p:sp>
-      <p:sp>
-        <p:nvSpPr>
-          <p:cNvPr id="79" name="TextBox 78">
-            <a:extLst>
-              <a:ext uri="{FF2B5EF4-FFF2-40B4-BE49-F238E27FC236}">
-                <a16:creationId xmlns:a16="http://schemas.microsoft.com/office/drawing/2014/main" id="{22E806F5-9EE8-DD43-BC57-7EAA332C39A8}"/>
-              </a:ext>
-            </a:extLst>
-          </p:cNvPr>
-          <p:cNvSpPr txBox="1"/>
-          <p:nvPr/>
-        </p:nvSpPr>
-        <p:spPr>
-          <a:xfrm>
-            <a:off x="4900109" y="3323151"/>
-            <a:ext cx="1269899" cy="369332"/>
-          </a:xfrm>
-          <a:prstGeom prst="rect">
-            <a:avLst/>
-          </a:prstGeom>
-          <a:noFill/>
-        </p:spPr>
-        <p:txBody>
-          <a:bodyPr wrap="none" rtlCol="0">
-            <a:spAutoFit/>
-          </a:bodyPr>
-          <a:lstStyle/>
-          <a:p>
-            <a:r>
-              <a:rPr lang="en-US" dirty="0"/>
-              <a:t>1+90</a:t>
-            </a:r>
-            <a:r>
-              <a:rPr lang="en-US" baseline="30000" dirty="0"/>
-              <a:t>o</a:t>
-            </a:r>
-            <a:r>
-              <a:rPr lang="en-US" dirty="0"/>
-              <a:t> +45</a:t>
-            </a:r>
-            <a:r>
-              <a:rPr lang="en-US" baseline="30000" dirty="0"/>
-              <a:t>o</a:t>
-            </a:r>
-            <a:r>
-              <a:rPr lang="en-US" dirty="0"/>
-              <a:t> </a:t>
-            </a:r>
-          </a:p>
-        </p:txBody>
-      </p:sp>
-      <p:sp>
-        <p:nvSpPr>
-          <p:cNvPr id="80" name="TextBox 79">
-            <a:extLst>
-              <a:ext uri="{FF2B5EF4-FFF2-40B4-BE49-F238E27FC236}">
-                <a16:creationId xmlns:a16="http://schemas.microsoft.com/office/drawing/2014/main" id="{EC5AE896-43BC-084F-B968-505BE35D6BAA}"/>
-              </a:ext>
-            </a:extLst>
-          </p:cNvPr>
-          <p:cNvSpPr txBox="1"/>
-          <p:nvPr/>
-        </p:nvSpPr>
-        <p:spPr>
-          <a:xfrm>
-            <a:off x="5146807" y="2666731"/>
-            <a:ext cx="838691" cy="369332"/>
-          </a:xfrm>
-          <a:prstGeom prst="rect">
-            <a:avLst/>
-          </a:prstGeom>
-          <a:noFill/>
-        </p:spPr>
-        <p:txBody>
-          <a:bodyPr wrap="none" rtlCol="0">
-            <a:spAutoFit/>
-          </a:bodyPr>
-          <a:lstStyle/>
-          <a:p>
-            <a:r>
-              <a:rPr lang="en-US" dirty="0"/>
-              <a:t>1+ 90</a:t>
-            </a:r>
-            <a:r>
-              <a:rPr lang="en-US" baseline="30000" dirty="0"/>
-              <a:t>o</a:t>
-            </a:r>
-            <a:r>
-              <a:rPr lang="en-US" dirty="0"/>
-              <a:t> </a:t>
-            </a:r>
-          </a:p>
-        </p:txBody>
-      </p:sp>
-      <p:sp>
-        <p:nvSpPr>
-          <p:cNvPr id="81" name="TextBox 80">
-            <a:extLst>
-              <a:ext uri="{FF2B5EF4-FFF2-40B4-BE49-F238E27FC236}">
-                <a16:creationId xmlns:a16="http://schemas.microsoft.com/office/drawing/2014/main" id="{912D8A08-8C9C-984F-829A-06326AAB6CE9}"/>
-              </a:ext>
-            </a:extLst>
-          </p:cNvPr>
-          <p:cNvSpPr txBox="1"/>
-          <p:nvPr/>
-        </p:nvSpPr>
-        <p:spPr>
-          <a:xfrm>
-            <a:off x="5095230" y="4501792"/>
-            <a:ext cx="668773" cy="369332"/>
-          </a:xfrm>
-          <a:prstGeom prst="rect">
-            <a:avLst/>
-          </a:prstGeom>
-          <a:noFill/>
-        </p:spPr>
-        <p:txBody>
-          <a:bodyPr wrap="none" rtlCol="0">
-            <a:spAutoFit/>
-          </a:bodyPr>
-          <a:lstStyle/>
-          <a:p>
-            <a:r>
-              <a:rPr lang="en-US" dirty="0"/>
-              <a:t>+45</a:t>
-            </a:r>
-            <a:r>
-              <a:rPr lang="en-US" baseline="30000" dirty="0"/>
-              <a:t>o</a:t>
-            </a:r>
-            <a:r>
-              <a:rPr lang="en-US" dirty="0"/>
-              <a:t> </a:t>
-            </a:r>
-          </a:p>
-        </p:txBody>
-      </p:sp>
-      <p:sp>
-        <p:nvSpPr>
-          <p:cNvPr id="82" name="TextBox 81">
-            <a:extLst>
-              <a:ext uri="{FF2B5EF4-FFF2-40B4-BE49-F238E27FC236}">
-                <a16:creationId xmlns:a16="http://schemas.microsoft.com/office/drawing/2014/main" id="{94440DE1-D4C4-8046-A2C3-18A49AD55913}"/>
-              </a:ext>
-            </a:extLst>
-          </p:cNvPr>
-          <p:cNvSpPr txBox="1"/>
-          <p:nvPr/>
-        </p:nvSpPr>
-        <p:spPr>
-          <a:xfrm>
-            <a:off x="4894391" y="5836040"/>
-            <a:ext cx="1269899" cy="369332"/>
-          </a:xfrm>
-          <a:prstGeom prst="rect">
-            <a:avLst/>
-          </a:prstGeom>
-          <a:noFill/>
-        </p:spPr>
-        <p:txBody>
-          <a:bodyPr wrap="none" rtlCol="0">
-            <a:spAutoFit/>
-          </a:bodyPr>
-          <a:lstStyle/>
-          <a:p>
-            <a:r>
-              <a:rPr lang="en-US" dirty="0"/>
-              <a:t>2+90</a:t>
-            </a:r>
-            <a:r>
-              <a:rPr lang="en-US" baseline="30000" dirty="0"/>
-              <a:t>o</a:t>
-            </a:r>
-            <a:r>
-              <a:rPr lang="en-US" dirty="0"/>
-              <a:t> +45</a:t>
-            </a:r>
-            <a:r>
-              <a:rPr lang="en-US" baseline="30000" dirty="0"/>
-              <a:t>o</a:t>
-            </a:r>
-            <a:r>
-              <a:rPr lang="en-US" dirty="0"/>
-              <a:t> </a:t>
-            </a:r>
-          </a:p>
-        </p:txBody>
-      </p:sp>
-      <p:sp>
-        <p:nvSpPr>
-          <p:cNvPr id="83" name="TextBox 82">
-            <a:extLst>
-              <a:ext uri="{FF2B5EF4-FFF2-40B4-BE49-F238E27FC236}">
-                <a16:creationId xmlns:a16="http://schemas.microsoft.com/office/drawing/2014/main" id="{6D3D489E-BECC-DF4A-98CF-7CDA43A6DF19}"/>
-              </a:ext>
-            </a:extLst>
-          </p:cNvPr>
-          <p:cNvSpPr txBox="1"/>
-          <p:nvPr/>
-        </p:nvSpPr>
-        <p:spPr>
-          <a:xfrm>
-            <a:off x="5071739" y="5173893"/>
-            <a:ext cx="838691" cy="369332"/>
-          </a:xfrm>
-          <a:prstGeom prst="rect">
-            <a:avLst/>
-          </a:prstGeom>
-          <a:noFill/>
-        </p:spPr>
-        <p:txBody>
-          <a:bodyPr wrap="none" rtlCol="0">
-            <a:spAutoFit/>
-          </a:bodyPr>
-          <a:lstStyle/>
-          <a:p>
-            <a:r>
-              <a:rPr lang="en-US" dirty="0"/>
-              <a:t>2+ 90</a:t>
-            </a:r>
-            <a:r>
-              <a:rPr lang="en-US" baseline="30000" dirty="0"/>
-              <a:t>o</a:t>
-            </a:r>
-            <a:r>
-              <a:rPr lang="en-US" dirty="0"/>
-              <a:t> </a:t>
-            </a:r>
-          </a:p>
-        </p:txBody>
-      </p:sp>
-      <p:sp>
-        <p:nvSpPr>
-          <p:cNvPr id="84" name="TextBox 83">
-            <a:extLst>
-              <a:ext uri="{FF2B5EF4-FFF2-40B4-BE49-F238E27FC236}">
-                <a16:creationId xmlns:a16="http://schemas.microsoft.com/office/drawing/2014/main" id="{DC15602B-6E0C-404B-867A-04CFACC0B85A}"/>
-              </a:ext>
-            </a:extLst>
-          </p:cNvPr>
-          <p:cNvSpPr txBox="1"/>
-          <p:nvPr/>
-        </p:nvSpPr>
-        <p:spPr>
-          <a:xfrm>
-            <a:off x="6463203" y="1666237"/>
-            <a:ext cx="301686" cy="369332"/>
-          </a:xfrm>
-          <a:prstGeom prst="rect">
-            <a:avLst/>
-          </a:prstGeom>
-          <a:noFill/>
-        </p:spPr>
-        <p:txBody>
-          <a:bodyPr wrap="none" rtlCol="0">
-            <a:spAutoFit/>
-          </a:bodyPr>
-          <a:lstStyle/>
-          <a:p>
-            <a:r>
-              <a:rPr lang="en-US" dirty="0"/>
-              <a:t>1</a:t>
-            </a:r>
-          </a:p>
-        </p:txBody>
-      </p:sp>
-      <p:sp>
-        <p:nvSpPr>
           <p:cNvPr id="86" name="TextBox 85">
             <a:extLst>
               <a:ext uri="{FF2B5EF4-FFF2-40B4-BE49-F238E27FC236}">
@@ -8895,84 +8082,6 @@
       </p:sp>
       <p:sp>
         <p:nvSpPr>
-          <p:cNvPr id="87" name="TextBox 86">
-            <a:extLst>
-              <a:ext uri="{FF2B5EF4-FFF2-40B4-BE49-F238E27FC236}">
-                <a16:creationId xmlns:a16="http://schemas.microsoft.com/office/drawing/2014/main" id="{86794875-F509-8E45-91C4-B6BF7D882723}"/>
-              </a:ext>
-            </a:extLst>
-          </p:cNvPr>
-          <p:cNvSpPr txBox="1"/>
-          <p:nvPr/>
-        </p:nvSpPr>
-        <p:spPr>
-          <a:xfrm>
-            <a:off x="6360809" y="5400440"/>
-            <a:ext cx="668773" cy="369332"/>
-          </a:xfrm>
-          <a:prstGeom prst="rect">
-            <a:avLst/>
-          </a:prstGeom>
-          <a:noFill/>
-        </p:spPr>
-        <p:txBody>
-          <a:bodyPr wrap="none" rtlCol="0">
-            <a:spAutoFit/>
-          </a:bodyPr>
-          <a:lstStyle/>
-          <a:p>
-            <a:r>
-              <a:rPr lang="en-US" dirty="0"/>
-              <a:t>+90</a:t>
-            </a:r>
-            <a:r>
-              <a:rPr lang="en-US" baseline="30000" dirty="0"/>
-              <a:t>o</a:t>
-            </a:r>
-            <a:r>
-              <a:rPr lang="en-US" dirty="0"/>
-              <a:t> </a:t>
-            </a:r>
-          </a:p>
-        </p:txBody>
-      </p:sp>
-      <p:sp>
-        <p:nvSpPr>
-          <p:cNvPr id="88" name="TextBox 87">
-            <a:extLst>
-              <a:ext uri="{FF2B5EF4-FFF2-40B4-BE49-F238E27FC236}">
-                <a16:creationId xmlns:a16="http://schemas.microsoft.com/office/drawing/2014/main" id="{29BDB3BC-7057-8B4C-A3FD-04D2831A7E76}"/>
-              </a:ext>
-            </a:extLst>
-          </p:cNvPr>
-          <p:cNvSpPr txBox="1"/>
-          <p:nvPr/>
-        </p:nvSpPr>
-        <p:spPr>
-          <a:xfrm>
-            <a:off x="7642142" y="1674956"/>
-            <a:ext cx="301686" cy="369332"/>
-          </a:xfrm>
-          <a:prstGeom prst="rect">
-            <a:avLst/>
-          </a:prstGeom>
-          <a:noFill/>
-        </p:spPr>
-        <p:txBody>
-          <a:bodyPr wrap="none" rtlCol="0">
-            <a:spAutoFit/>
-          </a:bodyPr>
-          <a:lstStyle/>
-          <a:p>
-            <a:r>
-              <a:rPr lang="en-US" dirty="0"/>
-              <a:t>1</a:t>
-            </a:r>
-          </a:p>
-        </p:txBody>
-      </p:sp>
-      <p:sp>
-        <p:nvSpPr>
           <p:cNvPr id="90" name="TextBox 89">
             <a:extLst>
               <a:ext uri="{FF2B5EF4-FFF2-40B4-BE49-F238E27FC236}">
@@ -9008,84 +8117,6 @@
       </p:sp>
       <p:sp>
         <p:nvSpPr>
-          <p:cNvPr id="91" name="TextBox 90">
-            <a:extLst>
-              <a:ext uri="{FF2B5EF4-FFF2-40B4-BE49-F238E27FC236}">
-                <a16:creationId xmlns:a16="http://schemas.microsoft.com/office/drawing/2014/main" id="{3E7C3F6E-348A-164B-A2E8-244CA01CD266}"/>
-              </a:ext>
-            </a:extLst>
-          </p:cNvPr>
-          <p:cNvSpPr txBox="1"/>
-          <p:nvPr/>
-        </p:nvSpPr>
-        <p:spPr>
-          <a:xfrm>
-            <a:off x="7539748" y="5409159"/>
-            <a:ext cx="668773" cy="369332"/>
-          </a:xfrm>
-          <a:prstGeom prst="rect">
-            <a:avLst/>
-          </a:prstGeom>
-          <a:noFill/>
-        </p:spPr>
-        <p:txBody>
-          <a:bodyPr wrap="none" rtlCol="0">
-            <a:spAutoFit/>
-          </a:bodyPr>
-          <a:lstStyle/>
-          <a:p>
-            <a:r>
-              <a:rPr lang="en-US" dirty="0"/>
-              <a:t>+90</a:t>
-            </a:r>
-            <a:r>
-              <a:rPr lang="en-US" baseline="30000" dirty="0"/>
-              <a:t>o</a:t>
-            </a:r>
-            <a:r>
-              <a:rPr lang="en-US" dirty="0"/>
-              <a:t> </a:t>
-            </a:r>
-          </a:p>
-        </p:txBody>
-      </p:sp>
-      <p:sp>
-        <p:nvSpPr>
-          <p:cNvPr id="92" name="TextBox 91">
-            <a:extLst>
-              <a:ext uri="{FF2B5EF4-FFF2-40B4-BE49-F238E27FC236}">
-                <a16:creationId xmlns:a16="http://schemas.microsoft.com/office/drawing/2014/main" id="{8CF7D7A7-7B53-A342-86FB-E27293990A53}"/>
-              </a:ext>
-            </a:extLst>
-          </p:cNvPr>
-          <p:cNvSpPr txBox="1"/>
-          <p:nvPr/>
-        </p:nvSpPr>
-        <p:spPr>
-          <a:xfrm>
-            <a:off x="8927890" y="2179296"/>
-            <a:ext cx="372218" cy="369332"/>
-          </a:xfrm>
-          <a:prstGeom prst="rect">
-            <a:avLst/>
-          </a:prstGeom>
-          <a:noFill/>
-        </p:spPr>
-        <p:txBody>
-          <a:bodyPr wrap="none" rtlCol="0">
-            <a:spAutoFit/>
-          </a:bodyPr>
-          <a:lstStyle/>
-          <a:p>
-            <a:r>
-              <a:rPr lang="en-US" dirty="0"/>
-              <a:t>1)</a:t>
-            </a:r>
-          </a:p>
-        </p:txBody>
-      </p:sp>
-      <p:sp>
-        <p:nvSpPr>
           <p:cNvPr id="93" name="TextBox 92">
             <a:extLst>
               <a:ext uri="{FF2B5EF4-FFF2-40B4-BE49-F238E27FC236}">
@@ -9121,41 +8152,6 @@
       </p:sp>
       <p:sp>
         <p:nvSpPr>
-          <p:cNvPr id="94" name="TextBox 93">
-            <a:extLst>
-              <a:ext uri="{FF2B5EF4-FFF2-40B4-BE49-F238E27FC236}">
-                <a16:creationId xmlns:a16="http://schemas.microsoft.com/office/drawing/2014/main" id="{C761EC05-E7DB-C14B-8BEF-28BCA4011372}"/>
-              </a:ext>
-            </a:extLst>
-          </p:cNvPr>
-          <p:cNvSpPr txBox="1"/>
-          <p:nvPr/>
-        </p:nvSpPr>
-        <p:spPr>
-          <a:xfrm>
-            <a:off x="10072883" y="2199845"/>
-            <a:ext cx="425116" cy="369332"/>
-          </a:xfrm>
-          <a:prstGeom prst="rect">
-            <a:avLst/>
-          </a:prstGeom>
-          <a:noFill/>
-        </p:spPr>
-        <p:txBody>
-          <a:bodyPr wrap="none" rtlCol="0">
-            <a:spAutoFit/>
-          </a:bodyPr>
-          <a:lstStyle/>
-          <a:p>
-            <a:r>
-              <a:rPr lang="en-US" dirty="0"/>
-              <a:t>1 )</a:t>
-            </a:r>
-          </a:p>
-        </p:txBody>
-      </p:sp>
-      <p:sp>
-        <p:nvSpPr>
           <p:cNvPr id="95" name="TextBox 94">
             <a:extLst>
               <a:ext uri="{FF2B5EF4-FFF2-40B4-BE49-F238E27FC236}">
@@ -9191,41 +8187,6 @@
       </p:sp>
       <p:sp>
         <p:nvSpPr>
-          <p:cNvPr id="96" name="TextBox 95">
-            <a:extLst>
-              <a:ext uri="{FF2B5EF4-FFF2-40B4-BE49-F238E27FC236}">
-                <a16:creationId xmlns:a16="http://schemas.microsoft.com/office/drawing/2014/main" id="{339E6538-0B1C-B345-A3B8-EB219235D600}"/>
-              </a:ext>
-            </a:extLst>
-          </p:cNvPr>
-          <p:cNvSpPr txBox="1"/>
-          <p:nvPr/>
-        </p:nvSpPr>
-        <p:spPr>
-          <a:xfrm>
-            <a:off x="11204431" y="2249453"/>
-            <a:ext cx="425116" cy="369332"/>
-          </a:xfrm>
-          <a:prstGeom prst="rect">
-            <a:avLst/>
-          </a:prstGeom>
-          <a:noFill/>
-        </p:spPr>
-        <p:txBody>
-          <a:bodyPr wrap="none" rtlCol="0">
-            <a:spAutoFit/>
-          </a:bodyPr>
-          <a:lstStyle/>
-          <a:p>
-            <a:r>
-              <a:rPr lang="en-US" dirty="0"/>
-              <a:t>1 )</a:t>
-            </a:r>
-          </a:p>
-        </p:txBody>
-      </p:sp>
-      <p:sp>
-        <p:nvSpPr>
           <p:cNvPr id="97" name="TextBox 96">
             <a:extLst>
               <a:ext uri="{FF2B5EF4-FFF2-40B4-BE49-F238E27FC236}">
@@ -9573,6 +8534,1293 @@
             <a:r>
               <a:rPr lang="en-US" sz="1400" dirty="0"/>
               <a:t>0.055Hz</a:t>
+            </a:r>
+          </a:p>
+        </p:txBody>
+      </p:sp>
+      <p:sp>
+        <p:nvSpPr>
+          <p:cNvPr id="85" name="TextBox 84">
+            <a:extLst>
+              <a:ext uri="{FF2B5EF4-FFF2-40B4-BE49-F238E27FC236}">
+                <a16:creationId xmlns:a16="http://schemas.microsoft.com/office/drawing/2014/main" id="{8D7DFF75-6229-8548-96C0-8D6C68F533D9}"/>
+              </a:ext>
+            </a:extLst>
+          </p:cNvPr>
+          <p:cNvSpPr txBox="1"/>
+          <p:nvPr/>
+        </p:nvSpPr>
+        <p:spPr>
+          <a:xfrm>
+            <a:off x="3754393" y="2495665"/>
+            <a:ext cx="1151277" cy="738664"/>
+          </a:xfrm>
+          <a:prstGeom prst="rect">
+            <a:avLst/>
+          </a:prstGeom>
+          <a:noFill/>
+        </p:spPr>
+        <p:txBody>
+          <a:bodyPr wrap="none" rtlCol="0">
+            <a:spAutoFit/>
+          </a:bodyPr>
+          <a:lstStyle/>
+          <a:p>
+            <a:r>
+              <a:rPr lang="en-US" sz="1400" dirty="0"/>
+              <a:t>1)</a:t>
+            </a:r>
+          </a:p>
+          <a:p>
+            <a:r>
+              <a:rPr lang="en-US" sz="1400" dirty="0"/>
+              <a:t>+0.01Hz+90</a:t>
+            </a:r>
+            <a:r>
+              <a:rPr lang="en-US" sz="1400" baseline="30000" dirty="0"/>
+              <a:t>o</a:t>
+            </a:r>
+            <a:r>
+              <a:rPr lang="en-US" sz="1400" dirty="0"/>
+              <a:t> </a:t>
+            </a:r>
+          </a:p>
+          <a:p>
+            <a:r>
+              <a:rPr lang="en-US" sz="1400" dirty="0"/>
+              <a:t>0.06Hz</a:t>
+            </a:r>
+          </a:p>
+        </p:txBody>
+      </p:sp>
+      <p:sp>
+        <p:nvSpPr>
+          <p:cNvPr id="89" name="TextBox 88">
+            <a:extLst>
+              <a:ext uri="{FF2B5EF4-FFF2-40B4-BE49-F238E27FC236}">
+                <a16:creationId xmlns:a16="http://schemas.microsoft.com/office/drawing/2014/main" id="{D3C213B1-F836-6745-AB6F-4A0226132D52}"/>
+              </a:ext>
+            </a:extLst>
+          </p:cNvPr>
+          <p:cNvSpPr txBox="1"/>
+          <p:nvPr/>
+        </p:nvSpPr>
+        <p:spPr>
+          <a:xfrm>
+            <a:off x="3802063" y="1822315"/>
+            <a:ext cx="1242648" cy="738664"/>
+          </a:xfrm>
+          <a:prstGeom prst="rect">
+            <a:avLst/>
+          </a:prstGeom>
+          <a:noFill/>
+        </p:spPr>
+        <p:txBody>
+          <a:bodyPr wrap="none" rtlCol="0">
+            <a:spAutoFit/>
+          </a:bodyPr>
+          <a:lstStyle/>
+          <a:p>
+            <a:r>
+              <a:rPr lang="en-US" sz="1400" dirty="0"/>
+              <a:t>1)</a:t>
+            </a:r>
+          </a:p>
+          <a:p>
+            <a:r>
+              <a:rPr lang="en-US" sz="1400" dirty="0"/>
+              <a:t>+0.015Hz+45</a:t>
+            </a:r>
+            <a:r>
+              <a:rPr lang="en-US" sz="1400" baseline="30000" dirty="0"/>
+              <a:t>o</a:t>
+            </a:r>
+            <a:r>
+              <a:rPr lang="en-US" sz="1400" dirty="0"/>
+              <a:t> </a:t>
+            </a:r>
+          </a:p>
+          <a:p>
+            <a:r>
+              <a:rPr lang="en-US" sz="1400" dirty="0"/>
+              <a:t>0.065Hz</a:t>
+            </a:r>
+          </a:p>
+        </p:txBody>
+      </p:sp>
+      <p:sp>
+        <p:nvSpPr>
+          <p:cNvPr id="104" name="TextBox 103">
+            <a:extLst>
+              <a:ext uri="{FF2B5EF4-FFF2-40B4-BE49-F238E27FC236}">
+                <a16:creationId xmlns:a16="http://schemas.microsoft.com/office/drawing/2014/main" id="{9B1EAA0D-F30A-F341-AD4C-BF5791F91027}"/>
+              </a:ext>
+            </a:extLst>
+          </p:cNvPr>
+          <p:cNvSpPr txBox="1"/>
+          <p:nvPr/>
+        </p:nvSpPr>
+        <p:spPr>
+          <a:xfrm>
+            <a:off x="3742694" y="3127222"/>
+            <a:ext cx="1242648" cy="738664"/>
+          </a:xfrm>
+          <a:prstGeom prst="rect">
+            <a:avLst/>
+          </a:prstGeom>
+          <a:noFill/>
+        </p:spPr>
+        <p:txBody>
+          <a:bodyPr wrap="none" rtlCol="0">
+            <a:spAutoFit/>
+          </a:bodyPr>
+          <a:lstStyle/>
+          <a:p>
+            <a:r>
+              <a:rPr lang="en-US" sz="1400" dirty="0"/>
+              <a:t>1)</a:t>
+            </a:r>
+          </a:p>
+          <a:p>
+            <a:r>
+              <a:rPr lang="en-US" sz="1400" dirty="0"/>
+              <a:t>+0.005Hz+45</a:t>
+            </a:r>
+            <a:r>
+              <a:rPr lang="en-US" sz="1400" baseline="30000" dirty="0"/>
+              <a:t>o</a:t>
+            </a:r>
+            <a:r>
+              <a:rPr lang="en-US" sz="1400" dirty="0"/>
+              <a:t> </a:t>
+            </a:r>
+          </a:p>
+          <a:p>
+            <a:r>
+              <a:rPr lang="en-US" sz="1400" dirty="0"/>
+              <a:t>0.055Hz</a:t>
+            </a:r>
+          </a:p>
+        </p:txBody>
+      </p:sp>
+      <p:sp>
+        <p:nvSpPr>
+          <p:cNvPr id="105" name="TextBox 104">
+            <a:extLst>
+              <a:ext uri="{FF2B5EF4-FFF2-40B4-BE49-F238E27FC236}">
+                <a16:creationId xmlns:a16="http://schemas.microsoft.com/office/drawing/2014/main" id="{F25742DE-824F-274A-BF7C-C247D96542A7}"/>
+              </a:ext>
+            </a:extLst>
+          </p:cNvPr>
+          <p:cNvSpPr txBox="1"/>
+          <p:nvPr/>
+        </p:nvSpPr>
+        <p:spPr>
+          <a:xfrm>
+            <a:off x="4873312" y="2459038"/>
+            <a:ext cx="1151277" cy="738664"/>
+          </a:xfrm>
+          <a:prstGeom prst="rect">
+            <a:avLst/>
+          </a:prstGeom>
+          <a:noFill/>
+        </p:spPr>
+        <p:txBody>
+          <a:bodyPr wrap="none" rtlCol="0">
+            <a:spAutoFit/>
+          </a:bodyPr>
+          <a:lstStyle/>
+          <a:p>
+            <a:r>
+              <a:rPr lang="en-US" sz="1400" dirty="0"/>
+              <a:t>1)</a:t>
+            </a:r>
+          </a:p>
+          <a:p>
+            <a:r>
+              <a:rPr lang="en-US" sz="1400" dirty="0"/>
+              <a:t>+0.01Hz+90</a:t>
+            </a:r>
+            <a:r>
+              <a:rPr lang="en-US" sz="1400" baseline="30000" dirty="0"/>
+              <a:t>o</a:t>
+            </a:r>
+            <a:r>
+              <a:rPr lang="en-US" sz="1400" dirty="0"/>
+              <a:t> </a:t>
+            </a:r>
+          </a:p>
+          <a:p>
+            <a:r>
+              <a:rPr lang="en-US" sz="1400" dirty="0"/>
+              <a:t>0.06Hz</a:t>
+            </a:r>
+          </a:p>
+        </p:txBody>
+      </p:sp>
+      <p:sp>
+        <p:nvSpPr>
+          <p:cNvPr id="106" name="TextBox 105">
+            <a:extLst>
+              <a:ext uri="{FF2B5EF4-FFF2-40B4-BE49-F238E27FC236}">
+                <a16:creationId xmlns:a16="http://schemas.microsoft.com/office/drawing/2014/main" id="{0E20B284-432C-684C-BCA0-833646ABE390}"/>
+              </a:ext>
+            </a:extLst>
+          </p:cNvPr>
+          <p:cNvSpPr txBox="1"/>
+          <p:nvPr/>
+        </p:nvSpPr>
+        <p:spPr>
+          <a:xfrm>
+            <a:off x="4920982" y="1830513"/>
+            <a:ext cx="1242648" cy="738664"/>
+          </a:xfrm>
+          <a:prstGeom prst="rect">
+            <a:avLst/>
+          </a:prstGeom>
+          <a:noFill/>
+        </p:spPr>
+        <p:txBody>
+          <a:bodyPr wrap="none" rtlCol="0">
+            <a:spAutoFit/>
+          </a:bodyPr>
+          <a:lstStyle/>
+          <a:p>
+            <a:r>
+              <a:rPr lang="en-US" sz="1400" dirty="0"/>
+              <a:t>1)</a:t>
+            </a:r>
+          </a:p>
+          <a:p>
+            <a:r>
+              <a:rPr lang="en-US" sz="1400" dirty="0"/>
+              <a:t>+0.015Hz+45</a:t>
+            </a:r>
+            <a:r>
+              <a:rPr lang="en-US" sz="1400" baseline="30000" dirty="0"/>
+              <a:t>o</a:t>
+            </a:r>
+            <a:r>
+              <a:rPr lang="en-US" sz="1400" dirty="0"/>
+              <a:t> </a:t>
+            </a:r>
+          </a:p>
+          <a:p>
+            <a:r>
+              <a:rPr lang="en-US" sz="1400" dirty="0"/>
+              <a:t>0.065Hz</a:t>
+            </a:r>
+          </a:p>
+        </p:txBody>
+      </p:sp>
+      <p:sp>
+        <p:nvSpPr>
+          <p:cNvPr id="107" name="TextBox 106">
+            <a:extLst>
+              <a:ext uri="{FF2B5EF4-FFF2-40B4-BE49-F238E27FC236}">
+                <a16:creationId xmlns:a16="http://schemas.microsoft.com/office/drawing/2014/main" id="{8617FD9C-EBB1-D040-AF78-A07B57F63CD5}"/>
+              </a:ext>
+            </a:extLst>
+          </p:cNvPr>
+          <p:cNvSpPr txBox="1"/>
+          <p:nvPr/>
+        </p:nvSpPr>
+        <p:spPr>
+          <a:xfrm>
+            <a:off x="4861613" y="3153350"/>
+            <a:ext cx="1242648" cy="738664"/>
+          </a:xfrm>
+          <a:prstGeom prst="rect">
+            <a:avLst/>
+          </a:prstGeom>
+          <a:noFill/>
+        </p:spPr>
+        <p:txBody>
+          <a:bodyPr wrap="none" rtlCol="0">
+            <a:spAutoFit/>
+          </a:bodyPr>
+          <a:lstStyle/>
+          <a:p>
+            <a:r>
+              <a:rPr lang="en-US" sz="1400" dirty="0"/>
+              <a:t>1)</a:t>
+            </a:r>
+          </a:p>
+          <a:p>
+            <a:r>
+              <a:rPr lang="en-US" sz="1400" dirty="0"/>
+              <a:t>+0.005Hz+45</a:t>
+            </a:r>
+            <a:r>
+              <a:rPr lang="en-US" sz="1400" baseline="30000" dirty="0"/>
+              <a:t>o</a:t>
+            </a:r>
+            <a:r>
+              <a:rPr lang="en-US" sz="1400" dirty="0"/>
+              <a:t> </a:t>
+            </a:r>
+          </a:p>
+          <a:p>
+            <a:r>
+              <a:rPr lang="en-US" sz="1400" dirty="0"/>
+              <a:t>0.055Hz</a:t>
+            </a:r>
+          </a:p>
+        </p:txBody>
+      </p:sp>
+      <p:sp>
+        <p:nvSpPr>
+          <p:cNvPr id="78" name="TextBox 77">
+            <a:extLst>
+              <a:ext uri="{FF2B5EF4-FFF2-40B4-BE49-F238E27FC236}">
+                <a16:creationId xmlns:a16="http://schemas.microsoft.com/office/drawing/2014/main" id="{57C5ED57-BDF3-0A44-9E07-B3B2A473A444}"/>
+              </a:ext>
+            </a:extLst>
+          </p:cNvPr>
+          <p:cNvSpPr txBox="1"/>
+          <p:nvPr/>
+        </p:nvSpPr>
+        <p:spPr>
+          <a:xfrm>
+            <a:off x="2554573" y="4930958"/>
+            <a:ext cx="1207382" cy="738664"/>
+          </a:xfrm>
+          <a:prstGeom prst="rect">
+            <a:avLst/>
+          </a:prstGeom>
+          <a:noFill/>
+        </p:spPr>
+        <p:txBody>
+          <a:bodyPr wrap="none" rtlCol="0">
+            <a:spAutoFit/>
+          </a:bodyPr>
+          <a:lstStyle/>
+          <a:p>
+            <a:r>
+              <a:rPr lang="en-US" sz="1400" dirty="0"/>
+              <a:t>2)</a:t>
+            </a:r>
+          </a:p>
+          <a:p>
+            <a:r>
+              <a:rPr lang="en-US" sz="1400" dirty="0"/>
+              <a:t>-0.005Hz+90</a:t>
+            </a:r>
+            <a:r>
+              <a:rPr lang="en-US" sz="1400" baseline="30000" dirty="0"/>
+              <a:t>o</a:t>
+            </a:r>
+            <a:r>
+              <a:rPr lang="en-US" sz="1400" dirty="0"/>
+              <a:t> </a:t>
+            </a:r>
+          </a:p>
+          <a:p>
+            <a:r>
+              <a:rPr lang="en-US" sz="1400" dirty="0"/>
+              <a:t>0.035Hz</a:t>
+            </a:r>
+          </a:p>
+        </p:txBody>
+      </p:sp>
+      <p:sp>
+        <p:nvSpPr>
+          <p:cNvPr id="79" name="TextBox 78">
+            <a:extLst>
+              <a:ext uri="{FF2B5EF4-FFF2-40B4-BE49-F238E27FC236}">
+                <a16:creationId xmlns:a16="http://schemas.microsoft.com/office/drawing/2014/main" id="{A9E1CB56-481E-E046-8918-D58CDC900F9F}"/>
+              </a:ext>
+            </a:extLst>
+          </p:cNvPr>
+          <p:cNvSpPr txBox="1"/>
+          <p:nvPr/>
+        </p:nvSpPr>
+        <p:spPr>
+          <a:xfrm>
+            <a:off x="6228600" y="5245357"/>
+            <a:ext cx="1207382" cy="738664"/>
+          </a:xfrm>
+          <a:prstGeom prst="rect">
+            <a:avLst/>
+          </a:prstGeom>
+          <a:noFill/>
+        </p:spPr>
+        <p:txBody>
+          <a:bodyPr wrap="none" rtlCol="0">
+            <a:spAutoFit/>
+          </a:bodyPr>
+          <a:lstStyle/>
+          <a:p>
+            <a:r>
+              <a:rPr lang="en-US" sz="1400" dirty="0"/>
+              <a:t>2)</a:t>
+            </a:r>
+          </a:p>
+          <a:p>
+            <a:r>
+              <a:rPr lang="en-US" sz="1400" dirty="0"/>
+              <a:t>-0.005Hz+90</a:t>
+            </a:r>
+            <a:r>
+              <a:rPr lang="en-US" sz="1400" baseline="30000" dirty="0"/>
+              <a:t>o</a:t>
+            </a:r>
+            <a:r>
+              <a:rPr lang="en-US" sz="1400" dirty="0"/>
+              <a:t> </a:t>
+            </a:r>
+          </a:p>
+          <a:p>
+            <a:r>
+              <a:rPr lang="en-US" sz="1400" dirty="0"/>
+              <a:t>0.035Hz</a:t>
+            </a:r>
+          </a:p>
+        </p:txBody>
+      </p:sp>
+      <p:sp>
+        <p:nvSpPr>
+          <p:cNvPr id="80" name="TextBox 79">
+            <a:extLst>
+              <a:ext uri="{FF2B5EF4-FFF2-40B4-BE49-F238E27FC236}">
+                <a16:creationId xmlns:a16="http://schemas.microsoft.com/office/drawing/2014/main" id="{FB483ED3-9339-1E42-8A99-774B4C3A163E}"/>
+              </a:ext>
+            </a:extLst>
+          </p:cNvPr>
+          <p:cNvSpPr txBox="1"/>
+          <p:nvPr/>
+        </p:nvSpPr>
+        <p:spPr>
+          <a:xfrm>
+            <a:off x="7282427" y="5227479"/>
+            <a:ext cx="1207382" cy="738664"/>
+          </a:xfrm>
+          <a:prstGeom prst="rect">
+            <a:avLst/>
+          </a:prstGeom>
+          <a:noFill/>
+        </p:spPr>
+        <p:txBody>
+          <a:bodyPr wrap="none" rtlCol="0">
+            <a:spAutoFit/>
+          </a:bodyPr>
+          <a:lstStyle/>
+          <a:p>
+            <a:r>
+              <a:rPr lang="en-US" sz="1400" dirty="0"/>
+              <a:t>2)</a:t>
+            </a:r>
+          </a:p>
+          <a:p>
+            <a:r>
+              <a:rPr lang="en-US" sz="1400" dirty="0"/>
+              <a:t>-0.005Hz+90</a:t>
+            </a:r>
+            <a:r>
+              <a:rPr lang="en-US" sz="1400" baseline="30000" dirty="0"/>
+              <a:t>o</a:t>
+            </a:r>
+            <a:r>
+              <a:rPr lang="en-US" sz="1400" dirty="0"/>
+              <a:t> </a:t>
+            </a:r>
+          </a:p>
+          <a:p>
+            <a:r>
+              <a:rPr lang="en-US" sz="1400" dirty="0"/>
+              <a:t>0.035Hz</a:t>
+            </a:r>
+          </a:p>
+        </p:txBody>
+      </p:sp>
+      <p:sp>
+        <p:nvSpPr>
+          <p:cNvPr id="108" name="TextBox 107">
+            <a:extLst>
+              <a:ext uri="{FF2B5EF4-FFF2-40B4-BE49-F238E27FC236}">
+                <a16:creationId xmlns:a16="http://schemas.microsoft.com/office/drawing/2014/main" id="{3AA87C4A-16EF-3F47-A5D6-4FC26456A014}"/>
+              </a:ext>
+            </a:extLst>
+          </p:cNvPr>
+          <p:cNvSpPr txBox="1"/>
+          <p:nvPr/>
+        </p:nvSpPr>
+        <p:spPr>
+          <a:xfrm>
+            <a:off x="3905883" y="1267081"/>
+            <a:ext cx="686406" cy="523220"/>
+          </a:xfrm>
+          <a:prstGeom prst="rect">
+            <a:avLst/>
+          </a:prstGeom>
+          <a:noFill/>
+        </p:spPr>
+        <p:txBody>
+          <a:bodyPr wrap="none" rtlCol="0">
+            <a:spAutoFit/>
+          </a:bodyPr>
+          <a:lstStyle/>
+          <a:p>
+            <a:r>
+              <a:rPr lang="en-US" sz="1400" dirty="0"/>
+              <a:t>1)</a:t>
+            </a:r>
+          </a:p>
+          <a:p>
+            <a:r>
+              <a:rPr lang="en-US" sz="1400" dirty="0"/>
+              <a:t>0.05Hz</a:t>
+            </a:r>
+          </a:p>
+        </p:txBody>
+      </p:sp>
+      <p:sp>
+        <p:nvSpPr>
+          <p:cNvPr id="109" name="TextBox 108">
+            <a:extLst>
+              <a:ext uri="{FF2B5EF4-FFF2-40B4-BE49-F238E27FC236}">
+                <a16:creationId xmlns:a16="http://schemas.microsoft.com/office/drawing/2014/main" id="{358395F4-A397-5948-91BE-ECE17BF20951}"/>
+              </a:ext>
+            </a:extLst>
+          </p:cNvPr>
+          <p:cNvSpPr txBox="1"/>
+          <p:nvPr/>
+        </p:nvSpPr>
+        <p:spPr>
+          <a:xfrm>
+            <a:off x="5071739" y="1294229"/>
+            <a:ext cx="686406" cy="523220"/>
+          </a:xfrm>
+          <a:prstGeom prst="rect">
+            <a:avLst/>
+          </a:prstGeom>
+          <a:noFill/>
+        </p:spPr>
+        <p:txBody>
+          <a:bodyPr wrap="none" rtlCol="0">
+            <a:spAutoFit/>
+          </a:bodyPr>
+          <a:lstStyle/>
+          <a:p>
+            <a:r>
+              <a:rPr lang="en-US" sz="1400" dirty="0"/>
+              <a:t>1)</a:t>
+            </a:r>
+          </a:p>
+          <a:p>
+            <a:r>
+              <a:rPr lang="en-US" sz="1400" dirty="0"/>
+              <a:t>0.05Hz</a:t>
+            </a:r>
+          </a:p>
+        </p:txBody>
+      </p:sp>
+      <p:sp>
+        <p:nvSpPr>
+          <p:cNvPr id="110" name="TextBox 109">
+            <a:extLst>
+              <a:ext uri="{FF2B5EF4-FFF2-40B4-BE49-F238E27FC236}">
+                <a16:creationId xmlns:a16="http://schemas.microsoft.com/office/drawing/2014/main" id="{F309FAD4-AF1A-0A4D-8437-087F756A06C4}"/>
+              </a:ext>
+            </a:extLst>
+          </p:cNvPr>
+          <p:cNvSpPr txBox="1"/>
+          <p:nvPr/>
+        </p:nvSpPr>
+        <p:spPr>
+          <a:xfrm>
+            <a:off x="1537932" y="1697950"/>
+            <a:ext cx="686406" cy="523220"/>
+          </a:xfrm>
+          <a:prstGeom prst="rect">
+            <a:avLst/>
+          </a:prstGeom>
+          <a:noFill/>
+        </p:spPr>
+        <p:txBody>
+          <a:bodyPr wrap="none" rtlCol="0">
+            <a:spAutoFit/>
+          </a:bodyPr>
+          <a:lstStyle/>
+          <a:p>
+            <a:r>
+              <a:rPr lang="en-US" sz="1400" dirty="0"/>
+              <a:t>1)</a:t>
+            </a:r>
+          </a:p>
+          <a:p>
+            <a:r>
+              <a:rPr lang="en-US" sz="1400" dirty="0"/>
+              <a:t>0.05Hz</a:t>
+            </a:r>
+          </a:p>
+        </p:txBody>
+      </p:sp>
+      <p:sp>
+        <p:nvSpPr>
+          <p:cNvPr id="111" name="TextBox 110">
+            <a:extLst>
+              <a:ext uri="{FF2B5EF4-FFF2-40B4-BE49-F238E27FC236}">
+                <a16:creationId xmlns:a16="http://schemas.microsoft.com/office/drawing/2014/main" id="{8FC87858-DF4D-FC49-87D9-9D650627056E}"/>
+              </a:ext>
+            </a:extLst>
+          </p:cNvPr>
+          <p:cNvSpPr txBox="1"/>
+          <p:nvPr/>
+        </p:nvSpPr>
+        <p:spPr>
+          <a:xfrm>
+            <a:off x="6393994" y="1547124"/>
+            <a:ext cx="686406" cy="523220"/>
+          </a:xfrm>
+          <a:prstGeom prst="rect">
+            <a:avLst/>
+          </a:prstGeom>
+          <a:noFill/>
+        </p:spPr>
+        <p:txBody>
+          <a:bodyPr wrap="none" rtlCol="0">
+            <a:spAutoFit/>
+          </a:bodyPr>
+          <a:lstStyle/>
+          <a:p>
+            <a:r>
+              <a:rPr lang="en-US" sz="1400" dirty="0"/>
+              <a:t>1)</a:t>
+            </a:r>
+          </a:p>
+          <a:p>
+            <a:r>
+              <a:rPr lang="en-US" sz="1400" dirty="0"/>
+              <a:t>0.05Hz</a:t>
+            </a:r>
+          </a:p>
+        </p:txBody>
+      </p:sp>
+      <p:sp>
+        <p:nvSpPr>
+          <p:cNvPr id="112" name="TextBox 111">
+            <a:extLst>
+              <a:ext uri="{FF2B5EF4-FFF2-40B4-BE49-F238E27FC236}">
+                <a16:creationId xmlns:a16="http://schemas.microsoft.com/office/drawing/2014/main" id="{CBC18EC7-F11E-D449-9630-32BE87B2866A}"/>
+              </a:ext>
+            </a:extLst>
+          </p:cNvPr>
+          <p:cNvSpPr txBox="1"/>
+          <p:nvPr/>
+        </p:nvSpPr>
+        <p:spPr>
+          <a:xfrm>
+            <a:off x="7433455" y="1636589"/>
+            <a:ext cx="686406" cy="523220"/>
+          </a:xfrm>
+          <a:prstGeom prst="rect">
+            <a:avLst/>
+          </a:prstGeom>
+          <a:noFill/>
+        </p:spPr>
+        <p:txBody>
+          <a:bodyPr wrap="none" rtlCol="0">
+            <a:spAutoFit/>
+          </a:bodyPr>
+          <a:lstStyle/>
+          <a:p>
+            <a:r>
+              <a:rPr lang="en-US" sz="1400" dirty="0"/>
+              <a:t>1)</a:t>
+            </a:r>
+          </a:p>
+          <a:p>
+            <a:r>
+              <a:rPr lang="en-US" sz="1400" dirty="0"/>
+              <a:t>0.05Hz</a:t>
+            </a:r>
+          </a:p>
+        </p:txBody>
+      </p:sp>
+      <p:sp>
+        <p:nvSpPr>
+          <p:cNvPr id="113" name="TextBox 112">
+            <a:extLst>
+              <a:ext uri="{FF2B5EF4-FFF2-40B4-BE49-F238E27FC236}">
+                <a16:creationId xmlns:a16="http://schemas.microsoft.com/office/drawing/2014/main" id="{642248B6-EBE4-5D4B-A436-928BDAB517CC}"/>
+              </a:ext>
+            </a:extLst>
+          </p:cNvPr>
+          <p:cNvSpPr txBox="1"/>
+          <p:nvPr/>
+        </p:nvSpPr>
+        <p:spPr>
+          <a:xfrm>
+            <a:off x="8790439" y="2052603"/>
+            <a:ext cx="686406" cy="523220"/>
+          </a:xfrm>
+          <a:prstGeom prst="rect">
+            <a:avLst/>
+          </a:prstGeom>
+          <a:noFill/>
+        </p:spPr>
+        <p:txBody>
+          <a:bodyPr wrap="none" rtlCol="0">
+            <a:spAutoFit/>
+          </a:bodyPr>
+          <a:lstStyle/>
+          <a:p>
+            <a:r>
+              <a:rPr lang="en-US" sz="1400" dirty="0"/>
+              <a:t>1)</a:t>
+            </a:r>
+          </a:p>
+          <a:p>
+            <a:r>
+              <a:rPr lang="en-US" sz="1400" dirty="0"/>
+              <a:t>0.05Hz</a:t>
+            </a:r>
+          </a:p>
+        </p:txBody>
+      </p:sp>
+      <p:sp>
+        <p:nvSpPr>
+          <p:cNvPr id="114" name="TextBox 113">
+            <a:extLst>
+              <a:ext uri="{FF2B5EF4-FFF2-40B4-BE49-F238E27FC236}">
+                <a16:creationId xmlns:a16="http://schemas.microsoft.com/office/drawing/2014/main" id="{DEA7DF6A-95FB-394C-BF0A-539EFAC0D3DE}"/>
+              </a:ext>
+            </a:extLst>
+          </p:cNvPr>
+          <p:cNvSpPr txBox="1"/>
+          <p:nvPr/>
+        </p:nvSpPr>
+        <p:spPr>
+          <a:xfrm>
+            <a:off x="9831557" y="1994430"/>
+            <a:ext cx="686406" cy="523220"/>
+          </a:xfrm>
+          <a:prstGeom prst="rect">
+            <a:avLst/>
+          </a:prstGeom>
+          <a:noFill/>
+        </p:spPr>
+        <p:txBody>
+          <a:bodyPr wrap="none" rtlCol="0">
+            <a:spAutoFit/>
+          </a:bodyPr>
+          <a:lstStyle/>
+          <a:p>
+            <a:r>
+              <a:rPr lang="en-US" sz="1400" dirty="0"/>
+              <a:t>1)</a:t>
+            </a:r>
+          </a:p>
+          <a:p>
+            <a:r>
+              <a:rPr lang="en-US" sz="1400" dirty="0"/>
+              <a:t>0.05Hz</a:t>
+            </a:r>
+          </a:p>
+        </p:txBody>
+      </p:sp>
+      <p:sp>
+        <p:nvSpPr>
+          <p:cNvPr id="115" name="TextBox 114">
+            <a:extLst>
+              <a:ext uri="{FF2B5EF4-FFF2-40B4-BE49-F238E27FC236}">
+                <a16:creationId xmlns:a16="http://schemas.microsoft.com/office/drawing/2014/main" id="{54712491-4CEA-CA44-94B9-293C9DC98526}"/>
+              </a:ext>
+            </a:extLst>
+          </p:cNvPr>
+          <p:cNvSpPr txBox="1"/>
+          <p:nvPr/>
+        </p:nvSpPr>
+        <p:spPr>
+          <a:xfrm>
+            <a:off x="11068817" y="2070344"/>
+            <a:ext cx="686406" cy="523220"/>
+          </a:xfrm>
+          <a:prstGeom prst="rect">
+            <a:avLst/>
+          </a:prstGeom>
+          <a:noFill/>
+        </p:spPr>
+        <p:txBody>
+          <a:bodyPr wrap="none" rtlCol="0">
+            <a:spAutoFit/>
+          </a:bodyPr>
+          <a:lstStyle/>
+          <a:p>
+            <a:r>
+              <a:rPr lang="en-US" sz="1400" dirty="0"/>
+              <a:t>1)</a:t>
+            </a:r>
+          </a:p>
+          <a:p>
+            <a:r>
+              <a:rPr lang="en-US" sz="1400" dirty="0"/>
+              <a:t>0.05Hz</a:t>
+            </a:r>
+          </a:p>
+        </p:txBody>
+      </p:sp>
+      <p:sp>
+        <p:nvSpPr>
+          <p:cNvPr id="116" name="TextBox 115">
+            <a:extLst>
+              <a:ext uri="{FF2B5EF4-FFF2-40B4-BE49-F238E27FC236}">
+                <a16:creationId xmlns:a16="http://schemas.microsoft.com/office/drawing/2014/main" id="{1FEDCF75-E809-6548-8061-228058C398F8}"/>
+              </a:ext>
+            </a:extLst>
+          </p:cNvPr>
+          <p:cNvSpPr txBox="1"/>
+          <p:nvPr/>
+        </p:nvSpPr>
+        <p:spPr>
+          <a:xfrm>
+            <a:off x="2544795" y="4304031"/>
+            <a:ext cx="1298753" cy="738664"/>
+          </a:xfrm>
+          <a:prstGeom prst="rect">
+            <a:avLst/>
+          </a:prstGeom>
+          <a:noFill/>
+        </p:spPr>
+        <p:txBody>
+          <a:bodyPr wrap="none" rtlCol="0">
+            <a:spAutoFit/>
+          </a:bodyPr>
+          <a:lstStyle/>
+          <a:p>
+            <a:r>
+              <a:rPr lang="en-US" sz="1400" dirty="0"/>
+              <a:t>2)</a:t>
+            </a:r>
+          </a:p>
+          <a:p>
+            <a:r>
+              <a:rPr lang="en-US" sz="1400" dirty="0"/>
+              <a:t>-0.0075Hz+45</a:t>
+            </a:r>
+            <a:r>
+              <a:rPr lang="en-US" sz="1400" baseline="30000" dirty="0"/>
+              <a:t>o</a:t>
+            </a:r>
+            <a:r>
+              <a:rPr lang="en-US" sz="1400" dirty="0"/>
+              <a:t> </a:t>
+            </a:r>
+          </a:p>
+          <a:p>
+            <a:r>
+              <a:rPr lang="en-US" sz="1400" dirty="0"/>
+              <a:t>0.0325Hz</a:t>
+            </a:r>
+          </a:p>
+        </p:txBody>
+      </p:sp>
+      <p:sp>
+        <p:nvSpPr>
+          <p:cNvPr id="117" name="TextBox 116">
+            <a:extLst>
+              <a:ext uri="{FF2B5EF4-FFF2-40B4-BE49-F238E27FC236}">
+                <a16:creationId xmlns:a16="http://schemas.microsoft.com/office/drawing/2014/main" id="{0A37C02E-E8AF-6347-B115-9E83E62FC29B}"/>
+              </a:ext>
+            </a:extLst>
+          </p:cNvPr>
+          <p:cNvSpPr txBox="1"/>
+          <p:nvPr/>
+        </p:nvSpPr>
+        <p:spPr>
+          <a:xfrm>
+            <a:off x="2464739" y="5710997"/>
+            <a:ext cx="1382110" cy="600164"/>
+          </a:xfrm>
+          <a:prstGeom prst="rect">
+            <a:avLst/>
+          </a:prstGeom>
+          <a:noFill/>
+        </p:spPr>
+        <p:txBody>
+          <a:bodyPr wrap="none" rtlCol="0">
+            <a:spAutoFit/>
+          </a:bodyPr>
+          <a:lstStyle/>
+          <a:p>
+            <a:r>
+              <a:rPr lang="en-US" sz="1100" dirty="0"/>
+              <a:t>2)</a:t>
+            </a:r>
+          </a:p>
+          <a:p>
+            <a:r>
+              <a:rPr lang="en-US" sz="1100" dirty="0"/>
+              <a:t>-0.0025Hz+ 90</a:t>
+            </a:r>
+            <a:r>
+              <a:rPr lang="en-US" sz="1100" baseline="30000" dirty="0"/>
+              <a:t>o </a:t>
+            </a:r>
+            <a:r>
+              <a:rPr lang="en-US" sz="1100" dirty="0"/>
+              <a:t>+45</a:t>
+            </a:r>
+            <a:r>
+              <a:rPr lang="en-US" sz="1100" baseline="30000" dirty="0"/>
+              <a:t>o</a:t>
+            </a:r>
+            <a:r>
+              <a:rPr lang="en-US" sz="1100" dirty="0"/>
+              <a:t> </a:t>
+            </a:r>
+          </a:p>
+          <a:p>
+            <a:r>
+              <a:rPr lang="en-US" sz="1100" dirty="0"/>
+              <a:t>0.0375Hz</a:t>
+            </a:r>
+          </a:p>
+        </p:txBody>
+      </p:sp>
+      <p:sp>
+        <p:nvSpPr>
+          <p:cNvPr id="118" name="TextBox 117">
+            <a:extLst>
+              <a:ext uri="{FF2B5EF4-FFF2-40B4-BE49-F238E27FC236}">
+                <a16:creationId xmlns:a16="http://schemas.microsoft.com/office/drawing/2014/main" id="{A64E587C-8969-484F-9117-2992F8C00E77}"/>
+              </a:ext>
+            </a:extLst>
+          </p:cNvPr>
+          <p:cNvSpPr txBox="1"/>
+          <p:nvPr/>
+        </p:nvSpPr>
+        <p:spPr>
+          <a:xfrm>
+            <a:off x="3755736" y="4911484"/>
+            <a:ext cx="1207382" cy="738664"/>
+          </a:xfrm>
+          <a:prstGeom prst="rect">
+            <a:avLst/>
+          </a:prstGeom>
+          <a:noFill/>
+        </p:spPr>
+        <p:txBody>
+          <a:bodyPr wrap="none" rtlCol="0">
+            <a:spAutoFit/>
+          </a:bodyPr>
+          <a:lstStyle/>
+          <a:p>
+            <a:r>
+              <a:rPr lang="en-US" sz="1400" dirty="0"/>
+              <a:t>2)</a:t>
+            </a:r>
+          </a:p>
+          <a:p>
+            <a:r>
+              <a:rPr lang="en-US" sz="1400" dirty="0"/>
+              <a:t>-0.005Hz+90</a:t>
+            </a:r>
+            <a:r>
+              <a:rPr lang="en-US" sz="1400" baseline="30000" dirty="0"/>
+              <a:t>o</a:t>
+            </a:r>
+            <a:r>
+              <a:rPr lang="en-US" sz="1400" dirty="0"/>
+              <a:t> </a:t>
+            </a:r>
+          </a:p>
+          <a:p>
+            <a:r>
+              <a:rPr lang="en-US" sz="1400" dirty="0"/>
+              <a:t>0.035Hz</a:t>
+            </a:r>
+          </a:p>
+        </p:txBody>
+      </p:sp>
+      <p:sp>
+        <p:nvSpPr>
+          <p:cNvPr id="119" name="TextBox 118">
+            <a:extLst>
+              <a:ext uri="{FF2B5EF4-FFF2-40B4-BE49-F238E27FC236}">
+                <a16:creationId xmlns:a16="http://schemas.microsoft.com/office/drawing/2014/main" id="{67B81D1E-6066-A14C-8B16-CEBC094AD73C}"/>
+              </a:ext>
+            </a:extLst>
+          </p:cNvPr>
+          <p:cNvSpPr txBox="1"/>
+          <p:nvPr/>
+        </p:nvSpPr>
+        <p:spPr>
+          <a:xfrm>
+            <a:off x="3745958" y="4284557"/>
+            <a:ext cx="1298753" cy="738664"/>
+          </a:xfrm>
+          <a:prstGeom prst="rect">
+            <a:avLst/>
+          </a:prstGeom>
+          <a:noFill/>
+        </p:spPr>
+        <p:txBody>
+          <a:bodyPr wrap="none" rtlCol="0">
+            <a:spAutoFit/>
+          </a:bodyPr>
+          <a:lstStyle/>
+          <a:p>
+            <a:r>
+              <a:rPr lang="en-US" sz="1400" dirty="0"/>
+              <a:t>2)</a:t>
+            </a:r>
+          </a:p>
+          <a:p>
+            <a:r>
+              <a:rPr lang="en-US" sz="1400" dirty="0"/>
+              <a:t>-0.0075Hz+45</a:t>
+            </a:r>
+            <a:r>
+              <a:rPr lang="en-US" sz="1400" baseline="30000" dirty="0"/>
+              <a:t>o</a:t>
+            </a:r>
+            <a:r>
+              <a:rPr lang="en-US" sz="1400" dirty="0"/>
+              <a:t> </a:t>
+            </a:r>
+          </a:p>
+          <a:p>
+            <a:r>
+              <a:rPr lang="en-US" sz="1400" dirty="0"/>
+              <a:t>0.0325Hz</a:t>
+            </a:r>
+          </a:p>
+        </p:txBody>
+      </p:sp>
+      <p:sp>
+        <p:nvSpPr>
+          <p:cNvPr id="120" name="TextBox 119">
+            <a:extLst>
+              <a:ext uri="{FF2B5EF4-FFF2-40B4-BE49-F238E27FC236}">
+                <a16:creationId xmlns:a16="http://schemas.microsoft.com/office/drawing/2014/main" id="{FDB7048B-D5D0-C24B-9A13-E9B9BD24D603}"/>
+              </a:ext>
+            </a:extLst>
+          </p:cNvPr>
+          <p:cNvSpPr txBox="1"/>
+          <p:nvPr/>
+        </p:nvSpPr>
+        <p:spPr>
+          <a:xfrm>
+            <a:off x="3665902" y="5691523"/>
+            <a:ext cx="1382110" cy="600164"/>
+          </a:xfrm>
+          <a:prstGeom prst="rect">
+            <a:avLst/>
+          </a:prstGeom>
+          <a:noFill/>
+        </p:spPr>
+        <p:txBody>
+          <a:bodyPr wrap="none" rtlCol="0">
+            <a:spAutoFit/>
+          </a:bodyPr>
+          <a:lstStyle/>
+          <a:p>
+            <a:r>
+              <a:rPr lang="en-US" sz="1100" dirty="0"/>
+              <a:t>2)</a:t>
+            </a:r>
+          </a:p>
+          <a:p>
+            <a:r>
+              <a:rPr lang="en-US" sz="1100" dirty="0"/>
+              <a:t>-0.0025Hz+ 90</a:t>
+            </a:r>
+            <a:r>
+              <a:rPr lang="en-US" sz="1100" baseline="30000" dirty="0"/>
+              <a:t>o </a:t>
+            </a:r>
+            <a:r>
+              <a:rPr lang="en-US" sz="1100" dirty="0"/>
+              <a:t>+45</a:t>
+            </a:r>
+            <a:r>
+              <a:rPr lang="en-US" sz="1100" baseline="30000" dirty="0"/>
+              <a:t>o</a:t>
+            </a:r>
+            <a:r>
+              <a:rPr lang="en-US" sz="1100" dirty="0"/>
+              <a:t> </a:t>
+            </a:r>
+          </a:p>
+          <a:p>
+            <a:r>
+              <a:rPr lang="en-US" sz="1100" dirty="0"/>
+              <a:t>0.0375Hz</a:t>
+            </a:r>
+          </a:p>
+        </p:txBody>
+      </p:sp>
+      <p:sp>
+        <p:nvSpPr>
+          <p:cNvPr id="121" name="TextBox 120">
+            <a:extLst>
+              <a:ext uri="{FF2B5EF4-FFF2-40B4-BE49-F238E27FC236}">
+                <a16:creationId xmlns:a16="http://schemas.microsoft.com/office/drawing/2014/main" id="{8139DE22-C96D-F149-8D6B-00E0766744CD}"/>
+              </a:ext>
+            </a:extLst>
+          </p:cNvPr>
+          <p:cNvSpPr txBox="1"/>
+          <p:nvPr/>
+        </p:nvSpPr>
+        <p:spPr>
+          <a:xfrm>
+            <a:off x="4955935" y="4967160"/>
+            <a:ext cx="1207382" cy="738664"/>
+          </a:xfrm>
+          <a:prstGeom prst="rect">
+            <a:avLst/>
+          </a:prstGeom>
+          <a:noFill/>
+        </p:spPr>
+        <p:txBody>
+          <a:bodyPr wrap="none" rtlCol="0">
+            <a:spAutoFit/>
+          </a:bodyPr>
+          <a:lstStyle/>
+          <a:p>
+            <a:r>
+              <a:rPr lang="en-US" sz="1400" dirty="0"/>
+              <a:t>2)</a:t>
+            </a:r>
+          </a:p>
+          <a:p>
+            <a:r>
+              <a:rPr lang="en-US" sz="1400" dirty="0"/>
+              <a:t>-0.005Hz+90</a:t>
+            </a:r>
+            <a:r>
+              <a:rPr lang="en-US" sz="1400" baseline="30000" dirty="0"/>
+              <a:t>o</a:t>
+            </a:r>
+            <a:r>
+              <a:rPr lang="en-US" sz="1400" dirty="0"/>
+              <a:t> </a:t>
+            </a:r>
+          </a:p>
+          <a:p>
+            <a:r>
+              <a:rPr lang="en-US" sz="1400" dirty="0"/>
+              <a:t>0.035Hz</a:t>
+            </a:r>
+          </a:p>
+        </p:txBody>
+      </p:sp>
+      <p:sp>
+        <p:nvSpPr>
+          <p:cNvPr id="122" name="TextBox 121">
+            <a:extLst>
+              <a:ext uri="{FF2B5EF4-FFF2-40B4-BE49-F238E27FC236}">
+                <a16:creationId xmlns:a16="http://schemas.microsoft.com/office/drawing/2014/main" id="{FBA57556-FA3A-764E-BD1B-EF1B7986BBC5}"/>
+              </a:ext>
+            </a:extLst>
+          </p:cNvPr>
+          <p:cNvSpPr txBox="1"/>
+          <p:nvPr/>
+        </p:nvSpPr>
+        <p:spPr>
+          <a:xfrm>
+            <a:off x="4946157" y="4286443"/>
+            <a:ext cx="1298753" cy="738664"/>
+          </a:xfrm>
+          <a:prstGeom prst="rect">
+            <a:avLst/>
+          </a:prstGeom>
+          <a:noFill/>
+        </p:spPr>
+        <p:txBody>
+          <a:bodyPr wrap="none" rtlCol="0">
+            <a:spAutoFit/>
+          </a:bodyPr>
+          <a:lstStyle/>
+          <a:p>
+            <a:r>
+              <a:rPr lang="en-US" sz="1400" dirty="0"/>
+              <a:t>2)</a:t>
+            </a:r>
+          </a:p>
+          <a:p>
+            <a:r>
+              <a:rPr lang="en-US" sz="1400" dirty="0"/>
+              <a:t>-0.0075Hz+45</a:t>
+            </a:r>
+            <a:r>
+              <a:rPr lang="en-US" sz="1400" baseline="30000" dirty="0"/>
+              <a:t>o</a:t>
+            </a:r>
+            <a:r>
+              <a:rPr lang="en-US" sz="1400" dirty="0"/>
+              <a:t> </a:t>
+            </a:r>
+          </a:p>
+          <a:p>
+            <a:r>
+              <a:rPr lang="en-US" sz="1400" dirty="0"/>
+              <a:t>0.0325Hz</a:t>
+            </a:r>
+          </a:p>
+        </p:txBody>
+      </p:sp>
+      <p:sp>
+        <p:nvSpPr>
+          <p:cNvPr id="123" name="TextBox 122">
+            <a:extLst>
+              <a:ext uri="{FF2B5EF4-FFF2-40B4-BE49-F238E27FC236}">
+                <a16:creationId xmlns:a16="http://schemas.microsoft.com/office/drawing/2014/main" id="{3D3A2BC9-0CEF-7346-9C2D-47F17D5BB1D2}"/>
+              </a:ext>
+            </a:extLst>
+          </p:cNvPr>
+          <p:cNvSpPr txBox="1"/>
+          <p:nvPr/>
+        </p:nvSpPr>
+        <p:spPr>
+          <a:xfrm>
+            <a:off x="4866101" y="5747199"/>
+            <a:ext cx="1382110" cy="600164"/>
+          </a:xfrm>
+          <a:prstGeom prst="rect">
+            <a:avLst/>
+          </a:prstGeom>
+          <a:noFill/>
+        </p:spPr>
+        <p:txBody>
+          <a:bodyPr wrap="none" rtlCol="0">
+            <a:spAutoFit/>
+          </a:bodyPr>
+          <a:lstStyle/>
+          <a:p>
+            <a:r>
+              <a:rPr lang="en-US" sz="1100" dirty="0"/>
+              <a:t>2)</a:t>
+            </a:r>
+          </a:p>
+          <a:p>
+            <a:r>
+              <a:rPr lang="en-US" sz="1100" dirty="0"/>
+              <a:t>-0.0025Hz+ 90</a:t>
+            </a:r>
+            <a:r>
+              <a:rPr lang="en-US" sz="1100" baseline="30000" dirty="0"/>
+              <a:t>o </a:t>
+            </a:r>
+            <a:r>
+              <a:rPr lang="en-US" sz="1100" dirty="0"/>
+              <a:t>+45</a:t>
+            </a:r>
+            <a:r>
+              <a:rPr lang="en-US" sz="1100" baseline="30000" dirty="0"/>
+              <a:t>o</a:t>
+            </a:r>
+            <a:r>
+              <a:rPr lang="en-US" sz="1100" dirty="0"/>
+              <a:t> </a:t>
+            </a:r>
+          </a:p>
+          <a:p>
+            <a:r>
+              <a:rPr lang="en-US" sz="1100" dirty="0"/>
+              <a:t>0.0375Hz</a:t>
             </a:r>
           </a:p>
         </p:txBody>

--- a/sim_tutorial.pptx
+++ b/sim_tutorial.pptx
@@ -5,11 +5,12 @@
     <p:sldMasterId id="2147483648" r:id="rId1"/>
   </p:sldMasterIdLst>
   <p:notesMasterIdLst>
-    <p:notesMasterId r:id="rId4"/>
+    <p:notesMasterId r:id="rId5"/>
   </p:notesMasterIdLst>
   <p:sldIdLst>
     <p:sldId id="256" r:id="rId2"/>
     <p:sldId id="257" r:id="rId3"/>
+    <p:sldId id="258" r:id="rId4"/>
   </p:sldIdLst>
   <p:sldSz cx="12192000" cy="6858000"/>
   <p:notesSz cx="6858000" cy="9144000"/>
@@ -198,7 +199,7 @@
           <a:p>
             <a:fld id="{3D983C11-D92A-8449-A9D8-9C4DCAF04B15}" type="datetimeFigureOut">
               <a:rPr lang="en-US" smtClean="0"/>
-              <a:t>9/12/18</a:t>
+              <a:t>10/29/18</a:t>
             </a:fld>
             <a:endParaRPr lang="en-US"/>
           </a:p>
@@ -780,7 +781,7 @@
           <a:p>
             <a:fld id="{63E824C4-E682-B943-B6E6-CEBFF864C9AB}" type="datetimeFigureOut">
               <a:rPr lang="en-US" smtClean="0"/>
-              <a:t>9/12/18</a:t>
+              <a:t>10/29/18</a:t>
             </a:fld>
             <a:endParaRPr lang="en-US"/>
           </a:p>
@@ -978,7 +979,7 @@
           <a:p>
             <a:fld id="{63E824C4-E682-B943-B6E6-CEBFF864C9AB}" type="datetimeFigureOut">
               <a:rPr lang="en-US" smtClean="0"/>
-              <a:t>9/12/18</a:t>
+              <a:t>10/29/18</a:t>
             </a:fld>
             <a:endParaRPr lang="en-US"/>
           </a:p>
@@ -1186,7 +1187,7 @@
           <a:p>
             <a:fld id="{63E824C4-E682-B943-B6E6-CEBFF864C9AB}" type="datetimeFigureOut">
               <a:rPr lang="en-US" smtClean="0"/>
-              <a:t>9/12/18</a:t>
+              <a:t>10/29/18</a:t>
             </a:fld>
             <a:endParaRPr lang="en-US"/>
           </a:p>
@@ -1384,7 +1385,7 @@
           <a:p>
             <a:fld id="{63E824C4-E682-B943-B6E6-CEBFF864C9AB}" type="datetimeFigureOut">
               <a:rPr lang="en-US" smtClean="0"/>
-              <a:t>9/12/18</a:t>
+              <a:t>10/29/18</a:t>
             </a:fld>
             <a:endParaRPr lang="en-US"/>
           </a:p>
@@ -1659,7 +1660,7 @@
           <a:p>
             <a:fld id="{63E824C4-E682-B943-B6E6-CEBFF864C9AB}" type="datetimeFigureOut">
               <a:rPr lang="en-US" smtClean="0"/>
-              <a:t>9/12/18</a:t>
+              <a:t>10/29/18</a:t>
             </a:fld>
             <a:endParaRPr lang="en-US"/>
           </a:p>
@@ -1924,7 +1925,7 @@
           <a:p>
             <a:fld id="{63E824C4-E682-B943-B6E6-CEBFF864C9AB}" type="datetimeFigureOut">
               <a:rPr lang="en-US" smtClean="0"/>
-              <a:t>9/12/18</a:t>
+              <a:t>10/29/18</a:t>
             </a:fld>
             <a:endParaRPr lang="en-US"/>
           </a:p>
@@ -2336,7 +2337,7 @@
           <a:p>
             <a:fld id="{63E824C4-E682-B943-B6E6-CEBFF864C9AB}" type="datetimeFigureOut">
               <a:rPr lang="en-US" smtClean="0"/>
-              <a:t>9/12/18</a:t>
+              <a:t>10/29/18</a:t>
             </a:fld>
             <a:endParaRPr lang="en-US"/>
           </a:p>
@@ -2477,7 +2478,7 @@
           <a:p>
             <a:fld id="{63E824C4-E682-B943-B6E6-CEBFF864C9AB}" type="datetimeFigureOut">
               <a:rPr lang="en-US" smtClean="0"/>
-              <a:t>9/12/18</a:t>
+              <a:t>10/29/18</a:t>
             </a:fld>
             <a:endParaRPr lang="en-US"/>
           </a:p>
@@ -2590,7 +2591,7 @@
           <a:p>
             <a:fld id="{63E824C4-E682-B943-B6E6-CEBFF864C9AB}" type="datetimeFigureOut">
               <a:rPr lang="en-US" smtClean="0"/>
-              <a:t>9/12/18</a:t>
+              <a:t>10/29/18</a:t>
             </a:fld>
             <a:endParaRPr lang="en-US"/>
           </a:p>
@@ -2901,7 +2902,7 @@
           <a:p>
             <a:fld id="{63E824C4-E682-B943-B6E6-CEBFF864C9AB}" type="datetimeFigureOut">
               <a:rPr lang="en-US" smtClean="0"/>
-              <a:t>9/12/18</a:t>
+              <a:t>10/29/18</a:t>
             </a:fld>
             <a:endParaRPr lang="en-US"/>
           </a:p>
@@ -3189,7 +3190,7 @@
           <a:p>
             <a:fld id="{63E824C4-E682-B943-B6E6-CEBFF864C9AB}" type="datetimeFigureOut">
               <a:rPr lang="en-US" smtClean="0"/>
-              <a:t>9/12/18</a:t>
+              <a:t>10/29/18</a:t>
             </a:fld>
             <a:endParaRPr lang="en-US"/>
           </a:p>
@@ -3430,7 +3431,7 @@
           <a:p>
             <a:fld id="{63E824C4-E682-B943-B6E6-CEBFF864C9AB}" type="datetimeFigureOut">
               <a:rPr lang="en-US" smtClean="0"/>
-              <a:t>9/12/18</a:t>
+              <a:t>10/29/18</a:t>
             </a:fld>
             <a:endParaRPr lang="en-US"/>
           </a:p>
@@ -9829,6 +9830,3300 @@
     <p:extLst>
       <p:ext uri="{BB962C8B-B14F-4D97-AF65-F5344CB8AC3E}">
         <p14:creationId xmlns:p14="http://schemas.microsoft.com/office/powerpoint/2010/main" val="106379202"/>
+      </p:ext>
+    </p:extLst>
+  </p:cSld>
+  <p:clrMapOvr>
+    <a:masterClrMapping/>
+  </p:clrMapOvr>
+</p:sld>
+</file>
+
+<file path=ppt/slides/slide3.xml><?xml version="1.0" encoding="utf-8"?>
+<p:sld xmlns:a="http://schemas.openxmlformats.org/drawingml/2006/main" xmlns:r="http://schemas.openxmlformats.org/officeDocument/2006/relationships" xmlns:p="http://schemas.openxmlformats.org/presentationml/2006/main">
+  <p:cSld>
+    <p:spTree>
+      <p:nvGrpSpPr>
+        <p:cNvPr id="1" name=""/>
+        <p:cNvGrpSpPr/>
+        <p:nvPr/>
+      </p:nvGrpSpPr>
+      <p:grpSpPr>
+        <a:xfrm>
+          <a:off x="0" y="0"/>
+          <a:ext cx="0" cy="0"/>
+          <a:chOff x="0" y="0"/>
+          <a:chExt cx="0" cy="0"/>
+        </a:xfrm>
+      </p:grpSpPr>
+      <p:sp>
+        <p:nvSpPr>
+          <p:cNvPr id="4" name="TextBox 3">
+            <a:extLst>
+              <a:ext uri="{FF2B5EF4-FFF2-40B4-BE49-F238E27FC236}">
+                <a16:creationId xmlns:a16="http://schemas.microsoft.com/office/drawing/2014/main" id="{803832A8-DF95-764E-BB41-7AA9F9F491BF}"/>
+              </a:ext>
+            </a:extLst>
+          </p:cNvPr>
+          <p:cNvSpPr txBox="1"/>
+          <p:nvPr/>
+        </p:nvSpPr>
+        <p:spPr>
+          <a:xfrm>
+            <a:off x="1037719" y="92381"/>
+            <a:ext cx="5205656" cy="369332"/>
+          </a:xfrm>
+          <a:prstGeom prst="rect">
+            <a:avLst/>
+          </a:prstGeom>
+          <a:noFill/>
+        </p:spPr>
+        <p:txBody>
+          <a:bodyPr wrap="none" rtlCol="0">
+            <a:spAutoFit/>
+          </a:bodyPr>
+          <a:lstStyle/>
+          <a:p>
+            <a:r>
+              <a:rPr lang="en-US" dirty="0"/>
+              <a:t>Simulation 3 – Now also shifting frequency and phase</a:t>
+            </a:r>
+          </a:p>
+        </p:txBody>
+      </p:sp>
+      <p:sp>
+        <p:nvSpPr>
+          <p:cNvPr id="5" name="Rectangle 4">
+            <a:extLst>
+              <a:ext uri="{FF2B5EF4-FFF2-40B4-BE49-F238E27FC236}">
+                <a16:creationId xmlns:a16="http://schemas.microsoft.com/office/drawing/2014/main" id="{1DAF619D-32F2-D342-97F1-B5C8F0BBD8D5}"/>
+              </a:ext>
+            </a:extLst>
+          </p:cNvPr>
+          <p:cNvSpPr/>
+          <p:nvPr/>
+        </p:nvSpPr>
+        <p:spPr>
+          <a:xfrm>
+            <a:off x="195209" y="1253447"/>
+            <a:ext cx="11763910" cy="5106256"/>
+          </a:xfrm>
+          <a:prstGeom prst="rect">
+            <a:avLst/>
+          </a:prstGeom>
+          <a:noFill/>
+        </p:spPr>
+        <p:style>
+          <a:lnRef idx="2">
+            <a:schemeClr val="accent1">
+              <a:shade val="50000"/>
+            </a:schemeClr>
+          </a:lnRef>
+          <a:fillRef idx="1">
+            <a:schemeClr val="accent1"/>
+          </a:fillRef>
+          <a:effectRef idx="0">
+            <a:schemeClr val="accent1"/>
+          </a:effectRef>
+          <a:fontRef idx="minor">
+            <a:schemeClr val="lt1"/>
+          </a:fontRef>
+        </p:style>
+        <p:txBody>
+          <a:bodyPr rtlCol="0" anchor="ctr"/>
+          <a:lstStyle/>
+          <a:p>
+            <a:pPr algn="ctr"/>
+            <a:endParaRPr lang="en-US"/>
+          </a:p>
+        </p:txBody>
+      </p:sp>
+      <p:cxnSp>
+        <p:nvCxnSpPr>
+          <p:cNvPr id="6" name="Straight Connector 5">
+            <a:extLst>
+              <a:ext uri="{FF2B5EF4-FFF2-40B4-BE49-F238E27FC236}">
+                <a16:creationId xmlns:a16="http://schemas.microsoft.com/office/drawing/2014/main" id="{23EE3EAB-8FC6-4342-B847-995F0634EA42}"/>
+              </a:ext>
+            </a:extLst>
+          </p:cNvPr>
+          <p:cNvCxnSpPr/>
+          <p:nvPr/>
+        </p:nvCxnSpPr>
+        <p:spPr>
+          <a:xfrm>
+            <a:off x="1325366" y="1253447"/>
+            <a:ext cx="0" cy="5106256"/>
+          </a:xfrm>
+          <a:prstGeom prst="line">
+            <a:avLst/>
+          </a:prstGeom>
+        </p:spPr>
+        <p:style>
+          <a:lnRef idx="1">
+            <a:schemeClr val="accent1"/>
+          </a:lnRef>
+          <a:fillRef idx="0">
+            <a:schemeClr val="accent1"/>
+          </a:fillRef>
+          <a:effectRef idx="0">
+            <a:schemeClr val="accent1"/>
+          </a:effectRef>
+          <a:fontRef idx="minor">
+            <a:schemeClr val="tx1"/>
+          </a:fontRef>
+        </p:style>
+      </p:cxnSp>
+      <p:cxnSp>
+        <p:nvCxnSpPr>
+          <p:cNvPr id="7" name="Straight Connector 6">
+            <a:extLst>
+              <a:ext uri="{FF2B5EF4-FFF2-40B4-BE49-F238E27FC236}">
+                <a16:creationId xmlns:a16="http://schemas.microsoft.com/office/drawing/2014/main" id="{CCDC6EBF-1C0E-CC41-B6CC-96BD15D6E443}"/>
+              </a:ext>
+            </a:extLst>
+          </p:cNvPr>
+          <p:cNvCxnSpPr/>
+          <p:nvPr/>
+        </p:nvCxnSpPr>
+        <p:spPr>
+          <a:xfrm>
+            <a:off x="2517810" y="1253447"/>
+            <a:ext cx="0" cy="5106256"/>
+          </a:xfrm>
+          <a:prstGeom prst="line">
+            <a:avLst/>
+          </a:prstGeom>
+        </p:spPr>
+        <p:style>
+          <a:lnRef idx="1">
+            <a:schemeClr val="accent1"/>
+          </a:lnRef>
+          <a:fillRef idx="0">
+            <a:schemeClr val="accent1"/>
+          </a:fillRef>
+          <a:effectRef idx="0">
+            <a:schemeClr val="accent1"/>
+          </a:effectRef>
+          <a:fontRef idx="minor">
+            <a:schemeClr val="tx1"/>
+          </a:fontRef>
+        </p:style>
+      </p:cxnSp>
+      <p:cxnSp>
+        <p:nvCxnSpPr>
+          <p:cNvPr id="8" name="Straight Connector 7">
+            <a:extLst>
+              <a:ext uri="{FF2B5EF4-FFF2-40B4-BE49-F238E27FC236}">
+                <a16:creationId xmlns:a16="http://schemas.microsoft.com/office/drawing/2014/main" id="{B03B3FB5-4B1A-BF43-9A86-B31E863C6C70}"/>
+              </a:ext>
+            </a:extLst>
+          </p:cNvPr>
+          <p:cNvCxnSpPr/>
+          <p:nvPr/>
+        </p:nvCxnSpPr>
+        <p:spPr>
+          <a:xfrm>
+            <a:off x="3710254" y="1253447"/>
+            <a:ext cx="0" cy="5106256"/>
+          </a:xfrm>
+          <a:prstGeom prst="line">
+            <a:avLst/>
+          </a:prstGeom>
+        </p:spPr>
+        <p:style>
+          <a:lnRef idx="1">
+            <a:schemeClr val="accent1"/>
+          </a:lnRef>
+          <a:fillRef idx="0">
+            <a:schemeClr val="accent1"/>
+          </a:fillRef>
+          <a:effectRef idx="0">
+            <a:schemeClr val="accent1"/>
+          </a:effectRef>
+          <a:fontRef idx="minor">
+            <a:schemeClr val="tx1"/>
+          </a:fontRef>
+        </p:style>
+      </p:cxnSp>
+      <p:cxnSp>
+        <p:nvCxnSpPr>
+          <p:cNvPr id="9" name="Straight Connector 8">
+            <a:extLst>
+              <a:ext uri="{FF2B5EF4-FFF2-40B4-BE49-F238E27FC236}">
+                <a16:creationId xmlns:a16="http://schemas.microsoft.com/office/drawing/2014/main" id="{4292A0F3-7BE2-1F41-A8B4-A7B5F66CED6A}"/>
+              </a:ext>
+            </a:extLst>
+          </p:cNvPr>
+          <p:cNvCxnSpPr/>
+          <p:nvPr/>
+        </p:nvCxnSpPr>
+        <p:spPr>
+          <a:xfrm>
+            <a:off x="4902698" y="1253447"/>
+            <a:ext cx="0" cy="5106256"/>
+          </a:xfrm>
+          <a:prstGeom prst="line">
+            <a:avLst/>
+          </a:prstGeom>
+        </p:spPr>
+        <p:style>
+          <a:lnRef idx="1">
+            <a:schemeClr val="accent1"/>
+          </a:lnRef>
+          <a:fillRef idx="0">
+            <a:schemeClr val="accent1"/>
+          </a:fillRef>
+          <a:effectRef idx="0">
+            <a:schemeClr val="accent1"/>
+          </a:effectRef>
+          <a:fontRef idx="minor">
+            <a:schemeClr val="tx1"/>
+          </a:fontRef>
+        </p:style>
+      </p:cxnSp>
+      <p:cxnSp>
+        <p:nvCxnSpPr>
+          <p:cNvPr id="10" name="Straight Connector 9">
+            <a:extLst>
+              <a:ext uri="{FF2B5EF4-FFF2-40B4-BE49-F238E27FC236}">
+                <a16:creationId xmlns:a16="http://schemas.microsoft.com/office/drawing/2014/main" id="{573F58A7-2E87-4B40-9E16-02991B5FE5AB}"/>
+              </a:ext>
+            </a:extLst>
+          </p:cNvPr>
+          <p:cNvCxnSpPr/>
+          <p:nvPr/>
+        </p:nvCxnSpPr>
+        <p:spPr>
+          <a:xfrm>
+            <a:off x="6095142" y="1253447"/>
+            <a:ext cx="0" cy="5106256"/>
+          </a:xfrm>
+          <a:prstGeom prst="line">
+            <a:avLst/>
+          </a:prstGeom>
+        </p:spPr>
+        <p:style>
+          <a:lnRef idx="1">
+            <a:schemeClr val="accent1"/>
+          </a:lnRef>
+          <a:fillRef idx="0">
+            <a:schemeClr val="accent1"/>
+          </a:fillRef>
+          <a:effectRef idx="0">
+            <a:schemeClr val="accent1"/>
+          </a:effectRef>
+          <a:fontRef idx="minor">
+            <a:schemeClr val="tx1"/>
+          </a:fontRef>
+        </p:style>
+      </p:cxnSp>
+      <p:cxnSp>
+        <p:nvCxnSpPr>
+          <p:cNvPr id="11" name="Straight Connector 10">
+            <a:extLst>
+              <a:ext uri="{FF2B5EF4-FFF2-40B4-BE49-F238E27FC236}">
+                <a16:creationId xmlns:a16="http://schemas.microsoft.com/office/drawing/2014/main" id="{7FE44187-8DD1-3B4B-9B23-D6D710160FDC}"/>
+              </a:ext>
+            </a:extLst>
+          </p:cNvPr>
+          <p:cNvCxnSpPr/>
+          <p:nvPr/>
+        </p:nvCxnSpPr>
+        <p:spPr>
+          <a:xfrm>
+            <a:off x="7287586" y="1253447"/>
+            <a:ext cx="0" cy="5106256"/>
+          </a:xfrm>
+          <a:prstGeom prst="line">
+            <a:avLst/>
+          </a:prstGeom>
+        </p:spPr>
+        <p:style>
+          <a:lnRef idx="1">
+            <a:schemeClr val="accent1"/>
+          </a:lnRef>
+          <a:fillRef idx="0">
+            <a:schemeClr val="accent1"/>
+          </a:fillRef>
+          <a:effectRef idx="0">
+            <a:schemeClr val="accent1"/>
+          </a:effectRef>
+          <a:fontRef idx="minor">
+            <a:schemeClr val="tx1"/>
+          </a:fontRef>
+        </p:style>
+      </p:cxnSp>
+      <p:cxnSp>
+        <p:nvCxnSpPr>
+          <p:cNvPr id="12" name="Straight Connector 11">
+            <a:extLst>
+              <a:ext uri="{FF2B5EF4-FFF2-40B4-BE49-F238E27FC236}">
+                <a16:creationId xmlns:a16="http://schemas.microsoft.com/office/drawing/2014/main" id="{06D3DC1E-267F-0948-8C8A-370BEE1C7FE9}"/>
+              </a:ext>
+            </a:extLst>
+          </p:cNvPr>
+          <p:cNvCxnSpPr/>
+          <p:nvPr/>
+        </p:nvCxnSpPr>
+        <p:spPr>
+          <a:xfrm>
+            <a:off x="8480030" y="1253447"/>
+            <a:ext cx="0" cy="5106256"/>
+          </a:xfrm>
+          <a:prstGeom prst="line">
+            <a:avLst/>
+          </a:prstGeom>
+        </p:spPr>
+        <p:style>
+          <a:lnRef idx="1">
+            <a:schemeClr val="accent1"/>
+          </a:lnRef>
+          <a:fillRef idx="0">
+            <a:schemeClr val="accent1"/>
+          </a:fillRef>
+          <a:effectRef idx="0">
+            <a:schemeClr val="accent1"/>
+          </a:effectRef>
+          <a:fontRef idx="minor">
+            <a:schemeClr val="tx1"/>
+          </a:fontRef>
+        </p:style>
+      </p:cxnSp>
+      <p:cxnSp>
+        <p:nvCxnSpPr>
+          <p:cNvPr id="13" name="Straight Connector 12">
+            <a:extLst>
+              <a:ext uri="{FF2B5EF4-FFF2-40B4-BE49-F238E27FC236}">
+                <a16:creationId xmlns:a16="http://schemas.microsoft.com/office/drawing/2014/main" id="{F91B7DC9-8A84-8246-B58F-069AC03EA2D9}"/>
+              </a:ext>
+            </a:extLst>
+          </p:cNvPr>
+          <p:cNvCxnSpPr/>
+          <p:nvPr/>
+        </p:nvCxnSpPr>
+        <p:spPr>
+          <a:xfrm>
+            <a:off x="9672474" y="1253447"/>
+            <a:ext cx="0" cy="5106256"/>
+          </a:xfrm>
+          <a:prstGeom prst="line">
+            <a:avLst/>
+          </a:prstGeom>
+        </p:spPr>
+        <p:style>
+          <a:lnRef idx="1">
+            <a:schemeClr val="accent1"/>
+          </a:lnRef>
+          <a:fillRef idx="0">
+            <a:schemeClr val="accent1"/>
+          </a:fillRef>
+          <a:effectRef idx="0">
+            <a:schemeClr val="accent1"/>
+          </a:effectRef>
+          <a:fontRef idx="minor">
+            <a:schemeClr val="tx1"/>
+          </a:fontRef>
+        </p:style>
+      </p:cxnSp>
+      <p:cxnSp>
+        <p:nvCxnSpPr>
+          <p:cNvPr id="14" name="Straight Connector 13">
+            <a:extLst>
+              <a:ext uri="{FF2B5EF4-FFF2-40B4-BE49-F238E27FC236}">
+                <a16:creationId xmlns:a16="http://schemas.microsoft.com/office/drawing/2014/main" id="{DF196DF9-498B-7C4C-AA2E-EEB87A64A720}"/>
+              </a:ext>
+            </a:extLst>
+          </p:cNvPr>
+          <p:cNvCxnSpPr/>
+          <p:nvPr/>
+        </p:nvCxnSpPr>
+        <p:spPr>
+          <a:xfrm>
+            <a:off x="10864921" y="1253447"/>
+            <a:ext cx="0" cy="5106256"/>
+          </a:xfrm>
+          <a:prstGeom prst="line">
+            <a:avLst/>
+          </a:prstGeom>
+        </p:spPr>
+        <p:style>
+          <a:lnRef idx="1">
+            <a:schemeClr val="accent1"/>
+          </a:lnRef>
+          <a:fillRef idx="0">
+            <a:schemeClr val="accent1"/>
+          </a:fillRef>
+          <a:effectRef idx="0">
+            <a:schemeClr val="accent1"/>
+          </a:effectRef>
+          <a:fontRef idx="minor">
+            <a:schemeClr val="tx1"/>
+          </a:fontRef>
+        </p:style>
+      </p:cxnSp>
+      <p:cxnSp>
+        <p:nvCxnSpPr>
+          <p:cNvPr id="15" name="Straight Connector 14">
+            <a:extLst>
+              <a:ext uri="{FF2B5EF4-FFF2-40B4-BE49-F238E27FC236}">
+                <a16:creationId xmlns:a16="http://schemas.microsoft.com/office/drawing/2014/main" id="{07DB17FE-244B-C94A-A5B2-A00B7EA60FDD}"/>
+              </a:ext>
+            </a:extLst>
+          </p:cNvPr>
+          <p:cNvCxnSpPr>
+            <a:cxnSpLocks/>
+            <a:stCxn id="5" idx="1"/>
+            <a:endCxn id="5" idx="3"/>
+          </p:cNvCxnSpPr>
+          <p:nvPr/>
+        </p:nvCxnSpPr>
+        <p:spPr>
+          <a:xfrm>
+            <a:off x="195209" y="3806575"/>
+            <a:ext cx="11763910" cy="0"/>
+          </a:xfrm>
+          <a:prstGeom prst="line">
+            <a:avLst/>
+          </a:prstGeom>
+        </p:spPr>
+        <p:style>
+          <a:lnRef idx="1">
+            <a:schemeClr val="accent1"/>
+          </a:lnRef>
+          <a:fillRef idx="0">
+            <a:schemeClr val="accent1"/>
+          </a:fillRef>
+          <a:effectRef idx="0">
+            <a:schemeClr val="accent1"/>
+          </a:effectRef>
+          <a:fontRef idx="minor">
+            <a:schemeClr val="tx1"/>
+          </a:fontRef>
+        </p:style>
+      </p:cxnSp>
+      <p:cxnSp>
+        <p:nvCxnSpPr>
+          <p:cNvPr id="16" name="Straight Connector 15">
+            <a:extLst>
+              <a:ext uri="{FF2B5EF4-FFF2-40B4-BE49-F238E27FC236}">
+                <a16:creationId xmlns:a16="http://schemas.microsoft.com/office/drawing/2014/main" id="{F551A48A-586E-6B46-A19A-36F5F17820FA}"/>
+              </a:ext>
+            </a:extLst>
+          </p:cNvPr>
+          <p:cNvCxnSpPr>
+            <a:cxnSpLocks/>
+          </p:cNvCxnSpPr>
+          <p:nvPr/>
+        </p:nvCxnSpPr>
+        <p:spPr>
+          <a:xfrm>
+            <a:off x="1325366" y="2486346"/>
+            <a:ext cx="7154664" cy="0"/>
+          </a:xfrm>
+          <a:prstGeom prst="line">
+            <a:avLst/>
+          </a:prstGeom>
+        </p:spPr>
+        <p:style>
+          <a:lnRef idx="1">
+            <a:schemeClr val="accent1"/>
+          </a:lnRef>
+          <a:fillRef idx="0">
+            <a:schemeClr val="accent1"/>
+          </a:fillRef>
+          <a:effectRef idx="0">
+            <a:schemeClr val="accent1"/>
+          </a:effectRef>
+          <a:fontRef idx="minor">
+            <a:schemeClr val="tx1"/>
+          </a:fontRef>
+        </p:style>
+      </p:cxnSp>
+      <p:cxnSp>
+        <p:nvCxnSpPr>
+          <p:cNvPr id="17" name="Straight Connector 16">
+            <a:extLst>
+              <a:ext uri="{FF2B5EF4-FFF2-40B4-BE49-F238E27FC236}">
+                <a16:creationId xmlns:a16="http://schemas.microsoft.com/office/drawing/2014/main" id="{68BAE747-B80D-334B-B697-EDFB63EE8F67}"/>
+              </a:ext>
+            </a:extLst>
+          </p:cNvPr>
+          <p:cNvCxnSpPr>
+            <a:cxnSpLocks/>
+          </p:cNvCxnSpPr>
+          <p:nvPr/>
+        </p:nvCxnSpPr>
+        <p:spPr>
+          <a:xfrm>
+            <a:off x="1325366" y="4940157"/>
+            <a:ext cx="7154664" cy="0"/>
+          </a:xfrm>
+          <a:prstGeom prst="line">
+            <a:avLst/>
+          </a:prstGeom>
+        </p:spPr>
+        <p:style>
+          <a:lnRef idx="1">
+            <a:schemeClr val="accent1"/>
+          </a:lnRef>
+          <a:fillRef idx="0">
+            <a:schemeClr val="accent1"/>
+          </a:fillRef>
+          <a:effectRef idx="0">
+            <a:schemeClr val="accent1"/>
+          </a:effectRef>
+          <a:fontRef idx="minor">
+            <a:schemeClr val="tx1"/>
+          </a:fontRef>
+        </p:style>
+      </p:cxnSp>
+      <p:cxnSp>
+        <p:nvCxnSpPr>
+          <p:cNvPr id="18" name="Straight Connector 17">
+            <a:extLst>
+              <a:ext uri="{FF2B5EF4-FFF2-40B4-BE49-F238E27FC236}">
+                <a16:creationId xmlns:a16="http://schemas.microsoft.com/office/drawing/2014/main" id="{2A540D0A-B139-3847-AA40-EEF97392B84C}"/>
+              </a:ext>
+            </a:extLst>
+          </p:cNvPr>
+          <p:cNvCxnSpPr>
+            <a:cxnSpLocks/>
+          </p:cNvCxnSpPr>
+          <p:nvPr/>
+        </p:nvCxnSpPr>
+        <p:spPr>
+          <a:xfrm>
+            <a:off x="2517810" y="1859622"/>
+            <a:ext cx="3577332" cy="0"/>
+          </a:xfrm>
+          <a:prstGeom prst="line">
+            <a:avLst/>
+          </a:prstGeom>
+        </p:spPr>
+        <p:style>
+          <a:lnRef idx="1">
+            <a:schemeClr val="accent1"/>
+          </a:lnRef>
+          <a:fillRef idx="0">
+            <a:schemeClr val="accent1"/>
+          </a:fillRef>
+          <a:effectRef idx="0">
+            <a:schemeClr val="accent1"/>
+          </a:effectRef>
+          <a:fontRef idx="minor">
+            <a:schemeClr val="tx1"/>
+          </a:fontRef>
+        </p:style>
+      </p:cxnSp>
+      <p:cxnSp>
+        <p:nvCxnSpPr>
+          <p:cNvPr id="19" name="Straight Connector 18">
+            <a:extLst>
+              <a:ext uri="{FF2B5EF4-FFF2-40B4-BE49-F238E27FC236}">
+                <a16:creationId xmlns:a16="http://schemas.microsoft.com/office/drawing/2014/main" id="{F8AF85A7-1FCC-2B43-A4B3-60048B367DAD}"/>
+              </a:ext>
+            </a:extLst>
+          </p:cNvPr>
+          <p:cNvCxnSpPr>
+            <a:cxnSpLocks/>
+          </p:cNvCxnSpPr>
+          <p:nvPr/>
+        </p:nvCxnSpPr>
+        <p:spPr>
+          <a:xfrm>
+            <a:off x="2517810" y="5669622"/>
+            <a:ext cx="3577332" cy="0"/>
+          </a:xfrm>
+          <a:prstGeom prst="line">
+            <a:avLst/>
+          </a:prstGeom>
+        </p:spPr>
+        <p:style>
+          <a:lnRef idx="1">
+            <a:schemeClr val="accent1"/>
+          </a:lnRef>
+          <a:fillRef idx="0">
+            <a:schemeClr val="accent1"/>
+          </a:fillRef>
+          <a:effectRef idx="0">
+            <a:schemeClr val="accent1"/>
+          </a:effectRef>
+          <a:fontRef idx="minor">
+            <a:schemeClr val="tx1"/>
+          </a:fontRef>
+        </p:style>
+      </p:cxnSp>
+      <p:cxnSp>
+        <p:nvCxnSpPr>
+          <p:cNvPr id="20" name="Straight Connector 19">
+            <a:extLst>
+              <a:ext uri="{FF2B5EF4-FFF2-40B4-BE49-F238E27FC236}">
+                <a16:creationId xmlns:a16="http://schemas.microsoft.com/office/drawing/2014/main" id="{F52F7368-FD7B-104E-B744-5FBDE2C4C4C1}"/>
+              </a:ext>
+            </a:extLst>
+          </p:cNvPr>
+          <p:cNvCxnSpPr>
+            <a:cxnSpLocks/>
+          </p:cNvCxnSpPr>
+          <p:nvPr/>
+        </p:nvCxnSpPr>
+        <p:spPr>
+          <a:xfrm>
+            <a:off x="2517810" y="3162727"/>
+            <a:ext cx="3559354" cy="0"/>
+          </a:xfrm>
+          <a:prstGeom prst="line">
+            <a:avLst/>
+          </a:prstGeom>
+        </p:spPr>
+        <p:style>
+          <a:lnRef idx="1">
+            <a:schemeClr val="accent1"/>
+          </a:lnRef>
+          <a:fillRef idx="0">
+            <a:schemeClr val="accent1"/>
+          </a:fillRef>
+          <a:effectRef idx="0">
+            <a:schemeClr val="accent1"/>
+          </a:effectRef>
+          <a:fontRef idx="minor">
+            <a:schemeClr val="tx1"/>
+          </a:fontRef>
+        </p:style>
+      </p:cxnSp>
+      <p:cxnSp>
+        <p:nvCxnSpPr>
+          <p:cNvPr id="21" name="Straight Connector 20">
+            <a:extLst>
+              <a:ext uri="{FF2B5EF4-FFF2-40B4-BE49-F238E27FC236}">
+                <a16:creationId xmlns:a16="http://schemas.microsoft.com/office/drawing/2014/main" id="{E8901CE5-E029-294D-B16B-151C6FB10B49}"/>
+              </a:ext>
+            </a:extLst>
+          </p:cNvPr>
+          <p:cNvCxnSpPr>
+            <a:cxnSpLocks/>
+          </p:cNvCxnSpPr>
+          <p:nvPr/>
+        </p:nvCxnSpPr>
+        <p:spPr>
+          <a:xfrm>
+            <a:off x="2517810" y="4352817"/>
+            <a:ext cx="3577332" cy="0"/>
+          </a:xfrm>
+          <a:prstGeom prst="line">
+            <a:avLst/>
+          </a:prstGeom>
+        </p:spPr>
+        <p:style>
+          <a:lnRef idx="1">
+            <a:schemeClr val="accent1"/>
+          </a:lnRef>
+          <a:fillRef idx="0">
+            <a:schemeClr val="accent1"/>
+          </a:fillRef>
+          <a:effectRef idx="0">
+            <a:schemeClr val="accent1"/>
+          </a:effectRef>
+          <a:fontRef idx="minor">
+            <a:schemeClr val="tx1"/>
+          </a:fontRef>
+        </p:style>
+      </p:cxnSp>
+      <p:sp>
+        <p:nvSpPr>
+          <p:cNvPr id="22" name="TextBox 21">
+            <a:extLst>
+              <a:ext uri="{FF2B5EF4-FFF2-40B4-BE49-F238E27FC236}">
+                <a16:creationId xmlns:a16="http://schemas.microsoft.com/office/drawing/2014/main" id="{4E332D22-9A13-C64B-80E0-1C852D93E6A7}"/>
+              </a:ext>
+            </a:extLst>
+          </p:cNvPr>
+          <p:cNvSpPr txBox="1"/>
+          <p:nvPr/>
+        </p:nvSpPr>
+        <p:spPr>
+          <a:xfrm>
+            <a:off x="609445" y="885132"/>
+            <a:ext cx="301686" cy="369332"/>
+          </a:xfrm>
+          <a:prstGeom prst="rect">
+            <a:avLst/>
+          </a:prstGeom>
+          <a:noFill/>
+        </p:spPr>
+        <p:txBody>
+          <a:bodyPr wrap="none" rtlCol="0">
+            <a:spAutoFit/>
+          </a:bodyPr>
+          <a:lstStyle/>
+          <a:p>
+            <a:r>
+              <a:rPr lang="en-US" dirty="0"/>
+              <a:t>1</a:t>
+            </a:r>
+          </a:p>
+        </p:txBody>
+      </p:sp>
+      <p:sp>
+        <p:nvSpPr>
+          <p:cNvPr id="23" name="TextBox 22">
+            <a:extLst>
+              <a:ext uri="{FF2B5EF4-FFF2-40B4-BE49-F238E27FC236}">
+                <a16:creationId xmlns:a16="http://schemas.microsoft.com/office/drawing/2014/main" id="{6417A94F-A7BD-DC45-9782-74CBF7700619}"/>
+              </a:ext>
+            </a:extLst>
+          </p:cNvPr>
+          <p:cNvSpPr txBox="1"/>
+          <p:nvPr/>
+        </p:nvSpPr>
+        <p:spPr>
+          <a:xfrm>
+            <a:off x="1790494" y="885132"/>
+            <a:ext cx="301686" cy="369332"/>
+          </a:xfrm>
+          <a:prstGeom prst="rect">
+            <a:avLst/>
+          </a:prstGeom>
+          <a:noFill/>
+        </p:spPr>
+        <p:txBody>
+          <a:bodyPr wrap="none" rtlCol="0">
+            <a:spAutoFit/>
+          </a:bodyPr>
+          <a:lstStyle/>
+          <a:p>
+            <a:r>
+              <a:rPr lang="en-US" dirty="0"/>
+              <a:t>2</a:t>
+            </a:r>
+          </a:p>
+        </p:txBody>
+      </p:sp>
+      <p:sp>
+        <p:nvSpPr>
+          <p:cNvPr id="24" name="TextBox 23">
+            <a:extLst>
+              <a:ext uri="{FF2B5EF4-FFF2-40B4-BE49-F238E27FC236}">
+                <a16:creationId xmlns:a16="http://schemas.microsoft.com/office/drawing/2014/main" id="{4D278314-7208-874C-9CD7-5941FA4564A8}"/>
+              </a:ext>
+            </a:extLst>
+          </p:cNvPr>
+          <p:cNvSpPr txBox="1"/>
+          <p:nvPr/>
+        </p:nvSpPr>
+        <p:spPr>
+          <a:xfrm>
+            <a:off x="2971543" y="885132"/>
+            <a:ext cx="301686" cy="369332"/>
+          </a:xfrm>
+          <a:prstGeom prst="rect">
+            <a:avLst/>
+          </a:prstGeom>
+          <a:noFill/>
+        </p:spPr>
+        <p:txBody>
+          <a:bodyPr wrap="none" rtlCol="0">
+            <a:spAutoFit/>
+          </a:bodyPr>
+          <a:lstStyle/>
+          <a:p>
+            <a:r>
+              <a:rPr lang="en-US" dirty="0"/>
+              <a:t>3</a:t>
+            </a:r>
+          </a:p>
+        </p:txBody>
+      </p:sp>
+      <p:sp>
+        <p:nvSpPr>
+          <p:cNvPr id="25" name="TextBox 24">
+            <a:extLst>
+              <a:ext uri="{FF2B5EF4-FFF2-40B4-BE49-F238E27FC236}">
+                <a16:creationId xmlns:a16="http://schemas.microsoft.com/office/drawing/2014/main" id="{0DF7B6ED-40B7-614A-944C-E37F67EAC535}"/>
+              </a:ext>
+            </a:extLst>
+          </p:cNvPr>
+          <p:cNvSpPr txBox="1"/>
+          <p:nvPr/>
+        </p:nvSpPr>
+        <p:spPr>
+          <a:xfrm>
+            <a:off x="4152592" y="885132"/>
+            <a:ext cx="301686" cy="369332"/>
+          </a:xfrm>
+          <a:prstGeom prst="rect">
+            <a:avLst/>
+          </a:prstGeom>
+          <a:noFill/>
+        </p:spPr>
+        <p:txBody>
+          <a:bodyPr wrap="none" rtlCol="0">
+            <a:spAutoFit/>
+          </a:bodyPr>
+          <a:lstStyle/>
+          <a:p>
+            <a:r>
+              <a:rPr lang="en-US" dirty="0"/>
+              <a:t>4</a:t>
+            </a:r>
+          </a:p>
+        </p:txBody>
+      </p:sp>
+      <p:sp>
+        <p:nvSpPr>
+          <p:cNvPr id="26" name="TextBox 25">
+            <a:extLst>
+              <a:ext uri="{FF2B5EF4-FFF2-40B4-BE49-F238E27FC236}">
+                <a16:creationId xmlns:a16="http://schemas.microsoft.com/office/drawing/2014/main" id="{E947FCDE-6AFC-A94F-8A49-BB3D138EEB40}"/>
+              </a:ext>
+            </a:extLst>
+          </p:cNvPr>
+          <p:cNvSpPr txBox="1"/>
+          <p:nvPr/>
+        </p:nvSpPr>
+        <p:spPr>
+          <a:xfrm>
+            <a:off x="5333641" y="885132"/>
+            <a:ext cx="301686" cy="369332"/>
+          </a:xfrm>
+          <a:prstGeom prst="rect">
+            <a:avLst/>
+          </a:prstGeom>
+          <a:noFill/>
+        </p:spPr>
+        <p:txBody>
+          <a:bodyPr wrap="none" rtlCol="0">
+            <a:spAutoFit/>
+          </a:bodyPr>
+          <a:lstStyle/>
+          <a:p>
+            <a:r>
+              <a:rPr lang="en-US" dirty="0"/>
+              <a:t>5</a:t>
+            </a:r>
+          </a:p>
+        </p:txBody>
+      </p:sp>
+      <p:sp>
+        <p:nvSpPr>
+          <p:cNvPr id="27" name="TextBox 26">
+            <a:extLst>
+              <a:ext uri="{FF2B5EF4-FFF2-40B4-BE49-F238E27FC236}">
+                <a16:creationId xmlns:a16="http://schemas.microsoft.com/office/drawing/2014/main" id="{9042BA63-5981-C741-B666-BD3BE58EE484}"/>
+              </a:ext>
+            </a:extLst>
+          </p:cNvPr>
+          <p:cNvSpPr txBox="1"/>
+          <p:nvPr/>
+        </p:nvSpPr>
+        <p:spPr>
+          <a:xfrm>
+            <a:off x="6514690" y="885132"/>
+            <a:ext cx="301686" cy="369332"/>
+          </a:xfrm>
+          <a:prstGeom prst="rect">
+            <a:avLst/>
+          </a:prstGeom>
+          <a:noFill/>
+        </p:spPr>
+        <p:txBody>
+          <a:bodyPr wrap="none" rtlCol="0">
+            <a:spAutoFit/>
+          </a:bodyPr>
+          <a:lstStyle/>
+          <a:p>
+            <a:r>
+              <a:rPr lang="en-US" dirty="0"/>
+              <a:t>6</a:t>
+            </a:r>
+          </a:p>
+        </p:txBody>
+      </p:sp>
+      <p:sp>
+        <p:nvSpPr>
+          <p:cNvPr id="28" name="TextBox 27">
+            <a:extLst>
+              <a:ext uri="{FF2B5EF4-FFF2-40B4-BE49-F238E27FC236}">
+                <a16:creationId xmlns:a16="http://schemas.microsoft.com/office/drawing/2014/main" id="{3AD314DB-0F67-D64A-85E1-6E2C60E166D0}"/>
+              </a:ext>
+            </a:extLst>
+          </p:cNvPr>
+          <p:cNvSpPr txBox="1"/>
+          <p:nvPr/>
+        </p:nvSpPr>
+        <p:spPr>
+          <a:xfrm>
+            <a:off x="7695739" y="885132"/>
+            <a:ext cx="301686" cy="369332"/>
+          </a:xfrm>
+          <a:prstGeom prst="rect">
+            <a:avLst/>
+          </a:prstGeom>
+          <a:noFill/>
+        </p:spPr>
+        <p:txBody>
+          <a:bodyPr wrap="none" rtlCol="0">
+            <a:spAutoFit/>
+          </a:bodyPr>
+          <a:lstStyle/>
+          <a:p>
+            <a:r>
+              <a:rPr lang="en-US" dirty="0"/>
+              <a:t>7</a:t>
+            </a:r>
+          </a:p>
+        </p:txBody>
+      </p:sp>
+      <p:sp>
+        <p:nvSpPr>
+          <p:cNvPr id="29" name="TextBox 28">
+            <a:extLst>
+              <a:ext uri="{FF2B5EF4-FFF2-40B4-BE49-F238E27FC236}">
+                <a16:creationId xmlns:a16="http://schemas.microsoft.com/office/drawing/2014/main" id="{0111417A-5108-8843-954C-89CDC74D0811}"/>
+              </a:ext>
+            </a:extLst>
+          </p:cNvPr>
+          <p:cNvSpPr txBox="1"/>
+          <p:nvPr/>
+        </p:nvSpPr>
+        <p:spPr>
+          <a:xfrm>
+            <a:off x="8876788" y="885132"/>
+            <a:ext cx="301686" cy="369332"/>
+          </a:xfrm>
+          <a:prstGeom prst="rect">
+            <a:avLst/>
+          </a:prstGeom>
+          <a:noFill/>
+        </p:spPr>
+        <p:txBody>
+          <a:bodyPr wrap="none" rtlCol="0">
+            <a:spAutoFit/>
+          </a:bodyPr>
+          <a:lstStyle/>
+          <a:p>
+            <a:r>
+              <a:rPr lang="en-US" dirty="0"/>
+              <a:t>8</a:t>
+            </a:r>
+          </a:p>
+        </p:txBody>
+      </p:sp>
+      <p:sp>
+        <p:nvSpPr>
+          <p:cNvPr id="30" name="TextBox 29">
+            <a:extLst>
+              <a:ext uri="{FF2B5EF4-FFF2-40B4-BE49-F238E27FC236}">
+                <a16:creationId xmlns:a16="http://schemas.microsoft.com/office/drawing/2014/main" id="{80CDAC39-6A45-554C-8AA3-7B840A91598F}"/>
+              </a:ext>
+            </a:extLst>
+          </p:cNvPr>
+          <p:cNvSpPr txBox="1"/>
+          <p:nvPr/>
+        </p:nvSpPr>
+        <p:spPr>
+          <a:xfrm>
+            <a:off x="10057837" y="885132"/>
+            <a:ext cx="301686" cy="369332"/>
+          </a:xfrm>
+          <a:prstGeom prst="rect">
+            <a:avLst/>
+          </a:prstGeom>
+          <a:noFill/>
+        </p:spPr>
+        <p:txBody>
+          <a:bodyPr wrap="none" rtlCol="0">
+            <a:spAutoFit/>
+          </a:bodyPr>
+          <a:lstStyle/>
+          <a:p>
+            <a:r>
+              <a:rPr lang="en-US" dirty="0"/>
+              <a:t>9</a:t>
+            </a:r>
+          </a:p>
+        </p:txBody>
+      </p:sp>
+      <p:sp>
+        <p:nvSpPr>
+          <p:cNvPr id="31" name="TextBox 30">
+            <a:extLst>
+              <a:ext uri="{FF2B5EF4-FFF2-40B4-BE49-F238E27FC236}">
+                <a16:creationId xmlns:a16="http://schemas.microsoft.com/office/drawing/2014/main" id="{F5496CDF-E31D-4849-935B-3B89591662E3}"/>
+              </a:ext>
+            </a:extLst>
+          </p:cNvPr>
+          <p:cNvSpPr txBox="1"/>
+          <p:nvPr/>
+        </p:nvSpPr>
+        <p:spPr>
+          <a:xfrm>
+            <a:off x="11238883" y="885132"/>
+            <a:ext cx="418704" cy="369332"/>
+          </a:xfrm>
+          <a:prstGeom prst="rect">
+            <a:avLst/>
+          </a:prstGeom>
+          <a:noFill/>
+        </p:spPr>
+        <p:txBody>
+          <a:bodyPr wrap="none" rtlCol="0">
+            <a:spAutoFit/>
+          </a:bodyPr>
+          <a:lstStyle/>
+          <a:p>
+            <a:r>
+              <a:rPr lang="en-US" dirty="0"/>
+              <a:t>10</a:t>
+            </a:r>
+          </a:p>
+        </p:txBody>
+      </p:sp>
+      <p:sp>
+        <p:nvSpPr>
+          <p:cNvPr id="32" name="TextBox 31">
+            <a:extLst>
+              <a:ext uri="{FF2B5EF4-FFF2-40B4-BE49-F238E27FC236}">
+                <a16:creationId xmlns:a16="http://schemas.microsoft.com/office/drawing/2014/main" id="{CAFBD04D-7EC9-2A4A-BF31-49E2FBAFABF5}"/>
+              </a:ext>
+            </a:extLst>
+          </p:cNvPr>
+          <p:cNvSpPr txBox="1"/>
+          <p:nvPr/>
+        </p:nvSpPr>
+        <p:spPr>
+          <a:xfrm>
+            <a:off x="278870" y="2030107"/>
+            <a:ext cx="829073" cy="923330"/>
+          </a:xfrm>
+          <a:prstGeom prst="rect">
+            <a:avLst/>
+          </a:prstGeom>
+          <a:noFill/>
+        </p:spPr>
+        <p:txBody>
+          <a:bodyPr wrap="none" rtlCol="0">
+            <a:spAutoFit/>
+          </a:bodyPr>
+          <a:lstStyle/>
+          <a:p>
+            <a:r>
+              <a:rPr lang="en-US" dirty="0"/>
+              <a:t>1)</a:t>
+            </a:r>
+          </a:p>
+          <a:p>
+            <a:r>
+              <a:rPr lang="en-US" dirty="0"/>
+              <a:t>0.05Hz</a:t>
+            </a:r>
+          </a:p>
+          <a:p>
+            <a:r>
+              <a:rPr lang="en-US" dirty="0"/>
+              <a:t>0</a:t>
+            </a:r>
+            <a:r>
+              <a:rPr lang="en-US" baseline="30000" dirty="0"/>
+              <a:t>o</a:t>
+            </a:r>
+            <a:endParaRPr lang="en-US" dirty="0"/>
+          </a:p>
+        </p:txBody>
+      </p:sp>
+      <p:sp>
+        <p:nvSpPr>
+          <p:cNvPr id="33" name="TextBox 32">
+            <a:extLst>
+              <a:ext uri="{FF2B5EF4-FFF2-40B4-BE49-F238E27FC236}">
+                <a16:creationId xmlns:a16="http://schemas.microsoft.com/office/drawing/2014/main" id="{991D7F33-0802-3E44-896B-954849ED37B6}"/>
+              </a:ext>
+            </a:extLst>
+          </p:cNvPr>
+          <p:cNvSpPr txBox="1"/>
+          <p:nvPr/>
+        </p:nvSpPr>
+        <p:spPr>
+          <a:xfrm>
+            <a:off x="489424" y="4713807"/>
+            <a:ext cx="881973" cy="923330"/>
+          </a:xfrm>
+          <a:prstGeom prst="rect">
+            <a:avLst/>
+          </a:prstGeom>
+          <a:noFill/>
+        </p:spPr>
+        <p:txBody>
+          <a:bodyPr wrap="none" rtlCol="0">
+            <a:spAutoFit/>
+          </a:bodyPr>
+          <a:lstStyle/>
+          <a:p>
+            <a:r>
+              <a:rPr lang="en-US" dirty="0"/>
+              <a:t>2)</a:t>
+            </a:r>
+          </a:p>
+          <a:p>
+            <a:r>
+              <a:rPr lang="en-US" dirty="0"/>
+              <a:t>0.04 Hz</a:t>
+            </a:r>
+          </a:p>
+          <a:p>
+            <a:r>
+              <a:rPr lang="en-US" dirty="0"/>
+              <a:t>60</a:t>
+            </a:r>
+            <a:r>
+              <a:rPr lang="en-US" baseline="30000" dirty="0"/>
+              <a:t>o</a:t>
+            </a:r>
+            <a:endParaRPr lang="en-US" dirty="0"/>
+          </a:p>
+        </p:txBody>
+      </p:sp>
+      <p:sp>
+        <p:nvSpPr>
+          <p:cNvPr id="34" name="TextBox 33">
+            <a:extLst>
+              <a:ext uri="{FF2B5EF4-FFF2-40B4-BE49-F238E27FC236}">
+                <a16:creationId xmlns:a16="http://schemas.microsoft.com/office/drawing/2014/main" id="{55C6303D-84E5-0040-97CB-0E67E0FDC2DE}"/>
+              </a:ext>
+            </a:extLst>
+          </p:cNvPr>
+          <p:cNvSpPr txBox="1"/>
+          <p:nvPr/>
+        </p:nvSpPr>
+        <p:spPr>
+          <a:xfrm>
+            <a:off x="1298558" y="2736891"/>
+            <a:ext cx="1151277" cy="738664"/>
+          </a:xfrm>
+          <a:prstGeom prst="rect">
+            <a:avLst/>
+          </a:prstGeom>
+          <a:noFill/>
+        </p:spPr>
+        <p:txBody>
+          <a:bodyPr wrap="none" rtlCol="0">
+            <a:spAutoFit/>
+          </a:bodyPr>
+          <a:lstStyle/>
+          <a:p>
+            <a:r>
+              <a:rPr lang="en-US" sz="1400" dirty="0"/>
+              <a:t>1)</a:t>
+            </a:r>
+          </a:p>
+          <a:p>
+            <a:r>
+              <a:rPr lang="en-US" sz="1400" dirty="0"/>
+              <a:t>+0.01Hz+90</a:t>
+            </a:r>
+            <a:r>
+              <a:rPr lang="en-US" sz="1400" baseline="30000" dirty="0"/>
+              <a:t>o</a:t>
+            </a:r>
+            <a:r>
+              <a:rPr lang="en-US" sz="1400" dirty="0"/>
+              <a:t> </a:t>
+            </a:r>
+          </a:p>
+          <a:p>
+            <a:r>
+              <a:rPr lang="en-US" sz="1400" dirty="0"/>
+              <a:t>0.06Hz</a:t>
+            </a:r>
+          </a:p>
+        </p:txBody>
+      </p:sp>
+      <p:sp>
+        <p:nvSpPr>
+          <p:cNvPr id="35" name="TextBox 34">
+            <a:extLst>
+              <a:ext uri="{FF2B5EF4-FFF2-40B4-BE49-F238E27FC236}">
+                <a16:creationId xmlns:a16="http://schemas.microsoft.com/office/drawing/2014/main" id="{62044267-B35D-7447-B35B-591283D63A05}"/>
+              </a:ext>
+            </a:extLst>
+          </p:cNvPr>
+          <p:cNvSpPr txBox="1"/>
+          <p:nvPr/>
+        </p:nvSpPr>
+        <p:spPr>
+          <a:xfrm>
+            <a:off x="1686737" y="4188700"/>
+            <a:ext cx="301686" cy="369332"/>
+          </a:xfrm>
+          <a:prstGeom prst="rect">
+            <a:avLst/>
+          </a:prstGeom>
+          <a:noFill/>
+        </p:spPr>
+        <p:txBody>
+          <a:bodyPr wrap="none" rtlCol="0">
+            <a:spAutoFit/>
+          </a:bodyPr>
+          <a:lstStyle/>
+          <a:p>
+            <a:r>
+              <a:rPr lang="en-US" dirty="0"/>
+              <a:t>2</a:t>
+            </a:r>
+          </a:p>
+        </p:txBody>
+      </p:sp>
+      <p:sp>
+        <p:nvSpPr>
+          <p:cNvPr id="36" name="TextBox 35">
+            <a:extLst>
+              <a:ext uri="{FF2B5EF4-FFF2-40B4-BE49-F238E27FC236}">
+                <a16:creationId xmlns:a16="http://schemas.microsoft.com/office/drawing/2014/main" id="{3986BF8C-F957-D547-A4BC-386A00A332F7}"/>
+              </a:ext>
+            </a:extLst>
+          </p:cNvPr>
+          <p:cNvSpPr txBox="1"/>
+          <p:nvPr/>
+        </p:nvSpPr>
+        <p:spPr>
+          <a:xfrm>
+            <a:off x="2703995" y="1348411"/>
+            <a:ext cx="686406" cy="523220"/>
+          </a:xfrm>
+          <a:prstGeom prst="rect">
+            <a:avLst/>
+          </a:prstGeom>
+          <a:noFill/>
+        </p:spPr>
+        <p:txBody>
+          <a:bodyPr wrap="none" rtlCol="0">
+            <a:spAutoFit/>
+          </a:bodyPr>
+          <a:lstStyle/>
+          <a:p>
+            <a:r>
+              <a:rPr lang="en-US" sz="1400" dirty="0"/>
+              <a:t>1)</a:t>
+            </a:r>
+          </a:p>
+          <a:p>
+            <a:r>
+              <a:rPr lang="en-US" sz="1400" dirty="0"/>
+              <a:t>0.05Hz</a:t>
+            </a:r>
+          </a:p>
+        </p:txBody>
+      </p:sp>
+      <p:sp>
+        <p:nvSpPr>
+          <p:cNvPr id="37" name="TextBox 36">
+            <a:extLst>
+              <a:ext uri="{FF2B5EF4-FFF2-40B4-BE49-F238E27FC236}">
+                <a16:creationId xmlns:a16="http://schemas.microsoft.com/office/drawing/2014/main" id="{2DBE71B7-BB1E-A344-A5D4-B18DEEB9F1A4}"/>
+              </a:ext>
+            </a:extLst>
+          </p:cNvPr>
+          <p:cNvSpPr txBox="1"/>
+          <p:nvPr/>
+        </p:nvSpPr>
+        <p:spPr>
+          <a:xfrm>
+            <a:off x="2914066" y="3885343"/>
+            <a:ext cx="301686" cy="369332"/>
+          </a:xfrm>
+          <a:prstGeom prst="rect">
+            <a:avLst/>
+          </a:prstGeom>
+          <a:noFill/>
+        </p:spPr>
+        <p:txBody>
+          <a:bodyPr wrap="none" rtlCol="0">
+            <a:spAutoFit/>
+          </a:bodyPr>
+          <a:lstStyle/>
+          <a:p>
+            <a:r>
+              <a:rPr lang="en-US" dirty="0"/>
+              <a:t>2</a:t>
+            </a:r>
+          </a:p>
+        </p:txBody>
+      </p:sp>
+      <p:sp>
+        <p:nvSpPr>
+          <p:cNvPr id="38" name="TextBox 37">
+            <a:extLst>
+              <a:ext uri="{FF2B5EF4-FFF2-40B4-BE49-F238E27FC236}">
+                <a16:creationId xmlns:a16="http://schemas.microsoft.com/office/drawing/2014/main" id="{42BEAC36-8AC9-2F4C-839D-B32142CDBD24}"/>
+              </a:ext>
+            </a:extLst>
+          </p:cNvPr>
+          <p:cNvSpPr txBox="1"/>
+          <p:nvPr/>
+        </p:nvSpPr>
+        <p:spPr>
+          <a:xfrm>
+            <a:off x="4079767" y="3925902"/>
+            <a:ext cx="301686" cy="369332"/>
+          </a:xfrm>
+          <a:prstGeom prst="rect">
+            <a:avLst/>
+          </a:prstGeom>
+          <a:noFill/>
+        </p:spPr>
+        <p:txBody>
+          <a:bodyPr wrap="none" rtlCol="0">
+            <a:spAutoFit/>
+          </a:bodyPr>
+          <a:lstStyle/>
+          <a:p>
+            <a:r>
+              <a:rPr lang="en-US" dirty="0"/>
+              <a:t>2</a:t>
+            </a:r>
+          </a:p>
+        </p:txBody>
+      </p:sp>
+      <p:sp>
+        <p:nvSpPr>
+          <p:cNvPr id="39" name="TextBox 38">
+            <a:extLst>
+              <a:ext uri="{FF2B5EF4-FFF2-40B4-BE49-F238E27FC236}">
+                <a16:creationId xmlns:a16="http://schemas.microsoft.com/office/drawing/2014/main" id="{676DB6B3-E673-7549-8975-61FC7D7685D9}"/>
+              </a:ext>
+            </a:extLst>
+          </p:cNvPr>
+          <p:cNvSpPr txBox="1"/>
+          <p:nvPr/>
+        </p:nvSpPr>
+        <p:spPr>
+          <a:xfrm>
+            <a:off x="5296365" y="3905353"/>
+            <a:ext cx="301686" cy="369332"/>
+          </a:xfrm>
+          <a:prstGeom prst="rect">
+            <a:avLst/>
+          </a:prstGeom>
+          <a:noFill/>
+        </p:spPr>
+        <p:txBody>
+          <a:bodyPr wrap="none" rtlCol="0">
+            <a:spAutoFit/>
+          </a:bodyPr>
+          <a:lstStyle/>
+          <a:p>
+            <a:r>
+              <a:rPr lang="en-US" dirty="0"/>
+              <a:t>2</a:t>
+            </a:r>
+          </a:p>
+        </p:txBody>
+      </p:sp>
+      <p:sp>
+        <p:nvSpPr>
+          <p:cNvPr id="40" name="TextBox 39">
+            <a:extLst>
+              <a:ext uri="{FF2B5EF4-FFF2-40B4-BE49-F238E27FC236}">
+                <a16:creationId xmlns:a16="http://schemas.microsoft.com/office/drawing/2014/main" id="{C345C152-9C52-8246-B43B-BD7BE2377A60}"/>
+              </a:ext>
+            </a:extLst>
+          </p:cNvPr>
+          <p:cNvSpPr txBox="1"/>
+          <p:nvPr/>
+        </p:nvSpPr>
+        <p:spPr>
+          <a:xfrm>
+            <a:off x="6463203" y="4123876"/>
+            <a:ext cx="301686" cy="369332"/>
+          </a:xfrm>
+          <a:prstGeom prst="rect">
+            <a:avLst/>
+          </a:prstGeom>
+          <a:noFill/>
+        </p:spPr>
+        <p:txBody>
+          <a:bodyPr wrap="none" rtlCol="0">
+            <a:spAutoFit/>
+          </a:bodyPr>
+          <a:lstStyle/>
+          <a:p>
+            <a:r>
+              <a:rPr lang="en-US" dirty="0"/>
+              <a:t>2</a:t>
+            </a:r>
+          </a:p>
+        </p:txBody>
+      </p:sp>
+      <p:sp>
+        <p:nvSpPr>
+          <p:cNvPr id="41" name="TextBox 40">
+            <a:extLst>
+              <a:ext uri="{FF2B5EF4-FFF2-40B4-BE49-F238E27FC236}">
+                <a16:creationId xmlns:a16="http://schemas.microsoft.com/office/drawing/2014/main" id="{BC2534B6-9A9B-0F4A-9480-0D8AE99969E9}"/>
+              </a:ext>
+            </a:extLst>
+          </p:cNvPr>
+          <p:cNvSpPr txBox="1"/>
+          <p:nvPr/>
+        </p:nvSpPr>
+        <p:spPr>
+          <a:xfrm>
+            <a:off x="7642142" y="4132595"/>
+            <a:ext cx="301686" cy="369332"/>
+          </a:xfrm>
+          <a:prstGeom prst="rect">
+            <a:avLst/>
+          </a:prstGeom>
+          <a:noFill/>
+        </p:spPr>
+        <p:txBody>
+          <a:bodyPr wrap="none" rtlCol="0">
+            <a:spAutoFit/>
+          </a:bodyPr>
+          <a:lstStyle/>
+          <a:p>
+            <a:r>
+              <a:rPr lang="en-US" dirty="0"/>
+              <a:t>2</a:t>
+            </a:r>
+          </a:p>
+        </p:txBody>
+      </p:sp>
+      <p:sp>
+        <p:nvSpPr>
+          <p:cNvPr id="42" name="TextBox 41">
+            <a:extLst>
+              <a:ext uri="{FF2B5EF4-FFF2-40B4-BE49-F238E27FC236}">
+                <a16:creationId xmlns:a16="http://schemas.microsoft.com/office/drawing/2014/main" id="{3E651113-6268-784D-A6A4-29C57E4DD185}"/>
+              </a:ext>
+            </a:extLst>
+          </p:cNvPr>
+          <p:cNvSpPr txBox="1"/>
+          <p:nvPr/>
+        </p:nvSpPr>
+        <p:spPr>
+          <a:xfrm>
+            <a:off x="8880440" y="4755491"/>
+            <a:ext cx="425116" cy="369332"/>
+          </a:xfrm>
+          <a:prstGeom prst="rect">
+            <a:avLst/>
+          </a:prstGeom>
+          <a:noFill/>
+        </p:spPr>
+        <p:txBody>
+          <a:bodyPr wrap="none" rtlCol="0">
+            <a:spAutoFit/>
+          </a:bodyPr>
+          <a:lstStyle/>
+          <a:p>
+            <a:r>
+              <a:rPr lang="en-US" dirty="0"/>
+              <a:t>2 )</a:t>
+            </a:r>
+          </a:p>
+        </p:txBody>
+      </p:sp>
+      <p:sp>
+        <p:nvSpPr>
+          <p:cNvPr id="43" name="TextBox 42">
+            <a:extLst>
+              <a:ext uri="{FF2B5EF4-FFF2-40B4-BE49-F238E27FC236}">
+                <a16:creationId xmlns:a16="http://schemas.microsoft.com/office/drawing/2014/main" id="{E58B663F-1601-284B-ADB1-19DF7E06B517}"/>
+              </a:ext>
+            </a:extLst>
+          </p:cNvPr>
+          <p:cNvSpPr txBox="1"/>
+          <p:nvPr/>
+        </p:nvSpPr>
+        <p:spPr>
+          <a:xfrm>
+            <a:off x="10025433" y="4776040"/>
+            <a:ext cx="425116" cy="369332"/>
+          </a:xfrm>
+          <a:prstGeom prst="rect">
+            <a:avLst/>
+          </a:prstGeom>
+          <a:noFill/>
+        </p:spPr>
+        <p:txBody>
+          <a:bodyPr wrap="none" rtlCol="0">
+            <a:spAutoFit/>
+          </a:bodyPr>
+          <a:lstStyle/>
+          <a:p>
+            <a:r>
+              <a:rPr lang="en-US" dirty="0"/>
+              <a:t>2 )</a:t>
+            </a:r>
+          </a:p>
+        </p:txBody>
+      </p:sp>
+      <p:sp>
+        <p:nvSpPr>
+          <p:cNvPr id="44" name="TextBox 43">
+            <a:extLst>
+              <a:ext uri="{FF2B5EF4-FFF2-40B4-BE49-F238E27FC236}">
+                <a16:creationId xmlns:a16="http://schemas.microsoft.com/office/drawing/2014/main" id="{EBA538F7-0FFB-9F47-90E7-2E7DBBA9A460}"/>
+              </a:ext>
+            </a:extLst>
+          </p:cNvPr>
+          <p:cNvSpPr txBox="1"/>
+          <p:nvPr/>
+        </p:nvSpPr>
+        <p:spPr>
+          <a:xfrm>
+            <a:off x="11156981" y="4825648"/>
+            <a:ext cx="425116" cy="369332"/>
+          </a:xfrm>
+          <a:prstGeom prst="rect">
+            <a:avLst/>
+          </a:prstGeom>
+          <a:noFill/>
+        </p:spPr>
+        <p:txBody>
+          <a:bodyPr wrap="none" rtlCol="0">
+            <a:spAutoFit/>
+          </a:bodyPr>
+          <a:lstStyle/>
+          <a:p>
+            <a:r>
+              <a:rPr lang="en-US" dirty="0"/>
+              <a:t>2 )</a:t>
+            </a:r>
+          </a:p>
+        </p:txBody>
+      </p:sp>
+      <p:sp>
+        <p:nvSpPr>
+          <p:cNvPr id="45" name="TextBox 44">
+            <a:extLst>
+              <a:ext uri="{FF2B5EF4-FFF2-40B4-BE49-F238E27FC236}">
+                <a16:creationId xmlns:a16="http://schemas.microsoft.com/office/drawing/2014/main" id="{7CF7BCFA-BD35-874A-8D1B-EA65BB51B909}"/>
+              </a:ext>
+            </a:extLst>
+          </p:cNvPr>
+          <p:cNvSpPr txBox="1"/>
+          <p:nvPr/>
+        </p:nvSpPr>
+        <p:spPr>
+          <a:xfrm>
+            <a:off x="6141468" y="2827806"/>
+            <a:ext cx="1151277" cy="523220"/>
+          </a:xfrm>
+          <a:prstGeom prst="rect">
+            <a:avLst/>
+          </a:prstGeom>
+          <a:noFill/>
+        </p:spPr>
+        <p:txBody>
+          <a:bodyPr wrap="none" rtlCol="0">
+            <a:spAutoFit/>
+          </a:bodyPr>
+          <a:lstStyle/>
+          <a:p>
+            <a:r>
+              <a:rPr lang="en-US" sz="1400" dirty="0"/>
+              <a:t>1)</a:t>
+            </a:r>
+          </a:p>
+          <a:p>
+            <a:r>
+              <a:rPr lang="en-US" sz="1400" dirty="0"/>
+              <a:t>+0.01Hz+90</a:t>
+            </a:r>
+            <a:r>
+              <a:rPr lang="en-US" sz="1400" baseline="30000" dirty="0"/>
+              <a:t>o</a:t>
+            </a:r>
+            <a:r>
+              <a:rPr lang="en-US" sz="1400" dirty="0"/>
+              <a:t> </a:t>
+            </a:r>
+          </a:p>
+        </p:txBody>
+      </p:sp>
+      <p:sp>
+        <p:nvSpPr>
+          <p:cNvPr id="46" name="TextBox 45">
+            <a:extLst>
+              <a:ext uri="{FF2B5EF4-FFF2-40B4-BE49-F238E27FC236}">
+                <a16:creationId xmlns:a16="http://schemas.microsoft.com/office/drawing/2014/main" id="{C1BED49B-723E-7E4D-B169-8AD4B1E7A81B}"/>
+              </a:ext>
+            </a:extLst>
+          </p:cNvPr>
+          <p:cNvSpPr txBox="1"/>
+          <p:nvPr/>
+        </p:nvSpPr>
+        <p:spPr>
+          <a:xfrm>
+            <a:off x="7368189" y="2890812"/>
+            <a:ext cx="1151277" cy="523220"/>
+          </a:xfrm>
+          <a:prstGeom prst="rect">
+            <a:avLst/>
+          </a:prstGeom>
+          <a:noFill/>
+        </p:spPr>
+        <p:txBody>
+          <a:bodyPr wrap="none" rtlCol="0">
+            <a:spAutoFit/>
+          </a:bodyPr>
+          <a:lstStyle/>
+          <a:p>
+            <a:r>
+              <a:rPr lang="en-US" sz="1400" dirty="0"/>
+              <a:t>1)</a:t>
+            </a:r>
+          </a:p>
+          <a:p>
+            <a:r>
+              <a:rPr lang="en-US" sz="1400" dirty="0"/>
+              <a:t>+0.01Hz+90</a:t>
+            </a:r>
+            <a:r>
+              <a:rPr lang="en-US" sz="1400" baseline="30000" dirty="0"/>
+              <a:t>o</a:t>
+            </a:r>
+            <a:r>
+              <a:rPr lang="en-US" sz="1400" dirty="0"/>
+              <a:t> </a:t>
+            </a:r>
+          </a:p>
+        </p:txBody>
+      </p:sp>
+      <p:sp>
+        <p:nvSpPr>
+          <p:cNvPr id="47" name="TextBox 46">
+            <a:extLst>
+              <a:ext uri="{FF2B5EF4-FFF2-40B4-BE49-F238E27FC236}">
+                <a16:creationId xmlns:a16="http://schemas.microsoft.com/office/drawing/2014/main" id="{CA56ECB4-1800-F747-A95C-27677CCF4774}"/>
+              </a:ext>
+            </a:extLst>
+          </p:cNvPr>
+          <p:cNvSpPr txBox="1"/>
+          <p:nvPr/>
+        </p:nvSpPr>
+        <p:spPr>
+          <a:xfrm>
+            <a:off x="1398140" y="5281615"/>
+            <a:ext cx="1207382" cy="738664"/>
+          </a:xfrm>
+          <a:prstGeom prst="rect">
+            <a:avLst/>
+          </a:prstGeom>
+          <a:noFill/>
+        </p:spPr>
+        <p:txBody>
+          <a:bodyPr wrap="none" rtlCol="0">
+            <a:spAutoFit/>
+          </a:bodyPr>
+          <a:lstStyle/>
+          <a:p>
+            <a:r>
+              <a:rPr lang="en-US" sz="1400" dirty="0"/>
+              <a:t>2)</a:t>
+            </a:r>
+          </a:p>
+          <a:p>
+            <a:r>
+              <a:rPr lang="en-US" sz="1400" dirty="0"/>
+              <a:t>-0.005Hz+90</a:t>
+            </a:r>
+            <a:r>
+              <a:rPr lang="en-US" sz="1400" baseline="30000" dirty="0"/>
+              <a:t>o</a:t>
+            </a:r>
+            <a:r>
+              <a:rPr lang="en-US" sz="1400" dirty="0"/>
+              <a:t> </a:t>
+            </a:r>
+          </a:p>
+          <a:p>
+            <a:r>
+              <a:rPr lang="en-US" sz="1400" dirty="0"/>
+              <a:t>0.035Hz</a:t>
+            </a:r>
+          </a:p>
+        </p:txBody>
+      </p:sp>
+      <p:sp>
+        <p:nvSpPr>
+          <p:cNvPr id="48" name="TextBox 47">
+            <a:extLst>
+              <a:ext uri="{FF2B5EF4-FFF2-40B4-BE49-F238E27FC236}">
+                <a16:creationId xmlns:a16="http://schemas.microsoft.com/office/drawing/2014/main" id="{C3229777-EBBC-7C43-B8BB-B13C73C52ED9}"/>
+              </a:ext>
+            </a:extLst>
+          </p:cNvPr>
+          <p:cNvSpPr txBox="1"/>
+          <p:nvPr/>
+        </p:nvSpPr>
+        <p:spPr>
+          <a:xfrm>
+            <a:off x="2489270" y="2530283"/>
+            <a:ext cx="1151277" cy="738664"/>
+          </a:xfrm>
+          <a:prstGeom prst="rect">
+            <a:avLst/>
+          </a:prstGeom>
+          <a:noFill/>
+        </p:spPr>
+        <p:txBody>
+          <a:bodyPr wrap="none" rtlCol="0">
+            <a:spAutoFit/>
+          </a:bodyPr>
+          <a:lstStyle/>
+          <a:p>
+            <a:r>
+              <a:rPr lang="en-US" sz="1400" dirty="0"/>
+              <a:t>1)</a:t>
+            </a:r>
+          </a:p>
+          <a:p>
+            <a:r>
+              <a:rPr lang="en-US" sz="1400" dirty="0"/>
+              <a:t>+0.01Hz+90</a:t>
+            </a:r>
+            <a:r>
+              <a:rPr lang="en-US" sz="1400" baseline="30000" dirty="0"/>
+              <a:t>o</a:t>
+            </a:r>
+            <a:r>
+              <a:rPr lang="en-US" sz="1400" dirty="0"/>
+              <a:t> </a:t>
+            </a:r>
+          </a:p>
+          <a:p>
+            <a:r>
+              <a:rPr lang="en-US" sz="1400" dirty="0"/>
+              <a:t>0.06Hz</a:t>
+            </a:r>
+          </a:p>
+        </p:txBody>
+      </p:sp>
+      <p:sp>
+        <p:nvSpPr>
+          <p:cNvPr id="49" name="TextBox 48">
+            <a:extLst>
+              <a:ext uri="{FF2B5EF4-FFF2-40B4-BE49-F238E27FC236}">
+                <a16:creationId xmlns:a16="http://schemas.microsoft.com/office/drawing/2014/main" id="{398844CA-41D1-734C-AD04-BCBBCF4611F3}"/>
+              </a:ext>
+            </a:extLst>
+          </p:cNvPr>
+          <p:cNvSpPr txBox="1"/>
+          <p:nvPr/>
+        </p:nvSpPr>
+        <p:spPr>
+          <a:xfrm>
+            <a:off x="2536940" y="1794178"/>
+            <a:ext cx="1242648" cy="738664"/>
+          </a:xfrm>
+          <a:prstGeom prst="rect">
+            <a:avLst/>
+          </a:prstGeom>
+          <a:noFill/>
+        </p:spPr>
+        <p:txBody>
+          <a:bodyPr wrap="none" rtlCol="0">
+            <a:spAutoFit/>
+          </a:bodyPr>
+          <a:lstStyle/>
+          <a:p>
+            <a:r>
+              <a:rPr lang="en-US" sz="1400" dirty="0"/>
+              <a:t>1)</a:t>
+            </a:r>
+          </a:p>
+          <a:p>
+            <a:r>
+              <a:rPr lang="en-US" sz="1400" dirty="0"/>
+              <a:t>+0.015Hz+45</a:t>
+            </a:r>
+            <a:r>
+              <a:rPr lang="en-US" sz="1400" baseline="30000" dirty="0"/>
+              <a:t>o</a:t>
+            </a:r>
+            <a:r>
+              <a:rPr lang="en-US" sz="1400" dirty="0"/>
+              <a:t> </a:t>
+            </a:r>
+          </a:p>
+          <a:p>
+            <a:r>
+              <a:rPr lang="en-US" sz="1400" dirty="0"/>
+              <a:t>0.065Hz</a:t>
+            </a:r>
+          </a:p>
+        </p:txBody>
+      </p:sp>
+      <p:sp>
+        <p:nvSpPr>
+          <p:cNvPr id="50" name="TextBox 49">
+            <a:extLst>
+              <a:ext uri="{FF2B5EF4-FFF2-40B4-BE49-F238E27FC236}">
+                <a16:creationId xmlns:a16="http://schemas.microsoft.com/office/drawing/2014/main" id="{C0CF26F2-F891-384E-9FC2-F9431D52DCBA}"/>
+              </a:ext>
+            </a:extLst>
+          </p:cNvPr>
+          <p:cNvSpPr txBox="1"/>
+          <p:nvPr/>
+        </p:nvSpPr>
+        <p:spPr>
+          <a:xfrm>
+            <a:off x="2477571" y="3117015"/>
+            <a:ext cx="1242648" cy="738664"/>
+          </a:xfrm>
+          <a:prstGeom prst="rect">
+            <a:avLst/>
+          </a:prstGeom>
+          <a:noFill/>
+        </p:spPr>
+        <p:txBody>
+          <a:bodyPr wrap="none" rtlCol="0">
+            <a:spAutoFit/>
+          </a:bodyPr>
+          <a:lstStyle/>
+          <a:p>
+            <a:r>
+              <a:rPr lang="en-US" sz="1400" dirty="0"/>
+              <a:t>1)</a:t>
+            </a:r>
+          </a:p>
+          <a:p>
+            <a:r>
+              <a:rPr lang="en-US" sz="1400" dirty="0"/>
+              <a:t>+0.005Hz+45</a:t>
+            </a:r>
+            <a:r>
+              <a:rPr lang="en-US" sz="1400" baseline="30000" dirty="0"/>
+              <a:t>o</a:t>
+            </a:r>
+            <a:r>
+              <a:rPr lang="en-US" sz="1400" dirty="0"/>
+              <a:t> </a:t>
+            </a:r>
+          </a:p>
+          <a:p>
+            <a:r>
+              <a:rPr lang="en-US" sz="1400" dirty="0"/>
+              <a:t>0.055Hz</a:t>
+            </a:r>
+          </a:p>
+        </p:txBody>
+      </p:sp>
+      <p:sp>
+        <p:nvSpPr>
+          <p:cNvPr id="51" name="TextBox 50">
+            <a:extLst>
+              <a:ext uri="{FF2B5EF4-FFF2-40B4-BE49-F238E27FC236}">
+                <a16:creationId xmlns:a16="http://schemas.microsoft.com/office/drawing/2014/main" id="{7E07B5DA-D311-2247-9F14-27C104063448}"/>
+              </a:ext>
+            </a:extLst>
+          </p:cNvPr>
+          <p:cNvSpPr txBox="1"/>
+          <p:nvPr/>
+        </p:nvSpPr>
+        <p:spPr>
+          <a:xfrm>
+            <a:off x="3754393" y="2495665"/>
+            <a:ext cx="1151277" cy="738664"/>
+          </a:xfrm>
+          <a:prstGeom prst="rect">
+            <a:avLst/>
+          </a:prstGeom>
+          <a:noFill/>
+        </p:spPr>
+        <p:txBody>
+          <a:bodyPr wrap="none" rtlCol="0">
+            <a:spAutoFit/>
+          </a:bodyPr>
+          <a:lstStyle/>
+          <a:p>
+            <a:r>
+              <a:rPr lang="en-US" sz="1400" dirty="0"/>
+              <a:t>1)</a:t>
+            </a:r>
+          </a:p>
+          <a:p>
+            <a:r>
+              <a:rPr lang="en-US" sz="1400" dirty="0"/>
+              <a:t>+0.01Hz+90</a:t>
+            </a:r>
+            <a:r>
+              <a:rPr lang="en-US" sz="1400" baseline="30000" dirty="0"/>
+              <a:t>o</a:t>
+            </a:r>
+            <a:r>
+              <a:rPr lang="en-US" sz="1400" dirty="0"/>
+              <a:t> </a:t>
+            </a:r>
+          </a:p>
+          <a:p>
+            <a:r>
+              <a:rPr lang="en-US" sz="1400" dirty="0"/>
+              <a:t>0.06Hz</a:t>
+            </a:r>
+          </a:p>
+        </p:txBody>
+      </p:sp>
+      <p:sp>
+        <p:nvSpPr>
+          <p:cNvPr id="52" name="TextBox 51">
+            <a:extLst>
+              <a:ext uri="{FF2B5EF4-FFF2-40B4-BE49-F238E27FC236}">
+                <a16:creationId xmlns:a16="http://schemas.microsoft.com/office/drawing/2014/main" id="{54F0677E-9F5E-6D4E-ABF9-3400E6A2E8F6}"/>
+              </a:ext>
+            </a:extLst>
+          </p:cNvPr>
+          <p:cNvSpPr txBox="1"/>
+          <p:nvPr/>
+        </p:nvSpPr>
+        <p:spPr>
+          <a:xfrm>
+            <a:off x="3802063" y="1822315"/>
+            <a:ext cx="1242648" cy="738664"/>
+          </a:xfrm>
+          <a:prstGeom prst="rect">
+            <a:avLst/>
+          </a:prstGeom>
+          <a:noFill/>
+        </p:spPr>
+        <p:txBody>
+          <a:bodyPr wrap="none" rtlCol="0">
+            <a:spAutoFit/>
+          </a:bodyPr>
+          <a:lstStyle/>
+          <a:p>
+            <a:r>
+              <a:rPr lang="en-US" sz="1400" dirty="0"/>
+              <a:t>1)</a:t>
+            </a:r>
+          </a:p>
+          <a:p>
+            <a:r>
+              <a:rPr lang="en-US" sz="1400" dirty="0"/>
+              <a:t>+0.015Hz+45</a:t>
+            </a:r>
+            <a:r>
+              <a:rPr lang="en-US" sz="1400" baseline="30000" dirty="0"/>
+              <a:t>o</a:t>
+            </a:r>
+            <a:r>
+              <a:rPr lang="en-US" sz="1400" dirty="0"/>
+              <a:t> </a:t>
+            </a:r>
+          </a:p>
+          <a:p>
+            <a:r>
+              <a:rPr lang="en-US" sz="1400" dirty="0"/>
+              <a:t>0.065Hz</a:t>
+            </a:r>
+          </a:p>
+        </p:txBody>
+      </p:sp>
+      <p:sp>
+        <p:nvSpPr>
+          <p:cNvPr id="53" name="TextBox 52">
+            <a:extLst>
+              <a:ext uri="{FF2B5EF4-FFF2-40B4-BE49-F238E27FC236}">
+                <a16:creationId xmlns:a16="http://schemas.microsoft.com/office/drawing/2014/main" id="{473625AA-EF0A-8D4D-9D44-3AC1163F1E52}"/>
+              </a:ext>
+            </a:extLst>
+          </p:cNvPr>
+          <p:cNvSpPr txBox="1"/>
+          <p:nvPr/>
+        </p:nvSpPr>
+        <p:spPr>
+          <a:xfrm>
+            <a:off x="3742694" y="3127222"/>
+            <a:ext cx="1242648" cy="738664"/>
+          </a:xfrm>
+          <a:prstGeom prst="rect">
+            <a:avLst/>
+          </a:prstGeom>
+          <a:noFill/>
+        </p:spPr>
+        <p:txBody>
+          <a:bodyPr wrap="none" rtlCol="0">
+            <a:spAutoFit/>
+          </a:bodyPr>
+          <a:lstStyle/>
+          <a:p>
+            <a:r>
+              <a:rPr lang="en-US" sz="1400" dirty="0"/>
+              <a:t>1)</a:t>
+            </a:r>
+          </a:p>
+          <a:p>
+            <a:r>
+              <a:rPr lang="en-US" sz="1400" dirty="0"/>
+              <a:t>+0.005Hz+45</a:t>
+            </a:r>
+            <a:r>
+              <a:rPr lang="en-US" sz="1400" baseline="30000" dirty="0"/>
+              <a:t>o</a:t>
+            </a:r>
+            <a:r>
+              <a:rPr lang="en-US" sz="1400" dirty="0"/>
+              <a:t> </a:t>
+            </a:r>
+          </a:p>
+          <a:p>
+            <a:r>
+              <a:rPr lang="en-US" sz="1400" dirty="0"/>
+              <a:t>0.055Hz</a:t>
+            </a:r>
+          </a:p>
+        </p:txBody>
+      </p:sp>
+      <p:sp>
+        <p:nvSpPr>
+          <p:cNvPr id="54" name="TextBox 53">
+            <a:extLst>
+              <a:ext uri="{FF2B5EF4-FFF2-40B4-BE49-F238E27FC236}">
+                <a16:creationId xmlns:a16="http://schemas.microsoft.com/office/drawing/2014/main" id="{AC24B872-AC27-B04A-B32C-AF142C987292}"/>
+              </a:ext>
+            </a:extLst>
+          </p:cNvPr>
+          <p:cNvSpPr txBox="1"/>
+          <p:nvPr/>
+        </p:nvSpPr>
+        <p:spPr>
+          <a:xfrm>
+            <a:off x="4873312" y="2459038"/>
+            <a:ext cx="1151277" cy="738664"/>
+          </a:xfrm>
+          <a:prstGeom prst="rect">
+            <a:avLst/>
+          </a:prstGeom>
+          <a:noFill/>
+        </p:spPr>
+        <p:txBody>
+          <a:bodyPr wrap="none" rtlCol="0">
+            <a:spAutoFit/>
+          </a:bodyPr>
+          <a:lstStyle/>
+          <a:p>
+            <a:r>
+              <a:rPr lang="en-US" sz="1400" dirty="0"/>
+              <a:t>1)</a:t>
+            </a:r>
+          </a:p>
+          <a:p>
+            <a:r>
+              <a:rPr lang="en-US" sz="1400" dirty="0"/>
+              <a:t>+0.01Hz+90</a:t>
+            </a:r>
+            <a:r>
+              <a:rPr lang="en-US" sz="1400" baseline="30000" dirty="0"/>
+              <a:t>o</a:t>
+            </a:r>
+            <a:r>
+              <a:rPr lang="en-US" sz="1400" dirty="0"/>
+              <a:t> </a:t>
+            </a:r>
+          </a:p>
+          <a:p>
+            <a:r>
+              <a:rPr lang="en-US" sz="1400" dirty="0"/>
+              <a:t>0.06Hz</a:t>
+            </a:r>
+          </a:p>
+        </p:txBody>
+      </p:sp>
+      <p:sp>
+        <p:nvSpPr>
+          <p:cNvPr id="55" name="TextBox 54">
+            <a:extLst>
+              <a:ext uri="{FF2B5EF4-FFF2-40B4-BE49-F238E27FC236}">
+                <a16:creationId xmlns:a16="http://schemas.microsoft.com/office/drawing/2014/main" id="{3CD3E51D-0C0C-5F47-B973-9B9A06E51CC8}"/>
+              </a:ext>
+            </a:extLst>
+          </p:cNvPr>
+          <p:cNvSpPr txBox="1"/>
+          <p:nvPr/>
+        </p:nvSpPr>
+        <p:spPr>
+          <a:xfrm>
+            <a:off x="4920982" y="1830513"/>
+            <a:ext cx="1242648" cy="738664"/>
+          </a:xfrm>
+          <a:prstGeom prst="rect">
+            <a:avLst/>
+          </a:prstGeom>
+          <a:noFill/>
+        </p:spPr>
+        <p:txBody>
+          <a:bodyPr wrap="none" rtlCol="0">
+            <a:spAutoFit/>
+          </a:bodyPr>
+          <a:lstStyle/>
+          <a:p>
+            <a:r>
+              <a:rPr lang="en-US" sz="1400" dirty="0"/>
+              <a:t>1)</a:t>
+            </a:r>
+          </a:p>
+          <a:p>
+            <a:r>
+              <a:rPr lang="en-US" sz="1400" dirty="0"/>
+              <a:t>+0.015Hz+45</a:t>
+            </a:r>
+            <a:r>
+              <a:rPr lang="en-US" sz="1400" baseline="30000" dirty="0"/>
+              <a:t>o</a:t>
+            </a:r>
+            <a:r>
+              <a:rPr lang="en-US" sz="1400" dirty="0"/>
+              <a:t> </a:t>
+            </a:r>
+          </a:p>
+          <a:p>
+            <a:r>
+              <a:rPr lang="en-US" sz="1400" dirty="0"/>
+              <a:t>0.065Hz</a:t>
+            </a:r>
+          </a:p>
+        </p:txBody>
+      </p:sp>
+      <p:sp>
+        <p:nvSpPr>
+          <p:cNvPr id="56" name="TextBox 55">
+            <a:extLst>
+              <a:ext uri="{FF2B5EF4-FFF2-40B4-BE49-F238E27FC236}">
+                <a16:creationId xmlns:a16="http://schemas.microsoft.com/office/drawing/2014/main" id="{86738AC0-A7C2-C24D-A6E6-DDD25F5DA12C}"/>
+              </a:ext>
+            </a:extLst>
+          </p:cNvPr>
+          <p:cNvSpPr txBox="1"/>
+          <p:nvPr/>
+        </p:nvSpPr>
+        <p:spPr>
+          <a:xfrm>
+            <a:off x="4861613" y="3153350"/>
+            <a:ext cx="1242648" cy="738664"/>
+          </a:xfrm>
+          <a:prstGeom prst="rect">
+            <a:avLst/>
+          </a:prstGeom>
+          <a:noFill/>
+        </p:spPr>
+        <p:txBody>
+          <a:bodyPr wrap="none" rtlCol="0">
+            <a:spAutoFit/>
+          </a:bodyPr>
+          <a:lstStyle/>
+          <a:p>
+            <a:r>
+              <a:rPr lang="en-US" sz="1400" dirty="0"/>
+              <a:t>1)</a:t>
+            </a:r>
+          </a:p>
+          <a:p>
+            <a:r>
+              <a:rPr lang="en-US" sz="1400" dirty="0"/>
+              <a:t>+0.005Hz+45</a:t>
+            </a:r>
+            <a:r>
+              <a:rPr lang="en-US" sz="1400" baseline="30000" dirty="0"/>
+              <a:t>o</a:t>
+            </a:r>
+            <a:r>
+              <a:rPr lang="en-US" sz="1400" dirty="0"/>
+              <a:t> </a:t>
+            </a:r>
+          </a:p>
+          <a:p>
+            <a:r>
+              <a:rPr lang="en-US" sz="1400" dirty="0"/>
+              <a:t>0.055Hz</a:t>
+            </a:r>
+          </a:p>
+        </p:txBody>
+      </p:sp>
+      <p:sp>
+        <p:nvSpPr>
+          <p:cNvPr id="57" name="TextBox 56">
+            <a:extLst>
+              <a:ext uri="{FF2B5EF4-FFF2-40B4-BE49-F238E27FC236}">
+                <a16:creationId xmlns:a16="http://schemas.microsoft.com/office/drawing/2014/main" id="{EEBF7002-267D-954E-91BF-AA980637DC43}"/>
+              </a:ext>
+            </a:extLst>
+          </p:cNvPr>
+          <p:cNvSpPr txBox="1"/>
+          <p:nvPr/>
+        </p:nvSpPr>
+        <p:spPr>
+          <a:xfrm>
+            <a:off x="2554573" y="4930958"/>
+            <a:ext cx="1207382" cy="738664"/>
+          </a:xfrm>
+          <a:prstGeom prst="rect">
+            <a:avLst/>
+          </a:prstGeom>
+          <a:noFill/>
+        </p:spPr>
+        <p:txBody>
+          <a:bodyPr wrap="none" rtlCol="0">
+            <a:spAutoFit/>
+          </a:bodyPr>
+          <a:lstStyle/>
+          <a:p>
+            <a:r>
+              <a:rPr lang="en-US" sz="1400" dirty="0"/>
+              <a:t>2)</a:t>
+            </a:r>
+          </a:p>
+          <a:p>
+            <a:r>
+              <a:rPr lang="en-US" sz="1400" dirty="0"/>
+              <a:t>-0.005Hz+90</a:t>
+            </a:r>
+            <a:r>
+              <a:rPr lang="en-US" sz="1400" baseline="30000" dirty="0"/>
+              <a:t>o</a:t>
+            </a:r>
+            <a:r>
+              <a:rPr lang="en-US" sz="1400" dirty="0"/>
+              <a:t> </a:t>
+            </a:r>
+          </a:p>
+          <a:p>
+            <a:r>
+              <a:rPr lang="en-US" sz="1400" dirty="0"/>
+              <a:t>0.035Hz</a:t>
+            </a:r>
+          </a:p>
+        </p:txBody>
+      </p:sp>
+      <p:sp>
+        <p:nvSpPr>
+          <p:cNvPr id="58" name="TextBox 57">
+            <a:extLst>
+              <a:ext uri="{FF2B5EF4-FFF2-40B4-BE49-F238E27FC236}">
+                <a16:creationId xmlns:a16="http://schemas.microsoft.com/office/drawing/2014/main" id="{0E8FF336-F810-3D4C-9082-E1301724FE2B}"/>
+              </a:ext>
+            </a:extLst>
+          </p:cNvPr>
+          <p:cNvSpPr txBox="1"/>
+          <p:nvPr/>
+        </p:nvSpPr>
+        <p:spPr>
+          <a:xfrm>
+            <a:off x="6228600" y="5245357"/>
+            <a:ext cx="1207382" cy="738664"/>
+          </a:xfrm>
+          <a:prstGeom prst="rect">
+            <a:avLst/>
+          </a:prstGeom>
+          <a:noFill/>
+        </p:spPr>
+        <p:txBody>
+          <a:bodyPr wrap="none" rtlCol="0">
+            <a:spAutoFit/>
+          </a:bodyPr>
+          <a:lstStyle/>
+          <a:p>
+            <a:r>
+              <a:rPr lang="en-US" sz="1400" dirty="0"/>
+              <a:t>2)</a:t>
+            </a:r>
+          </a:p>
+          <a:p>
+            <a:r>
+              <a:rPr lang="en-US" sz="1400" dirty="0"/>
+              <a:t>-0.005Hz+90</a:t>
+            </a:r>
+            <a:r>
+              <a:rPr lang="en-US" sz="1400" baseline="30000" dirty="0"/>
+              <a:t>o</a:t>
+            </a:r>
+            <a:r>
+              <a:rPr lang="en-US" sz="1400" dirty="0"/>
+              <a:t> </a:t>
+            </a:r>
+          </a:p>
+          <a:p>
+            <a:r>
+              <a:rPr lang="en-US" sz="1400" dirty="0"/>
+              <a:t>0.035Hz</a:t>
+            </a:r>
+          </a:p>
+        </p:txBody>
+      </p:sp>
+      <p:sp>
+        <p:nvSpPr>
+          <p:cNvPr id="59" name="TextBox 58">
+            <a:extLst>
+              <a:ext uri="{FF2B5EF4-FFF2-40B4-BE49-F238E27FC236}">
+                <a16:creationId xmlns:a16="http://schemas.microsoft.com/office/drawing/2014/main" id="{21DBD4CB-A249-2945-A55F-33C9F4DB6724}"/>
+              </a:ext>
+            </a:extLst>
+          </p:cNvPr>
+          <p:cNvSpPr txBox="1"/>
+          <p:nvPr/>
+        </p:nvSpPr>
+        <p:spPr>
+          <a:xfrm>
+            <a:off x="7282427" y="5227479"/>
+            <a:ext cx="1207382" cy="738664"/>
+          </a:xfrm>
+          <a:prstGeom prst="rect">
+            <a:avLst/>
+          </a:prstGeom>
+          <a:noFill/>
+        </p:spPr>
+        <p:txBody>
+          <a:bodyPr wrap="none" rtlCol="0">
+            <a:spAutoFit/>
+          </a:bodyPr>
+          <a:lstStyle/>
+          <a:p>
+            <a:r>
+              <a:rPr lang="en-US" sz="1400" dirty="0"/>
+              <a:t>2)</a:t>
+            </a:r>
+          </a:p>
+          <a:p>
+            <a:r>
+              <a:rPr lang="en-US" sz="1400" dirty="0"/>
+              <a:t>-0.005Hz+90</a:t>
+            </a:r>
+            <a:r>
+              <a:rPr lang="en-US" sz="1400" baseline="30000" dirty="0"/>
+              <a:t>o</a:t>
+            </a:r>
+            <a:r>
+              <a:rPr lang="en-US" sz="1400" dirty="0"/>
+              <a:t> </a:t>
+            </a:r>
+          </a:p>
+          <a:p>
+            <a:r>
+              <a:rPr lang="en-US" sz="1400" dirty="0"/>
+              <a:t>0.035Hz</a:t>
+            </a:r>
+          </a:p>
+        </p:txBody>
+      </p:sp>
+      <p:sp>
+        <p:nvSpPr>
+          <p:cNvPr id="60" name="TextBox 59">
+            <a:extLst>
+              <a:ext uri="{FF2B5EF4-FFF2-40B4-BE49-F238E27FC236}">
+                <a16:creationId xmlns:a16="http://schemas.microsoft.com/office/drawing/2014/main" id="{DB5F8D87-6C53-1F4F-B517-F723FBB69E0D}"/>
+              </a:ext>
+            </a:extLst>
+          </p:cNvPr>
+          <p:cNvSpPr txBox="1"/>
+          <p:nvPr/>
+        </p:nvSpPr>
+        <p:spPr>
+          <a:xfrm>
+            <a:off x="3905883" y="1267081"/>
+            <a:ext cx="686406" cy="523220"/>
+          </a:xfrm>
+          <a:prstGeom prst="rect">
+            <a:avLst/>
+          </a:prstGeom>
+          <a:noFill/>
+        </p:spPr>
+        <p:txBody>
+          <a:bodyPr wrap="none" rtlCol="0">
+            <a:spAutoFit/>
+          </a:bodyPr>
+          <a:lstStyle/>
+          <a:p>
+            <a:r>
+              <a:rPr lang="en-US" sz="1400" dirty="0"/>
+              <a:t>1)</a:t>
+            </a:r>
+          </a:p>
+          <a:p>
+            <a:r>
+              <a:rPr lang="en-US" sz="1400" dirty="0"/>
+              <a:t>0.05Hz</a:t>
+            </a:r>
+          </a:p>
+        </p:txBody>
+      </p:sp>
+      <p:sp>
+        <p:nvSpPr>
+          <p:cNvPr id="61" name="TextBox 60">
+            <a:extLst>
+              <a:ext uri="{FF2B5EF4-FFF2-40B4-BE49-F238E27FC236}">
+                <a16:creationId xmlns:a16="http://schemas.microsoft.com/office/drawing/2014/main" id="{638B2E73-6A07-5F4E-A1D2-391E1902917A}"/>
+              </a:ext>
+            </a:extLst>
+          </p:cNvPr>
+          <p:cNvSpPr txBox="1"/>
+          <p:nvPr/>
+        </p:nvSpPr>
+        <p:spPr>
+          <a:xfrm>
+            <a:off x="5071739" y="1294229"/>
+            <a:ext cx="686406" cy="523220"/>
+          </a:xfrm>
+          <a:prstGeom prst="rect">
+            <a:avLst/>
+          </a:prstGeom>
+          <a:noFill/>
+        </p:spPr>
+        <p:txBody>
+          <a:bodyPr wrap="none" rtlCol="0">
+            <a:spAutoFit/>
+          </a:bodyPr>
+          <a:lstStyle/>
+          <a:p>
+            <a:r>
+              <a:rPr lang="en-US" sz="1400" dirty="0"/>
+              <a:t>1)</a:t>
+            </a:r>
+          </a:p>
+          <a:p>
+            <a:r>
+              <a:rPr lang="en-US" sz="1400" dirty="0"/>
+              <a:t>0.05Hz</a:t>
+            </a:r>
+          </a:p>
+        </p:txBody>
+      </p:sp>
+      <p:sp>
+        <p:nvSpPr>
+          <p:cNvPr id="62" name="TextBox 61">
+            <a:extLst>
+              <a:ext uri="{FF2B5EF4-FFF2-40B4-BE49-F238E27FC236}">
+                <a16:creationId xmlns:a16="http://schemas.microsoft.com/office/drawing/2014/main" id="{91135BD4-97D1-2843-A745-749FB69C4A98}"/>
+              </a:ext>
+            </a:extLst>
+          </p:cNvPr>
+          <p:cNvSpPr txBox="1"/>
+          <p:nvPr/>
+        </p:nvSpPr>
+        <p:spPr>
+          <a:xfrm>
+            <a:off x="1537932" y="1697950"/>
+            <a:ext cx="686406" cy="523220"/>
+          </a:xfrm>
+          <a:prstGeom prst="rect">
+            <a:avLst/>
+          </a:prstGeom>
+          <a:noFill/>
+        </p:spPr>
+        <p:txBody>
+          <a:bodyPr wrap="none" rtlCol="0">
+            <a:spAutoFit/>
+          </a:bodyPr>
+          <a:lstStyle/>
+          <a:p>
+            <a:r>
+              <a:rPr lang="en-US" sz="1400" dirty="0"/>
+              <a:t>1)</a:t>
+            </a:r>
+          </a:p>
+          <a:p>
+            <a:r>
+              <a:rPr lang="en-US" sz="1400" dirty="0"/>
+              <a:t>0.05Hz</a:t>
+            </a:r>
+          </a:p>
+        </p:txBody>
+      </p:sp>
+      <p:sp>
+        <p:nvSpPr>
+          <p:cNvPr id="63" name="TextBox 62">
+            <a:extLst>
+              <a:ext uri="{FF2B5EF4-FFF2-40B4-BE49-F238E27FC236}">
+                <a16:creationId xmlns:a16="http://schemas.microsoft.com/office/drawing/2014/main" id="{C0B75C2E-2136-0945-8F8F-600BD0BDCAA1}"/>
+              </a:ext>
+            </a:extLst>
+          </p:cNvPr>
+          <p:cNvSpPr txBox="1"/>
+          <p:nvPr/>
+        </p:nvSpPr>
+        <p:spPr>
+          <a:xfrm>
+            <a:off x="6393994" y="1547124"/>
+            <a:ext cx="686406" cy="523220"/>
+          </a:xfrm>
+          <a:prstGeom prst="rect">
+            <a:avLst/>
+          </a:prstGeom>
+          <a:noFill/>
+        </p:spPr>
+        <p:txBody>
+          <a:bodyPr wrap="none" rtlCol="0">
+            <a:spAutoFit/>
+          </a:bodyPr>
+          <a:lstStyle/>
+          <a:p>
+            <a:r>
+              <a:rPr lang="en-US" sz="1400" dirty="0"/>
+              <a:t>1)</a:t>
+            </a:r>
+          </a:p>
+          <a:p>
+            <a:r>
+              <a:rPr lang="en-US" sz="1400" dirty="0"/>
+              <a:t>0.05Hz</a:t>
+            </a:r>
+          </a:p>
+        </p:txBody>
+      </p:sp>
+      <p:sp>
+        <p:nvSpPr>
+          <p:cNvPr id="64" name="TextBox 63">
+            <a:extLst>
+              <a:ext uri="{FF2B5EF4-FFF2-40B4-BE49-F238E27FC236}">
+                <a16:creationId xmlns:a16="http://schemas.microsoft.com/office/drawing/2014/main" id="{22AEEBC5-6694-8D48-B90A-E9698C1AF773}"/>
+              </a:ext>
+            </a:extLst>
+          </p:cNvPr>
+          <p:cNvSpPr txBox="1"/>
+          <p:nvPr/>
+        </p:nvSpPr>
+        <p:spPr>
+          <a:xfrm>
+            <a:off x="7433455" y="1636589"/>
+            <a:ext cx="686406" cy="523220"/>
+          </a:xfrm>
+          <a:prstGeom prst="rect">
+            <a:avLst/>
+          </a:prstGeom>
+          <a:noFill/>
+        </p:spPr>
+        <p:txBody>
+          <a:bodyPr wrap="none" rtlCol="0">
+            <a:spAutoFit/>
+          </a:bodyPr>
+          <a:lstStyle/>
+          <a:p>
+            <a:r>
+              <a:rPr lang="en-US" sz="1400" dirty="0"/>
+              <a:t>1)</a:t>
+            </a:r>
+          </a:p>
+          <a:p>
+            <a:r>
+              <a:rPr lang="en-US" sz="1400" dirty="0"/>
+              <a:t>0.05Hz</a:t>
+            </a:r>
+          </a:p>
+        </p:txBody>
+      </p:sp>
+      <p:sp>
+        <p:nvSpPr>
+          <p:cNvPr id="65" name="TextBox 64">
+            <a:extLst>
+              <a:ext uri="{FF2B5EF4-FFF2-40B4-BE49-F238E27FC236}">
+                <a16:creationId xmlns:a16="http://schemas.microsoft.com/office/drawing/2014/main" id="{03D401D9-BAC7-C041-A332-B3EB0EB5AFBB}"/>
+              </a:ext>
+            </a:extLst>
+          </p:cNvPr>
+          <p:cNvSpPr txBox="1"/>
+          <p:nvPr/>
+        </p:nvSpPr>
+        <p:spPr>
+          <a:xfrm>
+            <a:off x="8790439" y="2052603"/>
+            <a:ext cx="686406" cy="523220"/>
+          </a:xfrm>
+          <a:prstGeom prst="rect">
+            <a:avLst/>
+          </a:prstGeom>
+          <a:noFill/>
+        </p:spPr>
+        <p:txBody>
+          <a:bodyPr wrap="none" rtlCol="0">
+            <a:spAutoFit/>
+          </a:bodyPr>
+          <a:lstStyle/>
+          <a:p>
+            <a:r>
+              <a:rPr lang="en-US" sz="1400" dirty="0"/>
+              <a:t>1)</a:t>
+            </a:r>
+          </a:p>
+          <a:p>
+            <a:r>
+              <a:rPr lang="en-US" sz="1400" dirty="0"/>
+              <a:t>0.05Hz</a:t>
+            </a:r>
+          </a:p>
+        </p:txBody>
+      </p:sp>
+      <p:sp>
+        <p:nvSpPr>
+          <p:cNvPr id="66" name="TextBox 65">
+            <a:extLst>
+              <a:ext uri="{FF2B5EF4-FFF2-40B4-BE49-F238E27FC236}">
+                <a16:creationId xmlns:a16="http://schemas.microsoft.com/office/drawing/2014/main" id="{C3121BB1-2AE3-454B-8EC2-59E95EEC3EDF}"/>
+              </a:ext>
+            </a:extLst>
+          </p:cNvPr>
+          <p:cNvSpPr txBox="1"/>
+          <p:nvPr/>
+        </p:nvSpPr>
+        <p:spPr>
+          <a:xfrm>
+            <a:off x="9831557" y="1994430"/>
+            <a:ext cx="686406" cy="523220"/>
+          </a:xfrm>
+          <a:prstGeom prst="rect">
+            <a:avLst/>
+          </a:prstGeom>
+          <a:noFill/>
+        </p:spPr>
+        <p:txBody>
+          <a:bodyPr wrap="none" rtlCol="0">
+            <a:spAutoFit/>
+          </a:bodyPr>
+          <a:lstStyle/>
+          <a:p>
+            <a:r>
+              <a:rPr lang="en-US" sz="1400" dirty="0"/>
+              <a:t>1)</a:t>
+            </a:r>
+          </a:p>
+          <a:p>
+            <a:r>
+              <a:rPr lang="en-US" sz="1400" dirty="0"/>
+              <a:t>0.05Hz</a:t>
+            </a:r>
+          </a:p>
+        </p:txBody>
+      </p:sp>
+      <p:sp>
+        <p:nvSpPr>
+          <p:cNvPr id="67" name="TextBox 66">
+            <a:extLst>
+              <a:ext uri="{FF2B5EF4-FFF2-40B4-BE49-F238E27FC236}">
+                <a16:creationId xmlns:a16="http://schemas.microsoft.com/office/drawing/2014/main" id="{8DDE0034-A7C4-A04F-8878-60F389E38F6E}"/>
+              </a:ext>
+            </a:extLst>
+          </p:cNvPr>
+          <p:cNvSpPr txBox="1"/>
+          <p:nvPr/>
+        </p:nvSpPr>
+        <p:spPr>
+          <a:xfrm>
+            <a:off x="11068817" y="2070344"/>
+            <a:ext cx="686406" cy="523220"/>
+          </a:xfrm>
+          <a:prstGeom prst="rect">
+            <a:avLst/>
+          </a:prstGeom>
+          <a:noFill/>
+        </p:spPr>
+        <p:txBody>
+          <a:bodyPr wrap="none" rtlCol="0">
+            <a:spAutoFit/>
+          </a:bodyPr>
+          <a:lstStyle/>
+          <a:p>
+            <a:r>
+              <a:rPr lang="en-US" sz="1400" dirty="0"/>
+              <a:t>1)</a:t>
+            </a:r>
+          </a:p>
+          <a:p>
+            <a:r>
+              <a:rPr lang="en-US" sz="1400" dirty="0"/>
+              <a:t>0.05Hz</a:t>
+            </a:r>
+          </a:p>
+        </p:txBody>
+      </p:sp>
+      <p:sp>
+        <p:nvSpPr>
+          <p:cNvPr id="68" name="TextBox 67">
+            <a:extLst>
+              <a:ext uri="{FF2B5EF4-FFF2-40B4-BE49-F238E27FC236}">
+                <a16:creationId xmlns:a16="http://schemas.microsoft.com/office/drawing/2014/main" id="{FE21FF3F-8E0C-8342-9EAD-C76DCDECE4A4}"/>
+              </a:ext>
+            </a:extLst>
+          </p:cNvPr>
+          <p:cNvSpPr txBox="1"/>
+          <p:nvPr/>
+        </p:nvSpPr>
+        <p:spPr>
+          <a:xfrm>
+            <a:off x="2544795" y="4304031"/>
+            <a:ext cx="1298753" cy="738664"/>
+          </a:xfrm>
+          <a:prstGeom prst="rect">
+            <a:avLst/>
+          </a:prstGeom>
+          <a:noFill/>
+        </p:spPr>
+        <p:txBody>
+          <a:bodyPr wrap="none" rtlCol="0">
+            <a:spAutoFit/>
+          </a:bodyPr>
+          <a:lstStyle/>
+          <a:p>
+            <a:r>
+              <a:rPr lang="en-US" sz="1400" dirty="0"/>
+              <a:t>2)</a:t>
+            </a:r>
+          </a:p>
+          <a:p>
+            <a:r>
+              <a:rPr lang="en-US" sz="1400" dirty="0"/>
+              <a:t>-0.0075Hz+45</a:t>
+            </a:r>
+            <a:r>
+              <a:rPr lang="en-US" sz="1400" baseline="30000" dirty="0"/>
+              <a:t>o</a:t>
+            </a:r>
+            <a:r>
+              <a:rPr lang="en-US" sz="1400" dirty="0"/>
+              <a:t> </a:t>
+            </a:r>
+          </a:p>
+          <a:p>
+            <a:r>
+              <a:rPr lang="en-US" sz="1400" dirty="0"/>
+              <a:t>0.0325Hz</a:t>
+            </a:r>
+          </a:p>
+        </p:txBody>
+      </p:sp>
+      <p:sp>
+        <p:nvSpPr>
+          <p:cNvPr id="69" name="TextBox 68">
+            <a:extLst>
+              <a:ext uri="{FF2B5EF4-FFF2-40B4-BE49-F238E27FC236}">
+                <a16:creationId xmlns:a16="http://schemas.microsoft.com/office/drawing/2014/main" id="{ECC932D2-2D43-1542-AD74-7482BC63E599}"/>
+              </a:ext>
+            </a:extLst>
+          </p:cNvPr>
+          <p:cNvSpPr txBox="1"/>
+          <p:nvPr/>
+        </p:nvSpPr>
+        <p:spPr>
+          <a:xfrm>
+            <a:off x="2464739" y="5710997"/>
+            <a:ext cx="1382110" cy="600164"/>
+          </a:xfrm>
+          <a:prstGeom prst="rect">
+            <a:avLst/>
+          </a:prstGeom>
+          <a:noFill/>
+        </p:spPr>
+        <p:txBody>
+          <a:bodyPr wrap="none" rtlCol="0">
+            <a:spAutoFit/>
+          </a:bodyPr>
+          <a:lstStyle/>
+          <a:p>
+            <a:r>
+              <a:rPr lang="en-US" sz="1100" dirty="0"/>
+              <a:t>2)</a:t>
+            </a:r>
+          </a:p>
+          <a:p>
+            <a:r>
+              <a:rPr lang="en-US" sz="1100" dirty="0"/>
+              <a:t>-0.0025Hz+ 90</a:t>
+            </a:r>
+            <a:r>
+              <a:rPr lang="en-US" sz="1100" baseline="30000" dirty="0"/>
+              <a:t>o </a:t>
+            </a:r>
+            <a:r>
+              <a:rPr lang="en-US" sz="1100" dirty="0"/>
+              <a:t>+45</a:t>
+            </a:r>
+            <a:r>
+              <a:rPr lang="en-US" sz="1100" baseline="30000" dirty="0"/>
+              <a:t>o</a:t>
+            </a:r>
+            <a:r>
+              <a:rPr lang="en-US" sz="1100" dirty="0"/>
+              <a:t> </a:t>
+            </a:r>
+          </a:p>
+          <a:p>
+            <a:r>
+              <a:rPr lang="en-US" sz="1100" dirty="0"/>
+              <a:t>0.0375Hz</a:t>
+            </a:r>
+          </a:p>
+        </p:txBody>
+      </p:sp>
+      <p:sp>
+        <p:nvSpPr>
+          <p:cNvPr id="70" name="TextBox 69">
+            <a:extLst>
+              <a:ext uri="{FF2B5EF4-FFF2-40B4-BE49-F238E27FC236}">
+                <a16:creationId xmlns:a16="http://schemas.microsoft.com/office/drawing/2014/main" id="{7F2FC325-B1B5-564B-858A-CD17E5180596}"/>
+              </a:ext>
+            </a:extLst>
+          </p:cNvPr>
+          <p:cNvSpPr txBox="1"/>
+          <p:nvPr/>
+        </p:nvSpPr>
+        <p:spPr>
+          <a:xfrm>
+            <a:off x="3755736" y="4911484"/>
+            <a:ext cx="1207382" cy="738664"/>
+          </a:xfrm>
+          <a:prstGeom prst="rect">
+            <a:avLst/>
+          </a:prstGeom>
+          <a:noFill/>
+        </p:spPr>
+        <p:txBody>
+          <a:bodyPr wrap="none" rtlCol="0">
+            <a:spAutoFit/>
+          </a:bodyPr>
+          <a:lstStyle/>
+          <a:p>
+            <a:r>
+              <a:rPr lang="en-US" sz="1400" dirty="0"/>
+              <a:t>2)</a:t>
+            </a:r>
+          </a:p>
+          <a:p>
+            <a:r>
+              <a:rPr lang="en-US" sz="1400" dirty="0"/>
+              <a:t>-0.005Hz+90</a:t>
+            </a:r>
+            <a:r>
+              <a:rPr lang="en-US" sz="1400" baseline="30000" dirty="0"/>
+              <a:t>o</a:t>
+            </a:r>
+            <a:r>
+              <a:rPr lang="en-US" sz="1400" dirty="0"/>
+              <a:t> </a:t>
+            </a:r>
+          </a:p>
+          <a:p>
+            <a:r>
+              <a:rPr lang="en-US" sz="1400" dirty="0"/>
+              <a:t>0.035Hz</a:t>
+            </a:r>
+          </a:p>
+        </p:txBody>
+      </p:sp>
+      <p:sp>
+        <p:nvSpPr>
+          <p:cNvPr id="71" name="TextBox 70">
+            <a:extLst>
+              <a:ext uri="{FF2B5EF4-FFF2-40B4-BE49-F238E27FC236}">
+                <a16:creationId xmlns:a16="http://schemas.microsoft.com/office/drawing/2014/main" id="{DDFE5965-08F0-1D4E-B7A2-2B76449F5777}"/>
+              </a:ext>
+            </a:extLst>
+          </p:cNvPr>
+          <p:cNvSpPr txBox="1"/>
+          <p:nvPr/>
+        </p:nvSpPr>
+        <p:spPr>
+          <a:xfrm>
+            <a:off x="3745958" y="4284557"/>
+            <a:ext cx="1298753" cy="738664"/>
+          </a:xfrm>
+          <a:prstGeom prst="rect">
+            <a:avLst/>
+          </a:prstGeom>
+          <a:noFill/>
+        </p:spPr>
+        <p:txBody>
+          <a:bodyPr wrap="none" rtlCol="0">
+            <a:spAutoFit/>
+          </a:bodyPr>
+          <a:lstStyle/>
+          <a:p>
+            <a:r>
+              <a:rPr lang="en-US" sz="1400" dirty="0"/>
+              <a:t>2)</a:t>
+            </a:r>
+          </a:p>
+          <a:p>
+            <a:r>
+              <a:rPr lang="en-US" sz="1400" dirty="0"/>
+              <a:t>-0.0075Hz+45</a:t>
+            </a:r>
+            <a:r>
+              <a:rPr lang="en-US" sz="1400" baseline="30000" dirty="0"/>
+              <a:t>o</a:t>
+            </a:r>
+            <a:r>
+              <a:rPr lang="en-US" sz="1400" dirty="0"/>
+              <a:t> </a:t>
+            </a:r>
+          </a:p>
+          <a:p>
+            <a:r>
+              <a:rPr lang="en-US" sz="1400" dirty="0"/>
+              <a:t>0.0325Hz</a:t>
+            </a:r>
+          </a:p>
+        </p:txBody>
+      </p:sp>
+      <p:sp>
+        <p:nvSpPr>
+          <p:cNvPr id="72" name="TextBox 71">
+            <a:extLst>
+              <a:ext uri="{FF2B5EF4-FFF2-40B4-BE49-F238E27FC236}">
+                <a16:creationId xmlns:a16="http://schemas.microsoft.com/office/drawing/2014/main" id="{76BA3E52-1CC5-BE46-B32D-D64FEBC9A5BC}"/>
+              </a:ext>
+            </a:extLst>
+          </p:cNvPr>
+          <p:cNvSpPr txBox="1"/>
+          <p:nvPr/>
+        </p:nvSpPr>
+        <p:spPr>
+          <a:xfrm>
+            <a:off x="3665902" y="5691523"/>
+            <a:ext cx="1382110" cy="600164"/>
+          </a:xfrm>
+          <a:prstGeom prst="rect">
+            <a:avLst/>
+          </a:prstGeom>
+          <a:noFill/>
+        </p:spPr>
+        <p:txBody>
+          <a:bodyPr wrap="none" rtlCol="0">
+            <a:spAutoFit/>
+          </a:bodyPr>
+          <a:lstStyle/>
+          <a:p>
+            <a:r>
+              <a:rPr lang="en-US" sz="1100" dirty="0"/>
+              <a:t>2)</a:t>
+            </a:r>
+          </a:p>
+          <a:p>
+            <a:r>
+              <a:rPr lang="en-US" sz="1100" dirty="0"/>
+              <a:t>-0.0025Hz+ 90</a:t>
+            </a:r>
+            <a:r>
+              <a:rPr lang="en-US" sz="1100" baseline="30000" dirty="0"/>
+              <a:t>o </a:t>
+            </a:r>
+            <a:r>
+              <a:rPr lang="en-US" sz="1100" dirty="0"/>
+              <a:t>+45</a:t>
+            </a:r>
+            <a:r>
+              <a:rPr lang="en-US" sz="1100" baseline="30000" dirty="0"/>
+              <a:t>o</a:t>
+            </a:r>
+            <a:r>
+              <a:rPr lang="en-US" sz="1100" dirty="0"/>
+              <a:t> </a:t>
+            </a:r>
+          </a:p>
+          <a:p>
+            <a:r>
+              <a:rPr lang="en-US" sz="1100" dirty="0"/>
+              <a:t>0.0375Hz</a:t>
+            </a:r>
+          </a:p>
+        </p:txBody>
+      </p:sp>
+      <p:sp>
+        <p:nvSpPr>
+          <p:cNvPr id="73" name="TextBox 72">
+            <a:extLst>
+              <a:ext uri="{FF2B5EF4-FFF2-40B4-BE49-F238E27FC236}">
+                <a16:creationId xmlns:a16="http://schemas.microsoft.com/office/drawing/2014/main" id="{46ADA5AA-B584-DA45-8ACC-98664D1422C5}"/>
+              </a:ext>
+            </a:extLst>
+          </p:cNvPr>
+          <p:cNvSpPr txBox="1"/>
+          <p:nvPr/>
+        </p:nvSpPr>
+        <p:spPr>
+          <a:xfrm>
+            <a:off x="4955935" y="4967160"/>
+            <a:ext cx="1207382" cy="738664"/>
+          </a:xfrm>
+          <a:prstGeom prst="rect">
+            <a:avLst/>
+          </a:prstGeom>
+          <a:noFill/>
+        </p:spPr>
+        <p:txBody>
+          <a:bodyPr wrap="none" rtlCol="0">
+            <a:spAutoFit/>
+          </a:bodyPr>
+          <a:lstStyle/>
+          <a:p>
+            <a:r>
+              <a:rPr lang="en-US" sz="1400" dirty="0"/>
+              <a:t>2)</a:t>
+            </a:r>
+          </a:p>
+          <a:p>
+            <a:r>
+              <a:rPr lang="en-US" sz="1400" dirty="0"/>
+              <a:t>-0.005Hz+90</a:t>
+            </a:r>
+            <a:r>
+              <a:rPr lang="en-US" sz="1400" baseline="30000" dirty="0"/>
+              <a:t>o</a:t>
+            </a:r>
+            <a:r>
+              <a:rPr lang="en-US" sz="1400" dirty="0"/>
+              <a:t> </a:t>
+            </a:r>
+          </a:p>
+          <a:p>
+            <a:r>
+              <a:rPr lang="en-US" sz="1400" dirty="0"/>
+              <a:t>0.035Hz</a:t>
+            </a:r>
+          </a:p>
+        </p:txBody>
+      </p:sp>
+      <p:sp>
+        <p:nvSpPr>
+          <p:cNvPr id="74" name="TextBox 73">
+            <a:extLst>
+              <a:ext uri="{FF2B5EF4-FFF2-40B4-BE49-F238E27FC236}">
+                <a16:creationId xmlns:a16="http://schemas.microsoft.com/office/drawing/2014/main" id="{D3AA801C-1817-2A4D-84F1-EB5BFF9CF384}"/>
+              </a:ext>
+            </a:extLst>
+          </p:cNvPr>
+          <p:cNvSpPr txBox="1"/>
+          <p:nvPr/>
+        </p:nvSpPr>
+        <p:spPr>
+          <a:xfrm>
+            <a:off x="4946157" y="4286443"/>
+            <a:ext cx="1298753" cy="738664"/>
+          </a:xfrm>
+          <a:prstGeom prst="rect">
+            <a:avLst/>
+          </a:prstGeom>
+          <a:noFill/>
+        </p:spPr>
+        <p:txBody>
+          <a:bodyPr wrap="none" rtlCol="0">
+            <a:spAutoFit/>
+          </a:bodyPr>
+          <a:lstStyle/>
+          <a:p>
+            <a:r>
+              <a:rPr lang="en-US" sz="1400" dirty="0"/>
+              <a:t>2)</a:t>
+            </a:r>
+          </a:p>
+          <a:p>
+            <a:r>
+              <a:rPr lang="en-US" sz="1400" dirty="0"/>
+              <a:t>-0.0075Hz+45</a:t>
+            </a:r>
+            <a:r>
+              <a:rPr lang="en-US" sz="1400" baseline="30000" dirty="0"/>
+              <a:t>o</a:t>
+            </a:r>
+            <a:r>
+              <a:rPr lang="en-US" sz="1400" dirty="0"/>
+              <a:t> </a:t>
+            </a:r>
+          </a:p>
+          <a:p>
+            <a:r>
+              <a:rPr lang="en-US" sz="1400" dirty="0"/>
+              <a:t>0.0325Hz</a:t>
+            </a:r>
+          </a:p>
+        </p:txBody>
+      </p:sp>
+      <p:sp>
+        <p:nvSpPr>
+          <p:cNvPr id="75" name="TextBox 74">
+            <a:extLst>
+              <a:ext uri="{FF2B5EF4-FFF2-40B4-BE49-F238E27FC236}">
+                <a16:creationId xmlns:a16="http://schemas.microsoft.com/office/drawing/2014/main" id="{EB0FE66E-037B-9B45-BF52-7F828C354836}"/>
+              </a:ext>
+            </a:extLst>
+          </p:cNvPr>
+          <p:cNvSpPr txBox="1"/>
+          <p:nvPr/>
+        </p:nvSpPr>
+        <p:spPr>
+          <a:xfrm>
+            <a:off x="4866101" y="5747199"/>
+            <a:ext cx="1382110" cy="600164"/>
+          </a:xfrm>
+          <a:prstGeom prst="rect">
+            <a:avLst/>
+          </a:prstGeom>
+          <a:noFill/>
+        </p:spPr>
+        <p:txBody>
+          <a:bodyPr wrap="none" rtlCol="0">
+            <a:spAutoFit/>
+          </a:bodyPr>
+          <a:lstStyle/>
+          <a:p>
+            <a:r>
+              <a:rPr lang="en-US" sz="1100" dirty="0"/>
+              <a:t>2)</a:t>
+            </a:r>
+          </a:p>
+          <a:p>
+            <a:r>
+              <a:rPr lang="en-US" sz="1100" dirty="0"/>
+              <a:t>-0.0025Hz+ 90</a:t>
+            </a:r>
+            <a:r>
+              <a:rPr lang="en-US" sz="1100" baseline="30000" dirty="0"/>
+              <a:t>o </a:t>
+            </a:r>
+            <a:r>
+              <a:rPr lang="en-US" sz="1100" dirty="0"/>
+              <a:t>+45</a:t>
+            </a:r>
+            <a:r>
+              <a:rPr lang="en-US" sz="1100" baseline="30000" dirty="0"/>
+              <a:t>o</a:t>
+            </a:r>
+            <a:r>
+              <a:rPr lang="en-US" sz="1100" dirty="0"/>
+              <a:t> </a:t>
+            </a:r>
+          </a:p>
+          <a:p>
+            <a:r>
+              <a:rPr lang="en-US" sz="1100" dirty="0"/>
+              <a:t>0.0375Hz</a:t>
+            </a:r>
+          </a:p>
+        </p:txBody>
+      </p:sp>
+      <p:sp>
+        <p:nvSpPr>
+          <p:cNvPr id="77" name="TextBox 76">
+            <a:extLst>
+              <a:ext uri="{FF2B5EF4-FFF2-40B4-BE49-F238E27FC236}">
+                <a16:creationId xmlns:a16="http://schemas.microsoft.com/office/drawing/2014/main" id="{B643EB9B-A31A-064C-8C09-4A67ED53A70D}"/>
+              </a:ext>
+            </a:extLst>
+          </p:cNvPr>
+          <p:cNvSpPr txBox="1"/>
+          <p:nvPr/>
+        </p:nvSpPr>
+        <p:spPr>
+          <a:xfrm>
+            <a:off x="1189205" y="515080"/>
+            <a:ext cx="6036653" cy="369332"/>
+          </a:xfrm>
+          <a:prstGeom prst="rect">
+            <a:avLst/>
+          </a:prstGeom>
+          <a:noFill/>
+        </p:spPr>
+        <p:txBody>
+          <a:bodyPr wrap="none" rtlCol="0">
+            <a:spAutoFit/>
+          </a:bodyPr>
+          <a:lstStyle/>
+          <a:p>
+            <a:r>
+              <a:rPr lang="en-US" dirty="0"/>
+              <a:t>File name: creat_sim_timeseries-v3-WithNoise_FrequencyShift</a:t>
+            </a:r>
+          </a:p>
+        </p:txBody>
+      </p:sp>
+      <p:sp>
+        <p:nvSpPr>
+          <p:cNvPr id="78" name="TextBox 77">
+            <a:extLst>
+              <a:ext uri="{FF2B5EF4-FFF2-40B4-BE49-F238E27FC236}">
+                <a16:creationId xmlns:a16="http://schemas.microsoft.com/office/drawing/2014/main" id="{4A8071D8-24CD-724C-8634-351302C05D65}"/>
+              </a:ext>
+            </a:extLst>
+          </p:cNvPr>
+          <p:cNvSpPr txBox="1"/>
+          <p:nvPr/>
+        </p:nvSpPr>
+        <p:spPr>
+          <a:xfrm>
+            <a:off x="9557997" y="103472"/>
+            <a:ext cx="970137" cy="830997"/>
+          </a:xfrm>
+          <a:prstGeom prst="rect">
+            <a:avLst/>
+          </a:prstGeom>
+          <a:noFill/>
+        </p:spPr>
+        <p:txBody>
+          <a:bodyPr wrap="none" rtlCol="0">
+            <a:spAutoFit/>
+          </a:bodyPr>
+          <a:lstStyle/>
+          <a:p>
+            <a:r>
+              <a:rPr lang="en-US" sz="1200" dirty="0"/>
+              <a:t>Amplitude</a:t>
+            </a:r>
+          </a:p>
+          <a:p>
+            <a:r>
+              <a:rPr lang="en-US" sz="1200" dirty="0"/>
+              <a:t>Signal 1 = 50</a:t>
+            </a:r>
+          </a:p>
+          <a:p>
+            <a:r>
+              <a:rPr lang="en-US" sz="1200" dirty="0"/>
+              <a:t>Signal 2= 47</a:t>
+            </a:r>
+          </a:p>
+          <a:p>
+            <a:r>
+              <a:rPr lang="en-US" sz="1200" dirty="0"/>
+              <a:t>Noise = 5 </a:t>
+            </a:r>
+          </a:p>
+        </p:txBody>
+      </p:sp>
+      <p:sp>
+        <p:nvSpPr>
+          <p:cNvPr id="79" name="TextBox 78">
+            <a:extLst>
+              <a:ext uri="{FF2B5EF4-FFF2-40B4-BE49-F238E27FC236}">
+                <a16:creationId xmlns:a16="http://schemas.microsoft.com/office/drawing/2014/main" id="{A944CF67-49EE-DD40-AC1E-CAF8FFA320C5}"/>
+              </a:ext>
+            </a:extLst>
+          </p:cNvPr>
+          <p:cNvSpPr txBox="1"/>
+          <p:nvPr/>
+        </p:nvSpPr>
+        <p:spPr>
+          <a:xfrm>
+            <a:off x="13037906" y="832207"/>
+            <a:ext cx="184731" cy="369332"/>
+          </a:xfrm>
+          <a:prstGeom prst="rect">
+            <a:avLst/>
+          </a:prstGeom>
+          <a:noFill/>
+        </p:spPr>
+        <p:txBody>
+          <a:bodyPr wrap="none" rtlCol="0">
+            <a:spAutoFit/>
+          </a:bodyPr>
+          <a:lstStyle/>
+          <a:p>
+            <a:endParaRPr lang="en-US"/>
+          </a:p>
+        </p:txBody>
+      </p:sp>
+    </p:spTree>
+    <p:extLst>
+      <p:ext uri="{BB962C8B-B14F-4D97-AF65-F5344CB8AC3E}">
+        <p14:creationId xmlns:p14="http://schemas.microsoft.com/office/powerpoint/2010/main" val="49061931"/>
       </p:ext>
     </p:extLst>
   </p:cSld>
